--- a/presentazione_tesi.pptx
+++ b/presentazione_tesi.pptx
@@ -5,22 +5,21 @@
     <p:sldMasterId id="2147483666" r:id="rId4"/>
   </p:sldMasterIdLst>
   <p:notesMasterIdLst>
-    <p:notesMasterId r:id="rId15"/>
+    <p:notesMasterId r:id="rId14"/>
   </p:notesMasterIdLst>
   <p:handoutMasterIdLst>
-    <p:handoutMasterId r:id="rId16"/>
+    <p:handoutMasterId r:id="rId15"/>
   </p:handoutMasterIdLst>
   <p:sldIdLst>
-    <p:sldId id="256" r:id="rId5"/>
-    <p:sldId id="277" r:id="rId6"/>
-    <p:sldId id="262" r:id="rId7"/>
-    <p:sldId id="289" r:id="rId8"/>
-    <p:sldId id="264" r:id="rId9"/>
-    <p:sldId id="278" r:id="rId10"/>
-    <p:sldId id="266" r:id="rId11"/>
-    <p:sldId id="268" r:id="rId12"/>
-    <p:sldId id="270" r:id="rId13"/>
-    <p:sldId id="276" r:id="rId14"/>
+    <p:sldId id="276" r:id="rId5"/>
+    <p:sldId id="290" r:id="rId6"/>
+    <p:sldId id="291" r:id="rId7"/>
+    <p:sldId id="296" r:id="rId8"/>
+    <p:sldId id="297" r:id="rId9"/>
+    <p:sldId id="292" r:id="rId10"/>
+    <p:sldId id="293" r:id="rId11"/>
+    <p:sldId id="294" r:id="rId12"/>
+    <p:sldId id="295" r:id="rId13"/>
   </p:sldIdLst>
   <p:sldSz cx="12192000" cy="6858000"/>
   <p:notesSz cx="6858000" cy="9144000"/>
@@ -249,7 +248,7 @@
             <a:pPr rtl="0"/>
             <a:fld id="{DBC54730-5EBA-4920-A6C4-7F8458A7F940}" type="datetime1">
               <a:rPr lang="it-IT" smtClean="0"/>
-              <a:t>05/07/2022</a:t>
+              <a:t>25/09/2022</a:t>
             </a:fld>
             <a:endParaRPr lang="it-IT"/>
           </a:p>
@@ -431,7 +430,7 @@
             <a:fld id="{85EC1C34-318D-43A8-83F5-3AC8647FE75E}" type="datetime1">
               <a:rPr lang="it-IT" smtClean="0"/>
               <a:pPr/>
-              <a:t>05/07/2022</a:t>
+              <a:t>25/09/2022</a:t>
             </a:fld>
             <a:endParaRPr lang="it-IT" dirty="0"/>
           </a:p>
@@ -743,9 +742,10 @@
         </p:nvSpPr>
         <p:spPr/>
         <p:txBody>
-          <a:bodyPr/>
+          <a:bodyPr rtlCol="0"/>
           <a:lstStyle/>
           <a:p>
+            <a:pPr rtl="0"/>
             <a:endParaRPr lang="it-IT"/>
           </a:p>
         </p:txBody>
@@ -762,7 +762,7 @@
         </p:nvSpPr>
         <p:spPr/>
         <p:txBody>
-          <a:bodyPr/>
+          <a:bodyPr rtlCol="0"/>
           <a:lstStyle/>
           <a:p>
             <a:pPr rtl="0"/>
@@ -777,773 +777,7 @@
     </p:spTree>
     <p:extLst>
       <p:ext uri="{BB962C8B-B14F-4D97-AF65-F5344CB8AC3E}">
-        <p14:creationId xmlns:p14="http://schemas.microsoft.com/office/powerpoint/2010/main" val="3842955324"/>
-      </p:ext>
-    </p:extLst>
-  </p:cSld>
-  <p:clrMapOvr>
-    <a:masterClrMapping/>
-  </p:clrMapOvr>
-</p:notes>
-</file>
-
-<file path=ppt/notesSlides/notesSlide10.xml><?xml version="1.0" encoding="utf-8"?>
-<p:notes xmlns:a="http://schemas.openxmlformats.org/drawingml/2006/main" xmlns:r="http://schemas.openxmlformats.org/officeDocument/2006/relationships" xmlns:p="http://schemas.openxmlformats.org/presentationml/2006/main">
-  <p:cSld>
-    <p:spTree>
-      <p:nvGrpSpPr>
-        <p:cNvPr id="1" name=""/>
-        <p:cNvGrpSpPr/>
-        <p:nvPr/>
-      </p:nvGrpSpPr>
-      <p:grpSpPr>
-        <a:xfrm>
-          <a:off x="0" y="0"/>
-          <a:ext cx="0" cy="0"/>
-          <a:chOff x="0" y="0"/>
-          <a:chExt cx="0" cy="0"/>
-        </a:xfrm>
-      </p:grpSpPr>
-      <p:sp>
-        <p:nvSpPr>
-          <p:cNvPr id="2" name="Segnaposto immagine diapositiva 1"/>
-          <p:cNvSpPr>
-            <a:spLocks noGrp="1" noRot="1" noChangeAspect="1"/>
-          </p:cNvSpPr>
-          <p:nvPr>
-            <p:ph type="sldImg"/>
-          </p:nvPr>
-        </p:nvSpPr>
-        <p:spPr/>
-      </p:sp>
-      <p:sp>
-        <p:nvSpPr>
-          <p:cNvPr id="3" name="Segnaposto note 2"/>
-          <p:cNvSpPr>
-            <a:spLocks noGrp="1"/>
-          </p:cNvSpPr>
-          <p:nvPr>
-            <p:ph type="body" idx="1"/>
-          </p:nvPr>
-        </p:nvSpPr>
-        <p:spPr/>
-        <p:txBody>
-          <a:bodyPr rtlCol="0"/>
-          <a:lstStyle/>
-          <a:p>
-            <a:pPr rtl="0"/>
-            <a:endParaRPr lang="it-IT"/>
-          </a:p>
-        </p:txBody>
-      </p:sp>
-      <p:sp>
-        <p:nvSpPr>
-          <p:cNvPr id="4" name="Segnaposto numero diapositiva 3"/>
-          <p:cNvSpPr>
-            <a:spLocks noGrp="1"/>
-          </p:cNvSpPr>
-          <p:nvPr>
-            <p:ph type="sldNum" sz="quarter" idx="5"/>
-          </p:nvPr>
-        </p:nvSpPr>
-        <p:spPr/>
-        <p:txBody>
-          <a:bodyPr rtlCol="0"/>
-          <a:lstStyle/>
-          <a:p>
-            <a:pPr rtl="0"/>
-            <a:fld id="{D4B9A9E5-4F7F-4A7D-9DE1-899232329269}" type="slidenum">
-              <a:rPr lang="it-IT" smtClean="0"/>
-              <a:t>10</a:t>
-            </a:fld>
-            <a:endParaRPr lang="it-IT"/>
-          </a:p>
-        </p:txBody>
-      </p:sp>
-    </p:spTree>
-    <p:extLst>
-      <p:ext uri="{BB962C8B-B14F-4D97-AF65-F5344CB8AC3E}">
         <p14:creationId xmlns:p14="http://schemas.microsoft.com/office/powerpoint/2010/main" val="170328207"/>
-      </p:ext>
-    </p:extLst>
-  </p:cSld>
-  <p:clrMapOvr>
-    <a:masterClrMapping/>
-  </p:clrMapOvr>
-</p:notes>
-</file>
-
-<file path=ppt/notesSlides/notesSlide2.xml><?xml version="1.0" encoding="utf-8"?>
-<p:notes xmlns:a="http://schemas.openxmlformats.org/drawingml/2006/main" xmlns:r="http://schemas.openxmlformats.org/officeDocument/2006/relationships" xmlns:p="http://schemas.openxmlformats.org/presentationml/2006/main">
-  <p:cSld>
-    <p:spTree>
-      <p:nvGrpSpPr>
-        <p:cNvPr id="1" name=""/>
-        <p:cNvGrpSpPr/>
-        <p:nvPr/>
-      </p:nvGrpSpPr>
-      <p:grpSpPr>
-        <a:xfrm>
-          <a:off x="0" y="0"/>
-          <a:ext cx="0" cy="0"/>
-          <a:chOff x="0" y="0"/>
-          <a:chExt cx="0" cy="0"/>
-        </a:xfrm>
-      </p:grpSpPr>
-      <p:sp>
-        <p:nvSpPr>
-          <p:cNvPr id="2" name="Segnaposto immagine diapositiva 1"/>
-          <p:cNvSpPr>
-            <a:spLocks noGrp="1" noRot="1" noChangeAspect="1"/>
-          </p:cNvSpPr>
-          <p:nvPr>
-            <p:ph type="sldImg"/>
-          </p:nvPr>
-        </p:nvSpPr>
-        <p:spPr/>
-      </p:sp>
-      <p:sp>
-        <p:nvSpPr>
-          <p:cNvPr id="3" name="Segnaposto note 2"/>
-          <p:cNvSpPr>
-            <a:spLocks noGrp="1"/>
-          </p:cNvSpPr>
-          <p:nvPr>
-            <p:ph type="body" idx="1"/>
-          </p:nvPr>
-        </p:nvSpPr>
-        <p:spPr/>
-        <p:txBody>
-          <a:bodyPr/>
-          <a:lstStyle/>
-          <a:p>
-            <a:endParaRPr lang="it-IT"/>
-          </a:p>
-        </p:txBody>
-      </p:sp>
-      <p:sp>
-        <p:nvSpPr>
-          <p:cNvPr id="4" name="Segnaposto numero diapositiva 3"/>
-          <p:cNvSpPr>
-            <a:spLocks noGrp="1"/>
-          </p:cNvSpPr>
-          <p:nvPr>
-            <p:ph type="sldNum" sz="quarter" idx="5"/>
-          </p:nvPr>
-        </p:nvSpPr>
-        <p:spPr/>
-        <p:txBody>
-          <a:bodyPr/>
-          <a:lstStyle/>
-          <a:p>
-            <a:pPr rtl="0"/>
-            <a:fld id="{D4B9A9E5-4F7F-4A7D-9DE1-899232329269}" type="slidenum">
-              <a:rPr lang="it-IT" smtClean="0"/>
-              <a:t>2</a:t>
-            </a:fld>
-            <a:endParaRPr lang="it-IT"/>
-          </a:p>
-        </p:txBody>
-      </p:sp>
-    </p:spTree>
-    <p:extLst>
-      <p:ext uri="{BB962C8B-B14F-4D97-AF65-F5344CB8AC3E}">
-        <p14:creationId xmlns:p14="http://schemas.microsoft.com/office/powerpoint/2010/main" val="2303512960"/>
-      </p:ext>
-    </p:extLst>
-  </p:cSld>
-  <p:clrMapOvr>
-    <a:masterClrMapping/>
-  </p:clrMapOvr>
-</p:notes>
-</file>
-
-<file path=ppt/notesSlides/notesSlide3.xml><?xml version="1.0" encoding="utf-8"?>
-<p:notes xmlns:a="http://schemas.openxmlformats.org/drawingml/2006/main" xmlns:r="http://schemas.openxmlformats.org/officeDocument/2006/relationships" xmlns:p="http://schemas.openxmlformats.org/presentationml/2006/main">
-  <p:cSld>
-    <p:spTree>
-      <p:nvGrpSpPr>
-        <p:cNvPr id="1" name=""/>
-        <p:cNvGrpSpPr/>
-        <p:nvPr/>
-      </p:nvGrpSpPr>
-      <p:grpSpPr>
-        <a:xfrm>
-          <a:off x="0" y="0"/>
-          <a:ext cx="0" cy="0"/>
-          <a:chOff x="0" y="0"/>
-          <a:chExt cx="0" cy="0"/>
-        </a:xfrm>
-      </p:grpSpPr>
-      <p:sp>
-        <p:nvSpPr>
-          <p:cNvPr id="2" name="Segnaposto immagine diapositiva 1"/>
-          <p:cNvSpPr>
-            <a:spLocks noGrp="1" noRot="1" noChangeAspect="1"/>
-          </p:cNvSpPr>
-          <p:nvPr>
-            <p:ph type="sldImg"/>
-          </p:nvPr>
-        </p:nvSpPr>
-        <p:spPr/>
-      </p:sp>
-      <p:sp>
-        <p:nvSpPr>
-          <p:cNvPr id="3" name="Segnaposto note 2"/>
-          <p:cNvSpPr>
-            <a:spLocks noGrp="1"/>
-          </p:cNvSpPr>
-          <p:nvPr>
-            <p:ph type="body" idx="1"/>
-          </p:nvPr>
-        </p:nvSpPr>
-        <p:spPr/>
-        <p:txBody>
-          <a:bodyPr/>
-          <a:lstStyle/>
-          <a:p>
-            <a:endParaRPr lang="it-IT"/>
-          </a:p>
-        </p:txBody>
-      </p:sp>
-      <p:sp>
-        <p:nvSpPr>
-          <p:cNvPr id="4" name="Segnaposto numero diapositiva 3"/>
-          <p:cNvSpPr>
-            <a:spLocks noGrp="1"/>
-          </p:cNvSpPr>
-          <p:nvPr>
-            <p:ph type="sldNum" sz="quarter" idx="5"/>
-          </p:nvPr>
-        </p:nvSpPr>
-        <p:spPr/>
-        <p:txBody>
-          <a:bodyPr/>
-          <a:lstStyle/>
-          <a:p>
-            <a:pPr rtl="0"/>
-            <a:fld id="{D4B9A9E5-4F7F-4A7D-9DE1-899232329269}" type="slidenum">
-              <a:rPr lang="it-IT" smtClean="0"/>
-              <a:t>3</a:t>
-            </a:fld>
-            <a:endParaRPr lang="it-IT"/>
-          </a:p>
-        </p:txBody>
-      </p:sp>
-    </p:spTree>
-    <p:extLst>
-      <p:ext uri="{BB962C8B-B14F-4D97-AF65-F5344CB8AC3E}">
-        <p14:creationId xmlns:p14="http://schemas.microsoft.com/office/powerpoint/2010/main" val="439735335"/>
-      </p:ext>
-    </p:extLst>
-  </p:cSld>
-  <p:clrMapOvr>
-    <a:masterClrMapping/>
-  </p:clrMapOvr>
-</p:notes>
-</file>
-
-<file path=ppt/notesSlides/notesSlide4.xml><?xml version="1.0" encoding="utf-8"?>
-<p:notes xmlns:a="http://schemas.openxmlformats.org/drawingml/2006/main" xmlns:r="http://schemas.openxmlformats.org/officeDocument/2006/relationships" xmlns:p="http://schemas.openxmlformats.org/presentationml/2006/main">
-  <p:cSld>
-    <p:spTree>
-      <p:nvGrpSpPr>
-        <p:cNvPr id="1" name=""/>
-        <p:cNvGrpSpPr/>
-        <p:nvPr/>
-      </p:nvGrpSpPr>
-      <p:grpSpPr>
-        <a:xfrm>
-          <a:off x="0" y="0"/>
-          <a:ext cx="0" cy="0"/>
-          <a:chOff x="0" y="0"/>
-          <a:chExt cx="0" cy="0"/>
-        </a:xfrm>
-      </p:grpSpPr>
-      <p:sp>
-        <p:nvSpPr>
-          <p:cNvPr id="2" name="Segnaposto immagine diapositiva 1"/>
-          <p:cNvSpPr>
-            <a:spLocks noGrp="1" noRot="1" noChangeAspect="1"/>
-          </p:cNvSpPr>
-          <p:nvPr>
-            <p:ph type="sldImg"/>
-          </p:nvPr>
-        </p:nvSpPr>
-        <p:spPr/>
-      </p:sp>
-      <p:sp>
-        <p:nvSpPr>
-          <p:cNvPr id="3" name="Segnaposto note 2"/>
-          <p:cNvSpPr>
-            <a:spLocks noGrp="1"/>
-          </p:cNvSpPr>
-          <p:nvPr>
-            <p:ph type="body" idx="1"/>
-          </p:nvPr>
-        </p:nvSpPr>
-        <p:spPr/>
-        <p:txBody>
-          <a:bodyPr/>
-          <a:lstStyle/>
-          <a:p>
-            <a:endParaRPr lang="it-IT"/>
-          </a:p>
-        </p:txBody>
-      </p:sp>
-      <p:sp>
-        <p:nvSpPr>
-          <p:cNvPr id="4" name="Segnaposto numero diapositiva 3"/>
-          <p:cNvSpPr>
-            <a:spLocks noGrp="1"/>
-          </p:cNvSpPr>
-          <p:nvPr>
-            <p:ph type="sldNum" sz="quarter" idx="5"/>
-          </p:nvPr>
-        </p:nvSpPr>
-        <p:spPr/>
-        <p:txBody>
-          <a:bodyPr/>
-          <a:lstStyle/>
-          <a:p>
-            <a:pPr rtl="0"/>
-            <a:fld id="{D4B9A9E5-4F7F-4A7D-9DE1-899232329269}" type="slidenum">
-              <a:rPr lang="it-IT" smtClean="0"/>
-              <a:t>4</a:t>
-            </a:fld>
-            <a:endParaRPr lang="it-IT"/>
-          </a:p>
-        </p:txBody>
-      </p:sp>
-    </p:spTree>
-    <p:extLst>
-      <p:ext uri="{BB962C8B-B14F-4D97-AF65-F5344CB8AC3E}">
-        <p14:creationId xmlns:p14="http://schemas.microsoft.com/office/powerpoint/2010/main" val="1836112865"/>
-      </p:ext>
-    </p:extLst>
-  </p:cSld>
-  <p:clrMapOvr>
-    <a:masterClrMapping/>
-  </p:clrMapOvr>
-</p:notes>
-</file>
-
-<file path=ppt/notesSlides/notesSlide5.xml><?xml version="1.0" encoding="utf-8"?>
-<p:notes xmlns:a="http://schemas.openxmlformats.org/drawingml/2006/main" xmlns:r="http://schemas.openxmlformats.org/officeDocument/2006/relationships" xmlns:p="http://schemas.openxmlformats.org/presentationml/2006/main">
-  <p:cSld>
-    <p:spTree>
-      <p:nvGrpSpPr>
-        <p:cNvPr id="1" name=""/>
-        <p:cNvGrpSpPr/>
-        <p:nvPr/>
-      </p:nvGrpSpPr>
-      <p:grpSpPr>
-        <a:xfrm>
-          <a:off x="0" y="0"/>
-          <a:ext cx="0" cy="0"/>
-          <a:chOff x="0" y="0"/>
-          <a:chExt cx="0" cy="0"/>
-        </a:xfrm>
-      </p:grpSpPr>
-      <p:sp>
-        <p:nvSpPr>
-          <p:cNvPr id="2" name="Segnaposto immagine diapositiva 1"/>
-          <p:cNvSpPr>
-            <a:spLocks noGrp="1" noRot="1" noChangeAspect="1"/>
-          </p:cNvSpPr>
-          <p:nvPr>
-            <p:ph type="sldImg"/>
-          </p:nvPr>
-        </p:nvSpPr>
-        <p:spPr/>
-      </p:sp>
-      <p:sp>
-        <p:nvSpPr>
-          <p:cNvPr id="3" name="Segnaposto note 2"/>
-          <p:cNvSpPr>
-            <a:spLocks noGrp="1"/>
-          </p:cNvSpPr>
-          <p:nvPr>
-            <p:ph type="body" idx="1"/>
-          </p:nvPr>
-        </p:nvSpPr>
-        <p:spPr/>
-        <p:txBody>
-          <a:bodyPr/>
-          <a:lstStyle/>
-          <a:p>
-            <a:endParaRPr lang="it-IT"/>
-          </a:p>
-        </p:txBody>
-      </p:sp>
-      <p:sp>
-        <p:nvSpPr>
-          <p:cNvPr id="4" name="Segnaposto numero diapositiva 3"/>
-          <p:cNvSpPr>
-            <a:spLocks noGrp="1"/>
-          </p:cNvSpPr>
-          <p:nvPr>
-            <p:ph type="sldNum" sz="quarter" idx="5"/>
-          </p:nvPr>
-        </p:nvSpPr>
-        <p:spPr/>
-        <p:txBody>
-          <a:bodyPr/>
-          <a:lstStyle/>
-          <a:p>
-            <a:pPr rtl="0"/>
-            <a:fld id="{D4B9A9E5-4F7F-4A7D-9DE1-899232329269}" type="slidenum">
-              <a:rPr lang="it-IT" smtClean="0"/>
-              <a:t>5</a:t>
-            </a:fld>
-            <a:endParaRPr lang="it-IT"/>
-          </a:p>
-        </p:txBody>
-      </p:sp>
-    </p:spTree>
-    <p:extLst>
-      <p:ext uri="{BB962C8B-B14F-4D97-AF65-F5344CB8AC3E}">
-        <p14:creationId xmlns:p14="http://schemas.microsoft.com/office/powerpoint/2010/main" val="768818408"/>
-      </p:ext>
-    </p:extLst>
-  </p:cSld>
-  <p:clrMapOvr>
-    <a:masterClrMapping/>
-  </p:clrMapOvr>
-</p:notes>
-</file>
-
-<file path=ppt/notesSlides/notesSlide6.xml><?xml version="1.0" encoding="utf-8"?>
-<p:notes xmlns:a="http://schemas.openxmlformats.org/drawingml/2006/main" xmlns:r="http://schemas.openxmlformats.org/officeDocument/2006/relationships" xmlns:p="http://schemas.openxmlformats.org/presentationml/2006/main">
-  <p:cSld>
-    <p:spTree>
-      <p:nvGrpSpPr>
-        <p:cNvPr id="1" name=""/>
-        <p:cNvGrpSpPr/>
-        <p:nvPr/>
-      </p:nvGrpSpPr>
-      <p:grpSpPr>
-        <a:xfrm>
-          <a:off x="0" y="0"/>
-          <a:ext cx="0" cy="0"/>
-          <a:chOff x="0" y="0"/>
-          <a:chExt cx="0" cy="0"/>
-        </a:xfrm>
-      </p:grpSpPr>
-      <p:sp>
-        <p:nvSpPr>
-          <p:cNvPr id="2" name="Segnaposto immagine diapositiva 1"/>
-          <p:cNvSpPr>
-            <a:spLocks noGrp="1" noRot="1" noChangeAspect="1"/>
-          </p:cNvSpPr>
-          <p:nvPr>
-            <p:ph type="sldImg"/>
-          </p:nvPr>
-        </p:nvSpPr>
-        <p:spPr/>
-      </p:sp>
-      <p:sp>
-        <p:nvSpPr>
-          <p:cNvPr id="3" name="Segnaposto note 2"/>
-          <p:cNvSpPr>
-            <a:spLocks noGrp="1"/>
-          </p:cNvSpPr>
-          <p:nvPr>
-            <p:ph type="body" idx="1"/>
-          </p:nvPr>
-        </p:nvSpPr>
-        <p:spPr/>
-        <p:txBody>
-          <a:bodyPr/>
-          <a:lstStyle/>
-          <a:p>
-            <a:endParaRPr lang="it-IT"/>
-          </a:p>
-        </p:txBody>
-      </p:sp>
-      <p:sp>
-        <p:nvSpPr>
-          <p:cNvPr id="4" name="Segnaposto numero diapositiva 3"/>
-          <p:cNvSpPr>
-            <a:spLocks noGrp="1"/>
-          </p:cNvSpPr>
-          <p:nvPr>
-            <p:ph type="sldNum" sz="quarter" idx="5"/>
-          </p:nvPr>
-        </p:nvSpPr>
-        <p:spPr/>
-        <p:txBody>
-          <a:bodyPr/>
-          <a:lstStyle/>
-          <a:p>
-            <a:pPr rtl="0"/>
-            <a:fld id="{D4B9A9E5-4F7F-4A7D-9DE1-899232329269}" type="slidenum">
-              <a:rPr lang="it-IT" smtClean="0"/>
-              <a:t>6</a:t>
-            </a:fld>
-            <a:endParaRPr lang="it-IT"/>
-          </a:p>
-        </p:txBody>
-      </p:sp>
-    </p:spTree>
-    <p:extLst>
-      <p:ext uri="{BB962C8B-B14F-4D97-AF65-F5344CB8AC3E}">
-        <p14:creationId xmlns:p14="http://schemas.microsoft.com/office/powerpoint/2010/main" val="3336070603"/>
-      </p:ext>
-    </p:extLst>
-  </p:cSld>
-  <p:clrMapOvr>
-    <a:masterClrMapping/>
-  </p:clrMapOvr>
-</p:notes>
-</file>
-
-<file path=ppt/notesSlides/notesSlide7.xml><?xml version="1.0" encoding="utf-8"?>
-<p:notes xmlns:a="http://schemas.openxmlformats.org/drawingml/2006/main" xmlns:r="http://schemas.openxmlformats.org/officeDocument/2006/relationships" xmlns:p="http://schemas.openxmlformats.org/presentationml/2006/main">
-  <p:cSld>
-    <p:spTree>
-      <p:nvGrpSpPr>
-        <p:cNvPr id="1" name=""/>
-        <p:cNvGrpSpPr/>
-        <p:nvPr/>
-      </p:nvGrpSpPr>
-      <p:grpSpPr>
-        <a:xfrm>
-          <a:off x="0" y="0"/>
-          <a:ext cx="0" cy="0"/>
-          <a:chOff x="0" y="0"/>
-          <a:chExt cx="0" cy="0"/>
-        </a:xfrm>
-      </p:grpSpPr>
-      <p:sp>
-        <p:nvSpPr>
-          <p:cNvPr id="2" name="Segnaposto immagine diapositiva 1"/>
-          <p:cNvSpPr>
-            <a:spLocks noGrp="1" noRot="1" noChangeAspect="1"/>
-          </p:cNvSpPr>
-          <p:nvPr>
-            <p:ph type="sldImg"/>
-          </p:nvPr>
-        </p:nvSpPr>
-        <p:spPr/>
-      </p:sp>
-      <p:sp>
-        <p:nvSpPr>
-          <p:cNvPr id="3" name="Segnaposto note 2"/>
-          <p:cNvSpPr>
-            <a:spLocks noGrp="1"/>
-          </p:cNvSpPr>
-          <p:nvPr>
-            <p:ph type="body" idx="1"/>
-          </p:nvPr>
-        </p:nvSpPr>
-        <p:spPr/>
-        <p:txBody>
-          <a:bodyPr/>
-          <a:lstStyle/>
-          <a:p>
-            <a:endParaRPr lang="it-IT"/>
-          </a:p>
-        </p:txBody>
-      </p:sp>
-      <p:sp>
-        <p:nvSpPr>
-          <p:cNvPr id="4" name="Segnaposto numero diapositiva 3"/>
-          <p:cNvSpPr>
-            <a:spLocks noGrp="1"/>
-          </p:cNvSpPr>
-          <p:nvPr>
-            <p:ph type="sldNum" sz="quarter" idx="5"/>
-          </p:nvPr>
-        </p:nvSpPr>
-        <p:spPr/>
-        <p:txBody>
-          <a:bodyPr/>
-          <a:lstStyle/>
-          <a:p>
-            <a:pPr rtl="0"/>
-            <a:fld id="{D4B9A9E5-4F7F-4A7D-9DE1-899232329269}" type="slidenum">
-              <a:rPr lang="it-IT" smtClean="0"/>
-              <a:t>7</a:t>
-            </a:fld>
-            <a:endParaRPr lang="it-IT"/>
-          </a:p>
-        </p:txBody>
-      </p:sp>
-    </p:spTree>
-    <p:extLst>
-      <p:ext uri="{BB962C8B-B14F-4D97-AF65-F5344CB8AC3E}">
-        <p14:creationId xmlns:p14="http://schemas.microsoft.com/office/powerpoint/2010/main" val="161650894"/>
-      </p:ext>
-    </p:extLst>
-  </p:cSld>
-  <p:clrMapOvr>
-    <a:masterClrMapping/>
-  </p:clrMapOvr>
-</p:notes>
-</file>
-
-<file path=ppt/notesSlides/notesSlide8.xml><?xml version="1.0" encoding="utf-8"?>
-<p:notes xmlns:a="http://schemas.openxmlformats.org/drawingml/2006/main" xmlns:r="http://schemas.openxmlformats.org/officeDocument/2006/relationships" xmlns:p="http://schemas.openxmlformats.org/presentationml/2006/main">
-  <p:cSld>
-    <p:spTree>
-      <p:nvGrpSpPr>
-        <p:cNvPr id="1" name=""/>
-        <p:cNvGrpSpPr/>
-        <p:nvPr/>
-      </p:nvGrpSpPr>
-      <p:grpSpPr>
-        <a:xfrm>
-          <a:off x="0" y="0"/>
-          <a:ext cx="0" cy="0"/>
-          <a:chOff x="0" y="0"/>
-          <a:chExt cx="0" cy="0"/>
-        </a:xfrm>
-      </p:grpSpPr>
-      <p:sp>
-        <p:nvSpPr>
-          <p:cNvPr id="2" name="Segnaposto immagine diapositiva 1"/>
-          <p:cNvSpPr>
-            <a:spLocks noGrp="1" noRot="1" noChangeAspect="1"/>
-          </p:cNvSpPr>
-          <p:nvPr>
-            <p:ph type="sldImg"/>
-          </p:nvPr>
-        </p:nvSpPr>
-        <p:spPr/>
-      </p:sp>
-      <p:sp>
-        <p:nvSpPr>
-          <p:cNvPr id="3" name="Segnaposto note 2"/>
-          <p:cNvSpPr>
-            <a:spLocks noGrp="1"/>
-          </p:cNvSpPr>
-          <p:nvPr>
-            <p:ph type="body" idx="1"/>
-          </p:nvPr>
-        </p:nvSpPr>
-        <p:spPr/>
-        <p:txBody>
-          <a:bodyPr/>
-          <a:lstStyle/>
-          <a:p>
-            <a:endParaRPr lang="it-IT"/>
-          </a:p>
-        </p:txBody>
-      </p:sp>
-      <p:sp>
-        <p:nvSpPr>
-          <p:cNvPr id="4" name="Segnaposto numero diapositiva 3"/>
-          <p:cNvSpPr>
-            <a:spLocks noGrp="1"/>
-          </p:cNvSpPr>
-          <p:nvPr>
-            <p:ph type="sldNum" sz="quarter" idx="5"/>
-          </p:nvPr>
-        </p:nvSpPr>
-        <p:spPr/>
-        <p:txBody>
-          <a:bodyPr/>
-          <a:lstStyle/>
-          <a:p>
-            <a:pPr rtl="0"/>
-            <a:fld id="{D4B9A9E5-4F7F-4A7D-9DE1-899232329269}" type="slidenum">
-              <a:rPr lang="it-IT" smtClean="0"/>
-              <a:t>8</a:t>
-            </a:fld>
-            <a:endParaRPr lang="it-IT"/>
-          </a:p>
-        </p:txBody>
-      </p:sp>
-    </p:spTree>
-    <p:extLst>
-      <p:ext uri="{BB962C8B-B14F-4D97-AF65-F5344CB8AC3E}">
-        <p14:creationId xmlns:p14="http://schemas.microsoft.com/office/powerpoint/2010/main" val="1818856909"/>
-      </p:ext>
-    </p:extLst>
-  </p:cSld>
-  <p:clrMapOvr>
-    <a:masterClrMapping/>
-  </p:clrMapOvr>
-</p:notes>
-</file>
-
-<file path=ppt/notesSlides/notesSlide9.xml><?xml version="1.0" encoding="utf-8"?>
-<p:notes xmlns:a="http://schemas.openxmlformats.org/drawingml/2006/main" xmlns:r="http://schemas.openxmlformats.org/officeDocument/2006/relationships" xmlns:p="http://schemas.openxmlformats.org/presentationml/2006/main">
-  <p:cSld>
-    <p:spTree>
-      <p:nvGrpSpPr>
-        <p:cNvPr id="1" name=""/>
-        <p:cNvGrpSpPr/>
-        <p:nvPr/>
-      </p:nvGrpSpPr>
-      <p:grpSpPr>
-        <a:xfrm>
-          <a:off x="0" y="0"/>
-          <a:ext cx="0" cy="0"/>
-          <a:chOff x="0" y="0"/>
-          <a:chExt cx="0" cy="0"/>
-        </a:xfrm>
-      </p:grpSpPr>
-      <p:sp>
-        <p:nvSpPr>
-          <p:cNvPr id="2" name="Segnaposto immagine diapositiva 1"/>
-          <p:cNvSpPr>
-            <a:spLocks noGrp="1" noRot="1" noChangeAspect="1"/>
-          </p:cNvSpPr>
-          <p:nvPr>
-            <p:ph type="sldImg"/>
-          </p:nvPr>
-        </p:nvSpPr>
-        <p:spPr/>
-      </p:sp>
-      <p:sp>
-        <p:nvSpPr>
-          <p:cNvPr id="3" name="Segnaposto note 2"/>
-          <p:cNvSpPr>
-            <a:spLocks noGrp="1"/>
-          </p:cNvSpPr>
-          <p:nvPr>
-            <p:ph type="body" idx="1"/>
-          </p:nvPr>
-        </p:nvSpPr>
-        <p:spPr/>
-        <p:txBody>
-          <a:bodyPr/>
-          <a:lstStyle/>
-          <a:p>
-            <a:endParaRPr lang="it-IT"/>
-          </a:p>
-        </p:txBody>
-      </p:sp>
-      <p:sp>
-        <p:nvSpPr>
-          <p:cNvPr id="4" name="Segnaposto numero diapositiva 3"/>
-          <p:cNvSpPr>
-            <a:spLocks noGrp="1"/>
-          </p:cNvSpPr>
-          <p:nvPr>
-            <p:ph type="sldNum" sz="quarter" idx="5"/>
-          </p:nvPr>
-        </p:nvSpPr>
-        <p:spPr/>
-        <p:txBody>
-          <a:bodyPr/>
-          <a:lstStyle/>
-          <a:p>
-            <a:pPr rtl="0"/>
-            <a:fld id="{D4B9A9E5-4F7F-4A7D-9DE1-899232329269}" type="slidenum">
-              <a:rPr lang="it-IT" smtClean="0"/>
-              <a:t>9</a:t>
-            </a:fld>
-            <a:endParaRPr lang="it-IT"/>
-          </a:p>
-        </p:txBody>
-      </p:sp>
-    </p:spTree>
-    <p:extLst>
-      <p:ext uri="{BB962C8B-B14F-4D97-AF65-F5344CB8AC3E}">
-        <p14:creationId xmlns:p14="http://schemas.microsoft.com/office/powerpoint/2010/main" val="3905502423"/>
       </p:ext>
     </p:extLst>
   </p:cSld>
@@ -16881,7 +16115,7 @@
           <p:cNvPr id="2" name="Titolo 1">
             <a:extLst>
               <a:ext uri="{FF2B5EF4-FFF2-40B4-BE49-F238E27FC236}">
-                <a16:creationId xmlns:a16="http://schemas.microsoft.com/office/drawing/2014/main" id="{216815C6-3AD0-46E6-A74A-1967BD91AF50}"/>
+                <a16:creationId xmlns:a16="http://schemas.microsoft.com/office/drawing/2014/main" id="{BCCAEE93-8585-46D4-A7EC-F184E317CB2E}"/>
               </a:ext>
             </a:extLst>
           </p:cNvPr>
@@ -16894,28 +16128,42 @@
         </p:nvSpPr>
         <p:spPr>
           <a:xfrm>
-            <a:off x="6416040" y="4434840"/>
-            <a:ext cx="4941771" cy="1122202"/>
+            <a:off x="3312883" y="2596810"/>
+            <a:ext cx="7868273" cy="1477328"/>
           </a:xfrm>
         </p:spPr>
         <p:txBody>
           <a:bodyPr rtlCol="0"/>
           <a:lstStyle/>
           <a:p>
-            <a:pPr rtl="0"/>
-            <a:r>
-              <a:rPr lang="it-IT" dirty="0"/>
-              <a:t>Presentazione TIROCINIO</a:t>
-            </a:r>
-          </a:p>
-        </p:txBody>
-      </p:sp>
-      <p:sp>
-        <p:nvSpPr>
-          <p:cNvPr id="3" name="Sottotitolo 2">
-            <a:extLst>
-              <a:ext uri="{FF2B5EF4-FFF2-40B4-BE49-F238E27FC236}">
-                <a16:creationId xmlns:a16="http://schemas.microsoft.com/office/drawing/2014/main" id="{1901B20D-4C28-4DA3-ABBD-718C22A5E58B}"/>
+            <a:pPr algn="ctr"/>
+            <a:r>
+              <a:rPr lang="it-IT" sz="4000" cap="none" dirty="0"/>
+              <a:t>Classificazione della severità di patologia da</a:t>
+            </a:r>
+            <a:br>
+              <a:rPr lang="it-IT" sz="4000" cap="none" dirty="0"/>
+            </a:br>
+            <a:r>
+              <a:rPr lang="it-IT" sz="4000" cap="none" dirty="0"/>
+              <a:t>Covid-19 mediante Transfer Learning su</a:t>
+            </a:r>
+            <a:br>
+              <a:rPr lang="it-IT" sz="4000" cap="none" dirty="0"/>
+            </a:br>
+            <a:r>
+              <a:rPr lang="it-IT" sz="4000" cap="none" dirty="0"/>
+              <a:t>dataset eterogeneo</a:t>
+            </a:r>
+          </a:p>
+        </p:txBody>
+      </p:sp>
+      <p:sp>
+        <p:nvSpPr>
+          <p:cNvPr id="3" name="Segnaposto contenuto 2">
+            <a:extLst>
+              <a:ext uri="{FF2B5EF4-FFF2-40B4-BE49-F238E27FC236}">
+                <a16:creationId xmlns:a16="http://schemas.microsoft.com/office/drawing/2014/main" id="{24AFFC60-19C3-4901-93F7-7AAF4C09F8C6}"/>
               </a:ext>
             </a:extLst>
           </p:cNvPr>
@@ -16928,106 +16176,8 @@
         </p:nvSpPr>
         <p:spPr>
           <a:xfrm>
-            <a:off x="6416041" y="5586890"/>
-            <a:ext cx="4941770" cy="396660"/>
-          </a:xfrm>
-        </p:spPr>
-        <p:txBody>
-          <a:bodyPr rtlCol="0"/>
-          <a:lstStyle/>
-          <a:p>
-            <a:pPr rtl="0"/>
-            <a:r>
-              <a:rPr lang="it-IT" dirty="0"/>
-              <a:t>Gianmiriano Porrazzo</a:t>
-            </a:r>
-          </a:p>
-        </p:txBody>
-      </p:sp>
-    </p:spTree>
-    <p:extLst>
-      <p:ext uri="{BB962C8B-B14F-4D97-AF65-F5344CB8AC3E}">
-        <p14:creationId xmlns:p14="http://schemas.microsoft.com/office/powerpoint/2010/main" val="1642425379"/>
-      </p:ext>
-    </p:extLst>
-  </p:cSld>
-  <p:clrMapOvr>
-    <a:masterClrMapping/>
-  </p:clrMapOvr>
-</p:sld>
-</file>
-
-<file path=ppt/slides/slide10.xml><?xml version="1.0" encoding="utf-8"?>
-<p:sld xmlns:a="http://schemas.openxmlformats.org/drawingml/2006/main" xmlns:r="http://schemas.openxmlformats.org/officeDocument/2006/relationships" xmlns:p="http://schemas.openxmlformats.org/presentationml/2006/main">
-  <p:cSld>
-    <p:spTree>
-      <p:nvGrpSpPr>
-        <p:cNvPr id="1" name=""/>
-        <p:cNvGrpSpPr/>
-        <p:nvPr/>
-      </p:nvGrpSpPr>
-      <p:grpSpPr>
-        <a:xfrm>
-          <a:off x="0" y="0"/>
-          <a:ext cx="0" cy="0"/>
-          <a:chOff x="0" y="0"/>
-          <a:chExt cx="0" cy="0"/>
-        </a:xfrm>
-      </p:grpSpPr>
-      <p:sp>
-        <p:nvSpPr>
-          <p:cNvPr id="2" name="Titolo 1">
-            <a:extLst>
-              <a:ext uri="{FF2B5EF4-FFF2-40B4-BE49-F238E27FC236}">
-                <a16:creationId xmlns:a16="http://schemas.microsoft.com/office/drawing/2014/main" id="{BCCAEE93-8585-46D4-A7EC-F184E317CB2E}"/>
-              </a:ext>
-            </a:extLst>
-          </p:cNvPr>
-          <p:cNvSpPr>
-            <a:spLocks noGrp="1"/>
-          </p:cNvSpPr>
-          <p:nvPr>
-            <p:ph type="ctrTitle"/>
-          </p:nvPr>
-        </p:nvSpPr>
-        <p:spPr>
-          <a:xfrm>
-            <a:off x="4267200" y="1615736"/>
-            <a:ext cx="4179570" cy="1524735"/>
-          </a:xfrm>
-        </p:spPr>
-        <p:txBody>
-          <a:bodyPr rtlCol="0"/>
-          <a:lstStyle/>
-          <a:p>
-            <a:pPr rtl="0"/>
-            <a:r>
-              <a:rPr lang="it-IT"/>
-              <a:t>GRAZIE</a:t>
-            </a:r>
-          </a:p>
-        </p:txBody>
-      </p:sp>
-      <p:sp>
-        <p:nvSpPr>
-          <p:cNvPr id="3" name="Segnaposto contenuto 2">
-            <a:extLst>
-              <a:ext uri="{FF2B5EF4-FFF2-40B4-BE49-F238E27FC236}">
-                <a16:creationId xmlns:a16="http://schemas.microsoft.com/office/drawing/2014/main" id="{24AFFC60-19C3-4901-93F7-7AAF4C09F8C6}"/>
-              </a:ext>
-            </a:extLst>
-          </p:cNvPr>
-          <p:cNvSpPr>
-            <a:spLocks noGrp="1"/>
-          </p:cNvSpPr>
-          <p:nvPr>
-            <p:ph type="subTitle" idx="1"/>
-          </p:nvPr>
-        </p:nvSpPr>
-        <p:spPr>
-          <a:xfrm>
-            <a:off x="4267199" y="3238103"/>
-            <a:ext cx="4964723" cy="2004161"/>
+            <a:off x="3312883" y="4492250"/>
+            <a:ext cx="3541141" cy="685250"/>
           </a:xfrm>
         </p:spPr>
         <p:txBody>
@@ -17039,22 +16189,8 @@
             <a:pPr rtl="0"/>
             <a:r>
               <a:rPr lang="it-IT" dirty="0"/>
-              <a:t>Gianmiriano Porrazzo</a:t>
-            </a:r>
-          </a:p>
-          <a:p>
-            <a:pPr rtl="0"/>
-            <a:r>
-              <a:rPr lang="it-IT" dirty="0"/>
-              <a:t>email: </a:t>
-            </a:r>
-            <a:r>
-              <a:rPr lang="it-IT" dirty="0">
-                <a:hlinkClick r:id="rId3"/>
-              </a:rPr>
-              <a:t>gianmiriano.porrazzo@studio.unibo.it</a:t>
-            </a:r>
-            <a:endParaRPr lang="it-IT" dirty="0"/>
+              <a:t>Presentata da Gianmiriano Porrazzo</a:t>
+            </a:r>
           </a:p>
         </p:txBody>
       </p:sp>
@@ -17088,9 +16224,110 @@
             <a:fld id="{B5CEABB6-07DC-46E8-9B57-56EC44A396E5}" type="slidenum">
               <a:rPr lang="it-IT" smtClean="0"/>
               <a:pPr rtl="0"/>
-              <a:t>10</a:t>
+              <a:t>1</a:t>
             </a:fld>
             <a:endParaRPr lang="it-IT"/>
+          </a:p>
+        </p:txBody>
+      </p:sp>
+      <p:sp>
+        <p:nvSpPr>
+          <p:cNvPr id="4" name="CasellaDiTesto 3">
+            <a:extLst>
+              <a:ext uri="{FF2B5EF4-FFF2-40B4-BE49-F238E27FC236}">
+                <a16:creationId xmlns:a16="http://schemas.microsoft.com/office/drawing/2014/main" id="{5DCBC8D1-C5AD-0D1C-226C-13CE3AE6DDA3}"/>
+              </a:ext>
+            </a:extLst>
+          </p:cNvPr>
+          <p:cNvSpPr txBox="1"/>
+          <p:nvPr/>
+        </p:nvSpPr>
+        <p:spPr>
+          <a:xfrm>
+            <a:off x="9402965" y="4834875"/>
+            <a:ext cx="2484235" cy="1569660"/>
+          </a:xfrm>
+          <a:prstGeom prst="rect">
+            <a:avLst/>
+          </a:prstGeom>
+          <a:noFill/>
+        </p:spPr>
+        <p:txBody>
+          <a:bodyPr wrap="square" rtlCol="0">
+            <a:spAutoFit/>
+          </a:bodyPr>
+          <a:lstStyle/>
+          <a:p>
+            <a:r>
+              <a:rPr lang="it-IT" b="1" dirty="0"/>
+              <a:t>Relatore: </a:t>
+            </a:r>
+          </a:p>
+          <a:p>
+            <a:r>
+              <a:rPr lang="it-IT" sz="1400" dirty="0"/>
+              <a:t>Andrea Camisa</a:t>
+            </a:r>
+          </a:p>
+          <a:p>
+            <a:endParaRPr lang="it-IT" b="1" dirty="0"/>
+          </a:p>
+          <a:p>
+            <a:r>
+              <a:rPr lang="it-IT" b="1" dirty="0"/>
+              <a:t>Correlatori: </a:t>
+            </a:r>
+          </a:p>
+          <a:p>
+            <a:r>
+              <a:rPr lang="it-IT" sz="1400" dirty="0"/>
+              <a:t>Andrea Testa</a:t>
+            </a:r>
+          </a:p>
+          <a:p>
+            <a:r>
+              <a:rPr lang="it-IT" sz="1400" dirty="0"/>
+              <a:t>Giuseppe Notarstefano</a:t>
+            </a:r>
+          </a:p>
+        </p:txBody>
+      </p:sp>
+      <p:sp>
+        <p:nvSpPr>
+          <p:cNvPr id="5" name="CasellaDiTesto 4">
+            <a:extLst>
+              <a:ext uri="{FF2B5EF4-FFF2-40B4-BE49-F238E27FC236}">
+                <a16:creationId xmlns:a16="http://schemas.microsoft.com/office/drawing/2014/main" id="{30DE97E6-0DBF-3D84-CB07-1F11B7568E62}"/>
+              </a:ext>
+            </a:extLst>
+          </p:cNvPr>
+          <p:cNvSpPr txBox="1"/>
+          <p:nvPr/>
+        </p:nvSpPr>
+        <p:spPr>
+          <a:xfrm>
+            <a:off x="4460160" y="304800"/>
+            <a:ext cx="4266291" cy="369332"/>
+          </a:xfrm>
+          <a:prstGeom prst="rect">
+            <a:avLst/>
+          </a:prstGeom>
+          <a:noFill/>
+        </p:spPr>
+        <p:txBody>
+          <a:bodyPr wrap="square" rtlCol="0">
+            <a:spAutoFit/>
+          </a:bodyPr>
+          <a:lstStyle/>
+          <a:p>
+            <a:r>
+              <a:rPr lang="it-IT" dirty="0" err="1"/>
+              <a:t>CdL</a:t>
+            </a:r>
+            <a:r>
+              <a:rPr lang="it-IT" dirty="0"/>
+              <a:t> in Ingegneria Informatica</a:t>
+            </a:r>
           </a:p>
         </p:txBody>
       </p:sp>
@@ -17126,13 +16363,10 @@
       </p:grpSpPr>
       <p:sp>
         <p:nvSpPr>
-          <p:cNvPr id="2" name="Titolo 1">
-            <a:extLst>
-              <a:ext uri="{FF2B5EF4-FFF2-40B4-BE49-F238E27FC236}">
-                <a16:creationId xmlns:a16="http://schemas.microsoft.com/office/drawing/2014/main" id="{6719F29B-F233-48AF-8261-F33A4E079E3E}"/>
-              </a:ext>
-              <a:ext uri="{C183D7F6-B498-43B3-948B-1728B52AA6E4}">
-                <adec:decorative xmlns:adec="http://schemas.microsoft.com/office/drawing/2017/decorative" val="0"/>
+          <p:cNvPr id="34" name="Titolo 33">
+            <a:extLst>
+              <a:ext uri="{FF2B5EF4-FFF2-40B4-BE49-F238E27FC236}">
+                <a16:creationId xmlns:a16="http://schemas.microsoft.com/office/drawing/2014/main" id="{27015B08-64F6-250A-CBD0-0471068B788A}"/>
               </a:ext>
             </a:extLst>
           </p:cNvPr>
@@ -17145,214 +16379,291 @@
         </p:nvSpPr>
         <p:spPr>
           <a:xfrm>
-            <a:off x="1333499" y="1020445"/>
-            <a:ext cx="3171825" cy="1325563"/>
-          </a:xfrm>
-        </p:spPr>
-        <p:txBody>
-          <a:bodyPr rtlCol="0"/>
+            <a:off x="2698654" y="213633"/>
+            <a:ext cx="5756565" cy="585788"/>
+          </a:xfrm>
+        </p:spPr>
+        <p:txBody>
+          <a:bodyPr/>
           <a:lstStyle/>
           <a:p>
+            <a:r>
+              <a:rPr lang="it-IT" dirty="0"/>
+              <a:t>Argomenti trattati</a:t>
+            </a:r>
+          </a:p>
+        </p:txBody>
+      </p:sp>
+      <p:sp>
+        <p:nvSpPr>
+          <p:cNvPr id="35" name="Segnaposto testo 34">
+            <a:extLst>
+              <a:ext uri="{FF2B5EF4-FFF2-40B4-BE49-F238E27FC236}">
+                <a16:creationId xmlns:a16="http://schemas.microsoft.com/office/drawing/2014/main" id="{2FFEF74A-FE3B-EED8-186C-402C4C136FF2}"/>
+              </a:ext>
+            </a:extLst>
+          </p:cNvPr>
+          <p:cNvSpPr>
+            <a:spLocks noGrp="1"/>
+          </p:cNvSpPr>
+          <p:nvPr>
+            <p:ph type="body" sz="quarter" idx="13"/>
+          </p:nvPr>
+        </p:nvSpPr>
+        <p:spPr/>
+        <p:txBody>
+          <a:bodyPr/>
+          <a:lstStyle/>
+          <a:p>
+            <a:r>
+              <a:rPr lang="it-IT" dirty="0"/>
+              <a:t>Dataset considerato</a:t>
+            </a:r>
+          </a:p>
+        </p:txBody>
+      </p:sp>
+      <p:sp>
+        <p:nvSpPr>
+          <p:cNvPr id="36" name="Segnaposto testo 35">
+            <a:extLst>
+              <a:ext uri="{FF2B5EF4-FFF2-40B4-BE49-F238E27FC236}">
+                <a16:creationId xmlns:a16="http://schemas.microsoft.com/office/drawing/2014/main" id="{5839CCA6-8138-465E-2EEF-CDB79B65AB71}"/>
+              </a:ext>
+            </a:extLst>
+          </p:cNvPr>
+          <p:cNvSpPr>
+            <a:spLocks noGrp="1"/>
+          </p:cNvSpPr>
+          <p:nvPr>
+            <p:ph type="body" sz="quarter" idx="14"/>
+          </p:nvPr>
+        </p:nvSpPr>
+        <p:spPr/>
+        <p:txBody>
+          <a:bodyPr/>
+          <a:lstStyle/>
+          <a:p>
+            <a:r>
+              <a:rPr lang="it-IT" dirty="0"/>
+              <a:t>Rete neurale convoluzionale</a:t>
+            </a:r>
+          </a:p>
+        </p:txBody>
+      </p:sp>
+      <p:sp>
+        <p:nvSpPr>
+          <p:cNvPr id="37" name="Segnaposto testo 36">
+            <a:extLst>
+              <a:ext uri="{FF2B5EF4-FFF2-40B4-BE49-F238E27FC236}">
+                <a16:creationId xmlns:a16="http://schemas.microsoft.com/office/drawing/2014/main" id="{444C10C1-DCEB-C6C4-0211-74ADE77EFC53}"/>
+              </a:ext>
+            </a:extLst>
+          </p:cNvPr>
+          <p:cNvSpPr>
+            <a:spLocks noGrp="1"/>
+          </p:cNvSpPr>
+          <p:nvPr>
+            <p:ph type="body" sz="quarter" idx="15"/>
+          </p:nvPr>
+        </p:nvSpPr>
+        <p:spPr/>
+        <p:txBody>
+          <a:bodyPr/>
+          <a:lstStyle/>
+          <a:p>
+            <a:r>
+              <a:rPr lang="it-IT" dirty="0" err="1"/>
+              <a:t>Multilayer</a:t>
+            </a:r>
+            <a:r>
+              <a:rPr lang="it-IT" dirty="0"/>
+              <a:t> </a:t>
+            </a:r>
+            <a:r>
+              <a:rPr lang="it-IT" dirty="0" err="1"/>
+              <a:t>perceptron</a:t>
+            </a:r>
+            <a:r>
+              <a:rPr lang="it-IT" dirty="0"/>
+              <a:t> </a:t>
+            </a:r>
+          </a:p>
+        </p:txBody>
+      </p:sp>
+      <p:sp>
+        <p:nvSpPr>
+          <p:cNvPr id="38" name="Segnaposto testo 37">
+            <a:extLst>
+              <a:ext uri="{FF2B5EF4-FFF2-40B4-BE49-F238E27FC236}">
+                <a16:creationId xmlns:a16="http://schemas.microsoft.com/office/drawing/2014/main" id="{ED24F096-D0AC-B25F-5965-61B490AF590A}"/>
+              </a:ext>
+            </a:extLst>
+          </p:cNvPr>
+          <p:cNvSpPr>
+            <a:spLocks noGrp="1"/>
+          </p:cNvSpPr>
+          <p:nvPr>
+            <p:ph type="body" sz="quarter" idx="16"/>
+          </p:nvPr>
+        </p:nvSpPr>
+        <p:spPr/>
+        <p:txBody>
+          <a:bodyPr/>
+          <a:lstStyle/>
+          <a:p>
+            <a:r>
+              <a:rPr lang="it-IT" dirty="0"/>
+              <a:t>Risultati</a:t>
+            </a:r>
+          </a:p>
+        </p:txBody>
+      </p:sp>
+      <p:sp>
+        <p:nvSpPr>
+          <p:cNvPr id="39" name="Segnaposto testo 38">
+            <a:extLst>
+              <a:ext uri="{FF2B5EF4-FFF2-40B4-BE49-F238E27FC236}">
+                <a16:creationId xmlns:a16="http://schemas.microsoft.com/office/drawing/2014/main" id="{7EFDDEAA-0AF0-FBAE-2B20-14FC6700C555}"/>
+              </a:ext>
+            </a:extLst>
+          </p:cNvPr>
+          <p:cNvSpPr>
+            <a:spLocks noGrp="1"/>
+          </p:cNvSpPr>
+          <p:nvPr>
+            <p:ph type="body" sz="quarter" idx="17"/>
+          </p:nvPr>
+        </p:nvSpPr>
+        <p:spPr/>
+        <p:txBody>
+          <a:bodyPr/>
+          <a:lstStyle/>
+          <a:p>
+            <a:r>
+              <a:rPr lang="it-IT" dirty="0"/>
+              <a:t>Analisi del dataset usato per allenare le reti. </a:t>
+            </a:r>
+          </a:p>
+        </p:txBody>
+      </p:sp>
+      <p:sp>
+        <p:nvSpPr>
+          <p:cNvPr id="40" name="Segnaposto testo 39">
+            <a:extLst>
+              <a:ext uri="{FF2B5EF4-FFF2-40B4-BE49-F238E27FC236}">
+                <a16:creationId xmlns:a16="http://schemas.microsoft.com/office/drawing/2014/main" id="{846F2D6A-B7DB-AFA3-A252-48D0FF343C86}"/>
+              </a:ext>
+            </a:extLst>
+          </p:cNvPr>
+          <p:cNvSpPr>
+            <a:spLocks noGrp="1"/>
+          </p:cNvSpPr>
+          <p:nvPr>
+            <p:ph type="body" sz="quarter" idx="18"/>
+          </p:nvPr>
+        </p:nvSpPr>
+        <p:spPr/>
+        <p:txBody>
+          <a:bodyPr/>
+          <a:lstStyle/>
+          <a:p>
+            <a:r>
+              <a:rPr lang="it-IT" dirty="0"/>
+              <a:t>Creazione della rete convoluzionale per effettuare la classificazione sulle immagini dei pazienti.</a:t>
+            </a:r>
+          </a:p>
+        </p:txBody>
+      </p:sp>
+      <p:sp>
+        <p:nvSpPr>
+          <p:cNvPr id="41" name="Segnaposto testo 40">
+            <a:extLst>
+              <a:ext uri="{FF2B5EF4-FFF2-40B4-BE49-F238E27FC236}">
+                <a16:creationId xmlns:a16="http://schemas.microsoft.com/office/drawing/2014/main" id="{37C8DA5A-EEAF-1861-BC4A-5D6C7E1AABDB}"/>
+              </a:ext>
+            </a:extLst>
+          </p:cNvPr>
+          <p:cNvSpPr>
+            <a:spLocks noGrp="1"/>
+          </p:cNvSpPr>
+          <p:nvPr>
+            <p:ph type="body" sz="quarter" idx="19"/>
+          </p:nvPr>
+        </p:nvSpPr>
+        <p:spPr/>
+        <p:txBody>
+          <a:bodyPr/>
+          <a:lstStyle/>
+          <a:p>
+            <a:r>
+              <a:rPr lang="it-IT" dirty="0"/>
+              <a:t>Creazione della rete neurale per la classificazione mediante l’uso di dati eterogenei.</a:t>
+            </a:r>
+          </a:p>
+        </p:txBody>
+      </p:sp>
+      <p:sp>
+        <p:nvSpPr>
+          <p:cNvPr id="42" name="Segnaposto testo 41">
+            <a:extLst>
+              <a:ext uri="{FF2B5EF4-FFF2-40B4-BE49-F238E27FC236}">
+                <a16:creationId xmlns:a16="http://schemas.microsoft.com/office/drawing/2014/main" id="{275AC8BF-4166-4C2E-2EC2-25A28C42AFA0}"/>
+              </a:ext>
+            </a:extLst>
+          </p:cNvPr>
+          <p:cNvSpPr>
+            <a:spLocks noGrp="1"/>
+          </p:cNvSpPr>
+          <p:nvPr>
+            <p:ph type="body" sz="quarter" idx="20"/>
+          </p:nvPr>
+        </p:nvSpPr>
+        <p:spPr/>
+        <p:txBody>
+          <a:bodyPr/>
+          <a:lstStyle/>
+          <a:p>
+            <a:r>
+              <a:rPr lang="it-IT" dirty="0"/>
+              <a:t>Confronto tra i risultati ottenuti usando le varie reti.</a:t>
+            </a:r>
+          </a:p>
+        </p:txBody>
+      </p:sp>
+      <p:sp>
+        <p:nvSpPr>
+          <p:cNvPr id="6" name="Segnaposto numero diapositiva 5">
+            <a:extLst>
+              <a:ext uri="{FF2B5EF4-FFF2-40B4-BE49-F238E27FC236}">
+                <a16:creationId xmlns:a16="http://schemas.microsoft.com/office/drawing/2014/main" id="{46F6DAD8-F5BD-5FE6-12FA-3B9899EC9A1F}"/>
+              </a:ext>
+            </a:extLst>
+          </p:cNvPr>
+          <p:cNvSpPr>
+            <a:spLocks noGrp="1"/>
+          </p:cNvSpPr>
+          <p:nvPr>
+            <p:ph type="sldNum" sz="quarter" idx="12"/>
+          </p:nvPr>
+        </p:nvSpPr>
+        <p:spPr/>
+        <p:txBody>
+          <a:bodyPr/>
+          <a:lstStyle/>
+          <a:p>
             <a:pPr rtl="0"/>
-            <a:r>
-              <a:rPr lang="it-IT" cap="none" dirty="0"/>
-              <a:t>Obiettivi</a:t>
-            </a:r>
-          </a:p>
-        </p:txBody>
-      </p:sp>
-      <p:sp>
-        <p:nvSpPr>
-          <p:cNvPr id="3" name="Sottotitolo 2">
-            <a:extLst>
-              <a:ext uri="{FF2B5EF4-FFF2-40B4-BE49-F238E27FC236}">
-                <a16:creationId xmlns:a16="http://schemas.microsoft.com/office/drawing/2014/main" id="{35E3EA69-4E0E-41BD-8095-A124225A2647}"/>
-              </a:ext>
-              <a:ext uri="{C183D7F6-B498-43B3-948B-1728B52AA6E4}">
-                <adec:decorative xmlns:adec="http://schemas.microsoft.com/office/drawing/2017/decorative" val="0"/>
-              </a:ext>
-            </a:extLst>
-          </p:cNvPr>
-          <p:cNvSpPr>
-            <a:spLocks noGrp="1"/>
-          </p:cNvSpPr>
-          <p:nvPr>
-            <p:ph idx="1"/>
-          </p:nvPr>
-        </p:nvSpPr>
-        <p:spPr>
-          <a:xfrm>
-            <a:off x="1333499" y="2924175"/>
-            <a:ext cx="3171825" cy="2519363"/>
-          </a:xfrm>
-        </p:spPr>
-        <p:txBody>
-          <a:bodyPr rtlCol="0">
-            <a:normAutofit/>
-          </a:bodyPr>
-          <a:lstStyle/>
-          <a:p>
-            <a:pPr rtl="0"/>
-            <a:r>
-              <a:rPr lang="it-IT" dirty="0"/>
-              <a:t>L’obiettivo principale dell’attività di tirocinio è quello di creare un classificatore di immagini, che prenda come input delle radiografie di pazienti affetti da covid e restituisca come output la gravità della prognosi (MILD o SEVERE).</a:t>
-            </a:r>
-          </a:p>
-        </p:txBody>
-      </p:sp>
-      <p:sp>
-        <p:nvSpPr>
-          <p:cNvPr id="4" name="Segnaposto numero diapositiva 3">
-            <a:extLst>
-              <a:ext uri="{FF2B5EF4-FFF2-40B4-BE49-F238E27FC236}">
-                <a16:creationId xmlns:a16="http://schemas.microsoft.com/office/drawing/2014/main" id="{328F602C-7F98-4C02-99D4-ED65E00D66A4}"/>
-              </a:ext>
-            </a:extLst>
-          </p:cNvPr>
-          <p:cNvSpPr>
-            <a:spLocks noGrp="1"/>
-          </p:cNvSpPr>
-          <p:nvPr>
-            <p:ph type="sldNum" sz="quarter" idx="12"/>
-          </p:nvPr>
-        </p:nvSpPr>
-        <p:spPr>
-          <a:xfrm>
-            <a:off x="5536305" y="6356350"/>
-            <a:ext cx="987552" cy="365125"/>
-          </a:xfrm>
-        </p:spPr>
-        <p:txBody>
-          <a:bodyPr rtlCol="0"/>
-          <a:lstStyle/>
-          <a:p>
-            <a:pPr rtl="0"/>
-            <a:fld id="{19B51A1E-902D-48AF-9020-955120F399B6}" type="slidenum">
-              <a:rPr lang="it-IT" smtClean="0"/>
-              <a:pPr/>
+            <a:fld id="{B5CEABB6-07DC-46E8-9B57-56EC44A396E5}" type="slidenum">
+              <a:rPr lang="it-IT" noProof="0" smtClean="0"/>
               <a:t>2</a:t>
             </a:fld>
-            <a:endParaRPr lang="it-IT"/>
-          </a:p>
-        </p:txBody>
-      </p:sp>
-      <p:grpSp>
-        <p:nvGrpSpPr>
-          <p:cNvPr id="9" name="Gruppo 8">
-            <a:extLst>
-              <a:ext uri="{FF2B5EF4-FFF2-40B4-BE49-F238E27FC236}">
-                <a16:creationId xmlns:a16="http://schemas.microsoft.com/office/drawing/2014/main" id="{6939C248-AD82-DDDE-DAAD-AECD6A5027F2}"/>
-              </a:ext>
-            </a:extLst>
-          </p:cNvPr>
-          <p:cNvGrpSpPr/>
-          <p:nvPr/>
-        </p:nvGrpSpPr>
-        <p:grpSpPr>
-          <a:xfrm>
-            <a:off x="7008128" y="666521"/>
-            <a:ext cx="4870280" cy="5217181"/>
-            <a:chOff x="7008128" y="666521"/>
-            <a:chExt cx="4870280" cy="5217181"/>
-          </a:xfrm>
-        </p:grpSpPr>
-        <p:pic>
-          <p:nvPicPr>
-            <p:cNvPr id="7" name="Immagine 6" descr="Immagine che contiene cascata, acqua&#10;&#10;Descrizione generata automaticamente">
-              <a:extLst>
-                <a:ext uri="{FF2B5EF4-FFF2-40B4-BE49-F238E27FC236}">
-                  <a16:creationId xmlns:a16="http://schemas.microsoft.com/office/drawing/2014/main" id="{629FF9CF-8E7F-FBD6-DE0B-E9D54C9BAAB7}"/>
-                </a:ext>
-                <a:ext uri="{C183D7F6-B498-43B3-948B-1728B52AA6E4}">
-                  <adec:decorative xmlns:adec="http://schemas.microsoft.com/office/drawing/2017/decorative" val="0"/>
-                </a:ext>
-              </a:extLst>
-            </p:cNvPr>
-            <p:cNvPicPr>
-              <a:picLocks noChangeAspect="1"/>
-            </p:cNvPicPr>
-            <p:nvPr/>
-          </p:nvPicPr>
-          <p:blipFill>
-            <a:blip r:embed="rId3" cstate="print">
-              <a:extLst>
-                <a:ext uri="{28A0092B-C50C-407E-A947-70E740481C1C}">
-                  <a14:useLocalDpi xmlns:a14="http://schemas.microsoft.com/office/drawing/2010/main" val="0"/>
-                </a:ext>
-              </a:extLst>
-            </a:blip>
-            <a:srcRect/>
-            <a:stretch>
-              <a:fillRect/>
-            </a:stretch>
-          </p:blipFill>
-          <p:spPr bwMode="auto">
-            <a:xfrm>
-              <a:off x="7008128" y="1020445"/>
-              <a:ext cx="4870280" cy="4863257"/>
-            </a:xfrm>
-            <a:prstGeom prst="rect">
-              <a:avLst/>
-            </a:prstGeom>
-            <a:ln>
-              <a:noFill/>
-            </a:ln>
-            <a:effectLst>
-              <a:outerShdw blurRad="292100" dist="139700" dir="2700000" algn="tl" rotWithShape="0">
-                <a:srgbClr val="333333">
-                  <a:alpha val="65000"/>
-                </a:srgbClr>
-              </a:outerShdw>
-            </a:effectLst>
-          </p:spPr>
-        </p:pic>
-        <p:sp>
-          <p:nvSpPr>
-            <p:cNvPr id="8" name="CasellaDiTesto 7">
-              <a:extLst>
-                <a:ext uri="{FF2B5EF4-FFF2-40B4-BE49-F238E27FC236}">
-                  <a16:creationId xmlns:a16="http://schemas.microsoft.com/office/drawing/2014/main" id="{EBBD20A4-B6A6-9620-E3AE-4EC7A9911BA8}"/>
-                </a:ext>
-              </a:extLst>
-            </p:cNvPr>
-            <p:cNvSpPr txBox="1"/>
-            <p:nvPr/>
-          </p:nvSpPr>
-          <p:spPr>
-            <a:xfrm>
-              <a:off x="8097715" y="666521"/>
-              <a:ext cx="3261946" cy="307777"/>
-            </a:xfrm>
-            <a:prstGeom prst="rect">
-              <a:avLst/>
-            </a:prstGeom>
-            <a:noFill/>
-          </p:spPr>
-          <p:txBody>
-            <a:bodyPr wrap="square" rtlCol="0">
-              <a:spAutoFit/>
-            </a:bodyPr>
-            <a:lstStyle/>
-            <a:p>
-              <a:r>
-                <a:rPr lang="it-IT" sz="1400" i="1" dirty="0">
-                  <a:solidFill>
-                    <a:schemeClr val="tx1">
-                      <a:lumMod val="75000"/>
-                      <a:lumOff val="25000"/>
-                    </a:schemeClr>
-                  </a:solidFill>
-                </a:rPr>
-                <a:t>Esempio immagine del dataset</a:t>
-              </a:r>
-            </a:p>
-          </p:txBody>
-        </p:sp>
-      </p:grpSp>
+            <a:endParaRPr lang="it-IT" noProof="0"/>
+          </a:p>
+        </p:txBody>
+      </p:sp>
     </p:spTree>
     <p:extLst>
       <p:ext uri="{BB962C8B-B14F-4D97-AF65-F5344CB8AC3E}">
-        <p14:creationId xmlns:p14="http://schemas.microsoft.com/office/powerpoint/2010/main" val="2243494996"/>
+        <p14:creationId xmlns:p14="http://schemas.microsoft.com/office/powerpoint/2010/main" val="4043840283"/>
       </p:ext>
     </p:extLst>
   </p:cSld>
@@ -17381,10 +16692,10 @@
       </p:grpSpPr>
       <p:sp>
         <p:nvSpPr>
-          <p:cNvPr id="2" name="Titolo 1">
-            <a:extLst>
-              <a:ext uri="{FF2B5EF4-FFF2-40B4-BE49-F238E27FC236}">
-                <a16:creationId xmlns:a16="http://schemas.microsoft.com/office/drawing/2014/main" id="{75031FE9-9059-4FE8-B4AC-9771F23A1B89}"/>
+          <p:cNvPr id="14" name="Titolo 13">
+            <a:extLst>
+              <a:ext uri="{FF2B5EF4-FFF2-40B4-BE49-F238E27FC236}">
+                <a16:creationId xmlns:a16="http://schemas.microsoft.com/office/drawing/2014/main" id="{0909696B-F497-5D49-0DCE-0B2E0E25922E}"/>
               </a:ext>
             </a:extLst>
           </p:cNvPr>
@@ -17397,294 +16708,181 @@
         </p:nvSpPr>
         <p:spPr>
           <a:xfrm>
-            <a:off x="1885156" y="892177"/>
+            <a:off x="1885156" y="0"/>
             <a:ext cx="8421688" cy="1325563"/>
           </a:xfrm>
         </p:spPr>
         <p:txBody>
-          <a:bodyPr rtlCol="0"/>
+          <a:bodyPr/>
           <a:lstStyle/>
           <a:p>
-            <a:pPr rtl="0"/>
-            <a:r>
-              <a:rPr lang="it-IT" cap="none" dirty="0"/>
-              <a:t>Implementazione</a:t>
-            </a:r>
-            <a:endParaRPr lang="it-IT" dirty="0"/>
-          </a:p>
-        </p:txBody>
-      </p:sp>
-      <p:sp>
-        <p:nvSpPr>
-          <p:cNvPr id="3" name="Segnaposto contenuto 2">
-            <a:extLst>
-              <a:ext uri="{FF2B5EF4-FFF2-40B4-BE49-F238E27FC236}">
-                <a16:creationId xmlns:a16="http://schemas.microsoft.com/office/drawing/2014/main" id="{D4A2EB3F-4D60-451F-8F45-7D6654D2FCD9}"/>
-              </a:ext>
-            </a:extLst>
-          </p:cNvPr>
-          <p:cNvSpPr>
-            <a:spLocks noGrp="1"/>
-          </p:cNvSpPr>
-          <p:nvPr>
-            <p:ph type="body" sz="quarter" idx="13"/>
-          </p:nvPr>
-        </p:nvSpPr>
-        <p:spPr>
-          <a:xfrm>
-            <a:off x="1485900" y="2563123"/>
-            <a:ext cx="4031945" cy="365125"/>
-          </a:xfrm>
-        </p:spPr>
-        <p:txBody>
-          <a:bodyPr vert="horz" lIns="91440" tIns="45720" rIns="91440" bIns="45720" rtlCol="0" anchor="t">
-            <a:normAutofit lnSpcReduction="10000"/>
-          </a:bodyPr>
+            <a:r>
+              <a:rPr lang="it-IT" dirty="0"/>
+              <a:t>Composizione dataset</a:t>
+            </a:r>
+          </a:p>
+        </p:txBody>
+      </p:sp>
+      <p:sp>
+        <p:nvSpPr>
+          <p:cNvPr id="15" name="Segnaposto testo 14">
+            <a:extLst>
+              <a:ext uri="{FF2B5EF4-FFF2-40B4-BE49-F238E27FC236}">
+                <a16:creationId xmlns:a16="http://schemas.microsoft.com/office/drawing/2014/main" id="{1DA9CA5D-FE1C-B616-2FF6-6B2F8AC8D029}"/>
+              </a:ext>
+            </a:extLst>
+          </p:cNvPr>
+          <p:cNvSpPr>
+            <a:spLocks noGrp="1"/>
+          </p:cNvSpPr>
+          <p:nvPr>
+            <p:ph type="body" idx="1"/>
+          </p:nvPr>
+        </p:nvSpPr>
+        <p:spPr>
+          <a:xfrm>
+            <a:off x="2140162" y="1198270"/>
+            <a:ext cx="2882475" cy="823912"/>
+          </a:xfrm>
+        </p:spPr>
+        <p:txBody>
+          <a:bodyPr/>
           <a:lstStyle/>
           <a:p>
-            <a:pPr rtl="0"/>
+            <a:pPr algn="ctr"/>
             <a:r>
               <a:rPr lang="it-IT" dirty="0"/>
-              <a:t>La rete usata</a:t>
-            </a:r>
-          </a:p>
-        </p:txBody>
-      </p:sp>
-      <p:sp>
-        <p:nvSpPr>
-          <p:cNvPr id="4" name="Segnaposto testo 3">
-            <a:extLst>
-              <a:ext uri="{FF2B5EF4-FFF2-40B4-BE49-F238E27FC236}">
-                <a16:creationId xmlns:a16="http://schemas.microsoft.com/office/drawing/2014/main" id="{AC1C80FB-53F9-42EE-B1E6-D0F998EC5DFA}"/>
-              </a:ext>
-            </a:extLst>
-          </p:cNvPr>
-          <p:cNvSpPr>
-            <a:spLocks noGrp="1"/>
-          </p:cNvSpPr>
-          <p:nvPr>
-            <p:ph type="body" sz="quarter" idx="15"/>
-          </p:nvPr>
-        </p:nvSpPr>
-        <p:spPr>
-          <a:xfrm>
-            <a:off x="1485664" y="3070348"/>
-            <a:ext cx="4031030" cy="1057308"/>
-          </a:xfrm>
-        </p:spPr>
-        <p:txBody>
-          <a:bodyPr rtlCol="0"/>
+              <a:t>Radiografie dei polmoni</a:t>
+            </a:r>
+          </a:p>
+        </p:txBody>
+      </p:sp>
+      <p:pic>
+        <p:nvPicPr>
+          <p:cNvPr id="3" name="Segnaposto contenuto 2" descr="Immagine che contiene tavolo&#10;&#10;Descrizione generata automaticamente">
+            <a:extLst>
+              <a:ext uri="{FF2B5EF4-FFF2-40B4-BE49-F238E27FC236}">
+                <a16:creationId xmlns:a16="http://schemas.microsoft.com/office/drawing/2014/main" id="{002229EC-099E-57F8-0EA3-6B6FDE089C0E}"/>
+              </a:ext>
+            </a:extLst>
+          </p:cNvPr>
+          <p:cNvPicPr>
+            <a:picLocks noGrp="1" noChangeAspect="1"/>
+          </p:cNvPicPr>
+          <p:nvPr>
+            <p:ph sz="half" idx="2"/>
+          </p:nvPr>
+        </p:nvPicPr>
+        <p:blipFill>
+          <a:blip r:embed="rId2"/>
+          <a:stretch>
+            <a:fillRect/>
+          </a:stretch>
+        </p:blipFill>
+        <p:spPr>
+          <a:xfrm>
+            <a:off x="6671861" y="3072565"/>
+            <a:ext cx="4681939" cy="1852834"/>
+          </a:xfrm>
+        </p:spPr>
+      </p:pic>
+      <p:sp>
+        <p:nvSpPr>
+          <p:cNvPr id="17" name="Segnaposto testo 16">
+            <a:extLst>
+              <a:ext uri="{FF2B5EF4-FFF2-40B4-BE49-F238E27FC236}">
+                <a16:creationId xmlns:a16="http://schemas.microsoft.com/office/drawing/2014/main" id="{2DB374B0-3292-E35F-8BB8-C863C32E849D}"/>
+              </a:ext>
+            </a:extLst>
+          </p:cNvPr>
+          <p:cNvSpPr>
+            <a:spLocks noGrp="1"/>
+          </p:cNvSpPr>
+          <p:nvPr>
+            <p:ph type="body" sz="quarter" idx="3"/>
+          </p:nvPr>
+        </p:nvSpPr>
+        <p:spPr>
+          <a:xfrm>
+            <a:off x="7665179" y="1325563"/>
+            <a:ext cx="2896671" cy="823912"/>
+          </a:xfrm>
+        </p:spPr>
+        <p:txBody>
+          <a:bodyPr/>
           <a:lstStyle/>
           <a:p>
-            <a:pPr rtl="0"/>
+            <a:pPr algn="ctr"/>
             <a:r>
               <a:rPr lang="it-IT" dirty="0"/>
-              <a:t>Come modello di base per il classificatore è stata scelta la rete MobileNetV2.</a:t>
-            </a:r>
-          </a:p>
-        </p:txBody>
-      </p:sp>
-      <p:sp>
-        <p:nvSpPr>
-          <p:cNvPr id="5" name="Segnaposto testo 4">
-            <a:extLst>
-              <a:ext uri="{FF2B5EF4-FFF2-40B4-BE49-F238E27FC236}">
-                <a16:creationId xmlns:a16="http://schemas.microsoft.com/office/drawing/2014/main" id="{E81BA2B5-6A90-4204-ABDD-7183FBB03A02}"/>
-              </a:ext>
-            </a:extLst>
-          </p:cNvPr>
-          <p:cNvSpPr>
-            <a:spLocks noGrp="1"/>
-          </p:cNvSpPr>
-          <p:nvPr>
-            <p:ph type="body" sz="quarter" idx="16"/>
-          </p:nvPr>
-        </p:nvSpPr>
-        <p:spPr>
-          <a:xfrm>
-            <a:off x="6673004" y="2563123"/>
-            <a:ext cx="4031945" cy="365125"/>
-          </a:xfrm>
-        </p:spPr>
-        <p:txBody>
-          <a:bodyPr rtlCol="0">
-            <a:normAutofit fontScale="92500" lnSpcReduction="10000"/>
-          </a:bodyPr>
-          <a:lstStyle/>
-          <a:p>
-            <a:pPr>
-              <a:lnSpc>
-                <a:spcPct val="100000"/>
-              </a:lnSpc>
-            </a:pPr>
-            <a:r>
-              <a:rPr lang="it-IT" dirty="0"/>
-              <a:t>Studio del dataset</a:t>
-            </a:r>
-          </a:p>
-        </p:txBody>
-      </p:sp>
-      <p:sp>
-        <p:nvSpPr>
-          <p:cNvPr id="6" name="Segnaposto testo 5">
-            <a:extLst>
-              <a:ext uri="{FF2B5EF4-FFF2-40B4-BE49-F238E27FC236}">
-                <a16:creationId xmlns:a16="http://schemas.microsoft.com/office/drawing/2014/main" id="{7E7D4C34-22A0-4D54-A07D-E1E9A11463E5}"/>
-              </a:ext>
-            </a:extLst>
-          </p:cNvPr>
-          <p:cNvSpPr>
-            <a:spLocks noGrp="1"/>
-          </p:cNvSpPr>
-          <p:nvPr>
-            <p:ph type="body" sz="quarter" idx="17"/>
-          </p:nvPr>
-        </p:nvSpPr>
-        <p:spPr>
-          <a:xfrm>
-            <a:off x="6261081" y="3070348"/>
-            <a:ext cx="4855154" cy="1057308"/>
-          </a:xfrm>
-        </p:spPr>
-        <p:txBody>
-          <a:bodyPr rtlCol="0"/>
-          <a:lstStyle/>
-          <a:p>
-            <a:pPr rtl="0"/>
-            <a:r>
-              <a:rPr lang="it-IT" dirty="0"/>
-              <a:t>Al fine di migliorare la qualità delle immagini e fare in modo che abbiano tutte la stessa dimensione, evitando che queste vengano distorte, è stato eseguito un preprocessing delle immagini.</a:t>
-            </a:r>
-          </a:p>
-          <a:p>
-            <a:pPr rtl="0"/>
-            <a:endParaRPr lang="it-IT" dirty="0"/>
-          </a:p>
-        </p:txBody>
-      </p:sp>
-      <p:sp>
-        <p:nvSpPr>
-          <p:cNvPr id="7" name="Segnaposto testo 6">
-            <a:extLst>
-              <a:ext uri="{FF2B5EF4-FFF2-40B4-BE49-F238E27FC236}">
-                <a16:creationId xmlns:a16="http://schemas.microsoft.com/office/drawing/2014/main" id="{301D392D-FB66-47A0-B628-5ADE822A2CFF}"/>
-              </a:ext>
-            </a:extLst>
-          </p:cNvPr>
-          <p:cNvSpPr>
-            <a:spLocks noGrp="1"/>
-          </p:cNvSpPr>
-          <p:nvPr>
-            <p:ph type="body" sz="quarter" idx="18"/>
-          </p:nvPr>
-        </p:nvSpPr>
-        <p:spPr>
-          <a:xfrm>
-            <a:off x="1485899" y="4319431"/>
-            <a:ext cx="4031945" cy="365125"/>
-          </a:xfrm>
-        </p:spPr>
-        <p:txBody>
-          <a:bodyPr rtlCol="0">
-            <a:normAutofit lnSpcReduction="10000"/>
-          </a:bodyPr>
-          <a:lstStyle/>
-          <a:p>
-            <a:pPr>
-              <a:lnSpc>
-                <a:spcPct val="100000"/>
-              </a:lnSpc>
-            </a:pPr>
-            <a:r>
-              <a:rPr lang="it-IT" sz="1900" dirty="0"/>
-              <a:t>Segmentation</a:t>
-            </a:r>
-          </a:p>
-        </p:txBody>
-      </p:sp>
-      <p:sp>
-        <p:nvSpPr>
-          <p:cNvPr id="8" name="Segnaposto testo 7">
-            <a:extLst>
-              <a:ext uri="{FF2B5EF4-FFF2-40B4-BE49-F238E27FC236}">
-                <a16:creationId xmlns:a16="http://schemas.microsoft.com/office/drawing/2014/main" id="{51C26CE0-2506-4B44-A26F-C12BFA5B18B5}"/>
-              </a:ext>
-            </a:extLst>
-          </p:cNvPr>
-          <p:cNvSpPr>
-            <a:spLocks noGrp="1"/>
-          </p:cNvSpPr>
-          <p:nvPr>
-            <p:ph type="body" sz="quarter" idx="19"/>
-          </p:nvPr>
-        </p:nvSpPr>
-        <p:spPr>
-          <a:xfrm>
-            <a:off x="1486412" y="4826655"/>
-            <a:ext cx="4031030" cy="1644483"/>
-          </a:xfrm>
-        </p:spPr>
-        <p:txBody>
-          <a:bodyPr rtlCol="0">
-            <a:normAutofit/>
-          </a:bodyPr>
-          <a:lstStyle/>
-          <a:p>
-            <a:pPr rtl="0"/>
-            <a:r>
-              <a:rPr lang="it-IT" dirty="0"/>
-              <a:t>Per fare in modo che la rete assegni ad ogni immagine la label (MILD o SEVERE) corretta, si deve sapere quali pixel appartengo all’oggetto d’interesse e quali no.</a:t>
-            </a:r>
-          </a:p>
-          <a:p>
-            <a:pPr rtl="0"/>
-            <a:r>
-              <a:rPr lang="it-IT" dirty="0"/>
-              <a:t>Ciò è stato realizzato mediante l’uso della segmentazione delle immagini.</a:t>
-            </a:r>
-          </a:p>
-        </p:txBody>
-      </p:sp>
-      <p:sp>
-        <p:nvSpPr>
-          <p:cNvPr id="82" name="Segnaposto numero diapositiva 81">
-            <a:extLst>
-              <a:ext uri="{FF2B5EF4-FFF2-40B4-BE49-F238E27FC236}">
-                <a16:creationId xmlns:a16="http://schemas.microsoft.com/office/drawing/2014/main" id="{CE36A058-BEC2-4BC5-A467-F2EB2A365051}"/>
-              </a:ext>
-            </a:extLst>
-          </p:cNvPr>
-          <p:cNvSpPr>
-            <a:spLocks noGrp="1"/>
-          </p:cNvSpPr>
-          <p:nvPr>
-            <p:ph type="sldNum" sz="quarter" idx="22"/>
-          </p:nvPr>
-        </p:nvSpPr>
-        <p:spPr>
-          <a:xfrm>
-            <a:off x="8610600" y="6356350"/>
-            <a:ext cx="2743200" cy="365125"/>
-          </a:xfrm>
-        </p:spPr>
-        <p:txBody>
-          <a:bodyPr rtlCol="0"/>
+              <a:t>Metadati relativi al paziente</a:t>
+            </a:r>
+          </a:p>
+        </p:txBody>
+      </p:sp>
+      <p:pic>
+        <p:nvPicPr>
+          <p:cNvPr id="5" name="Segnaposto contenuto 4">
+            <a:extLst>
+              <a:ext uri="{FF2B5EF4-FFF2-40B4-BE49-F238E27FC236}">
+                <a16:creationId xmlns:a16="http://schemas.microsoft.com/office/drawing/2014/main" id="{C2082687-FF34-FD54-B931-2546218FF080}"/>
+              </a:ext>
+            </a:extLst>
+          </p:cNvPr>
+          <p:cNvPicPr>
+            <a:picLocks noGrp="1" noChangeAspect="1"/>
+          </p:cNvPicPr>
+          <p:nvPr>
+            <p:ph sz="quarter" idx="4"/>
+          </p:nvPr>
+        </p:nvPicPr>
+        <p:blipFill>
+          <a:blip r:embed="rId3"/>
+          <a:stretch>
+            <a:fillRect/>
+          </a:stretch>
+        </p:blipFill>
+        <p:spPr>
+          <a:xfrm>
+            <a:off x="1823610" y="2254083"/>
+            <a:ext cx="3812771" cy="3870366"/>
+          </a:xfrm>
+        </p:spPr>
+      </p:pic>
+      <p:sp>
+        <p:nvSpPr>
+          <p:cNvPr id="13" name="Segnaposto numero diapositiva 12">
+            <a:extLst>
+              <a:ext uri="{FF2B5EF4-FFF2-40B4-BE49-F238E27FC236}">
+                <a16:creationId xmlns:a16="http://schemas.microsoft.com/office/drawing/2014/main" id="{427C0A9F-CFA6-31C2-2F98-496FCCF87E35}"/>
+              </a:ext>
+            </a:extLst>
+          </p:cNvPr>
+          <p:cNvSpPr>
+            <a:spLocks noGrp="1"/>
+          </p:cNvSpPr>
+          <p:nvPr>
+            <p:ph type="sldNum" sz="quarter" idx="12"/>
+          </p:nvPr>
+        </p:nvSpPr>
+        <p:spPr/>
+        <p:txBody>
+          <a:bodyPr/>
           <a:lstStyle/>
           <a:p>
             <a:pPr rtl="0"/>
             <a:fld id="{B5CEABB6-07DC-46E8-9B57-56EC44A396E5}" type="slidenum">
-              <a:rPr lang="it-IT" smtClean="0"/>
-              <a:pPr rtl="0"/>
+              <a:rPr lang="it-IT" noProof="0" smtClean="0"/>
               <a:t>3</a:t>
             </a:fld>
-            <a:endParaRPr lang="it-IT"/>
+            <a:endParaRPr lang="it-IT" noProof="0"/>
           </a:p>
         </p:txBody>
       </p:sp>
     </p:spTree>
     <p:extLst>
       <p:ext uri="{BB962C8B-B14F-4D97-AF65-F5344CB8AC3E}">
-        <p14:creationId xmlns:p14="http://schemas.microsoft.com/office/powerpoint/2010/main" val="1593920805"/>
+        <p14:creationId xmlns:p14="http://schemas.microsoft.com/office/powerpoint/2010/main" val="586366155"/>
       </p:ext>
     </p:extLst>
   </p:cSld>
@@ -17713,413 +16911,453 @@
       </p:grpSpPr>
       <p:sp>
         <p:nvSpPr>
-          <p:cNvPr id="3" name="Segnaposto contenuto 2">
-            <a:extLst>
-              <a:ext uri="{FF2B5EF4-FFF2-40B4-BE49-F238E27FC236}">
-                <a16:creationId xmlns:a16="http://schemas.microsoft.com/office/drawing/2014/main" id="{D4A2EB3F-4D60-451F-8F45-7D6654D2FCD9}"/>
-              </a:ext>
-            </a:extLst>
-          </p:cNvPr>
-          <p:cNvSpPr>
-            <a:spLocks noGrp="1"/>
-          </p:cNvSpPr>
-          <p:nvPr>
-            <p:ph type="body" sz="quarter" idx="13"/>
-          </p:nvPr>
-        </p:nvSpPr>
-        <p:spPr>
-          <a:xfrm>
-            <a:off x="5922254" y="906372"/>
-            <a:ext cx="5433204" cy="365125"/>
-          </a:xfrm>
-        </p:spPr>
-        <p:txBody>
-          <a:bodyPr vert="horz" lIns="91440" tIns="45720" rIns="91440" bIns="45720" rtlCol="0" anchor="t">
-            <a:normAutofit lnSpcReduction="10000"/>
-          </a:bodyPr>
+          <p:cNvPr id="2" name="Titolo 1">
+            <a:extLst>
+              <a:ext uri="{FF2B5EF4-FFF2-40B4-BE49-F238E27FC236}">
+                <a16:creationId xmlns:a16="http://schemas.microsoft.com/office/drawing/2014/main" id="{DFC259E2-6123-8506-72B4-4BA8E7BB9D6C}"/>
+              </a:ext>
+            </a:extLst>
+          </p:cNvPr>
+          <p:cNvSpPr>
+            <a:spLocks noGrp="1"/>
+          </p:cNvSpPr>
+          <p:nvPr>
+            <p:ph type="title"/>
+          </p:nvPr>
+        </p:nvSpPr>
+        <p:spPr>
+          <a:xfrm>
+            <a:off x="1972800" y="0"/>
+            <a:ext cx="8421688" cy="1325563"/>
+          </a:xfrm>
+        </p:spPr>
+        <p:txBody>
+          <a:bodyPr/>
           <a:lstStyle/>
           <a:p>
-            <a:pPr rtl="0"/>
             <a:r>
               <a:rPr lang="it-IT" dirty="0"/>
-              <a:t>Transfer Learning</a:t>
-            </a:r>
-          </a:p>
-        </p:txBody>
-      </p:sp>
-      <p:sp>
-        <p:nvSpPr>
-          <p:cNvPr id="4" name="Segnaposto testo 3">
-            <a:extLst>
-              <a:ext uri="{FF2B5EF4-FFF2-40B4-BE49-F238E27FC236}">
-                <a16:creationId xmlns:a16="http://schemas.microsoft.com/office/drawing/2014/main" id="{AC1C80FB-53F9-42EE-B1E6-D0F998EC5DFA}"/>
-              </a:ext>
-            </a:extLst>
-          </p:cNvPr>
-          <p:cNvSpPr>
-            <a:spLocks noGrp="1"/>
-          </p:cNvSpPr>
-          <p:nvPr>
-            <p:ph type="body" sz="quarter" idx="15"/>
-          </p:nvPr>
-        </p:nvSpPr>
-        <p:spPr>
-          <a:xfrm>
-            <a:off x="5921828" y="1420434"/>
-            <a:ext cx="5578510" cy="2149731"/>
-          </a:xfrm>
-        </p:spPr>
-        <p:txBody>
-          <a:bodyPr rtlCol="0">
-            <a:normAutofit lnSpcReduction="10000"/>
-          </a:bodyPr>
-          <a:lstStyle/>
-          <a:p>
-            <a:pPr rtl="0"/>
-            <a:r>
-              <a:rPr lang="it-IT" dirty="0"/>
-              <a:t>Partendo dalla MobileNetV2, si è deciso di usare dei pesi </a:t>
-            </a:r>
-            <a:r>
-              <a:rPr lang="it-IT" dirty="0" err="1"/>
-              <a:t>pre</a:t>
-            </a:r>
-            <a:r>
-              <a:rPr lang="it-IT" dirty="0"/>
-              <a:t>-allenati sul dataset imagenet (dataset contenente 1000 classi). </a:t>
-            </a:r>
-          </a:p>
-          <a:p>
-            <a:pPr rtl="0"/>
-            <a:r>
-              <a:rPr lang="it-IT" dirty="0"/>
-              <a:t>Per poter usare tali pesi in modo da essere consistenti col numero di classi in cui dividiamo i dati, si è modificata la rete di base, aggiungendo tre layers:</a:t>
-            </a:r>
-          </a:p>
-          <a:p>
-            <a:pPr marL="342900" indent="-342900" rtl="0">
-              <a:buFont typeface="+mj-lt"/>
-              <a:buAutoNum type="arabicPeriod"/>
-            </a:pPr>
-            <a:r>
-              <a:rPr lang="it-IT" dirty="0"/>
-              <a:t>GlobalAveragePooling2D();</a:t>
-            </a:r>
-          </a:p>
-          <a:p>
-            <a:pPr marL="342900" indent="-342900" rtl="0">
-              <a:buFont typeface="+mj-lt"/>
-              <a:buAutoNum type="arabicPeriod"/>
-            </a:pPr>
-            <a:r>
-              <a:rPr lang="it-IT" dirty="0"/>
-              <a:t>Dense con 100 neuroni e funzione di attivazione </a:t>
-            </a:r>
-            <a:r>
-              <a:rPr lang="it-IT" dirty="0" err="1"/>
-              <a:t>relu</a:t>
-            </a:r>
-            <a:r>
-              <a:rPr lang="it-IT" dirty="0"/>
-              <a:t>;</a:t>
-            </a:r>
-          </a:p>
-          <a:p>
-            <a:pPr marL="342900" indent="-342900" rtl="0">
-              <a:buFont typeface="+mj-lt"/>
-              <a:buAutoNum type="arabicPeriod"/>
-            </a:pPr>
-            <a:r>
-              <a:rPr lang="it-IT" dirty="0"/>
-              <a:t>Dense con 1 neurone e funzione di attivazione </a:t>
-            </a:r>
-            <a:r>
-              <a:rPr lang="it-IT" dirty="0" err="1"/>
-              <a:t>sigmoid</a:t>
-            </a:r>
-            <a:r>
-              <a:rPr lang="it-IT" dirty="0"/>
-              <a:t>.</a:t>
-            </a:r>
-          </a:p>
-        </p:txBody>
-      </p:sp>
-      <p:sp>
-        <p:nvSpPr>
-          <p:cNvPr id="7" name="Segnaposto testo 6">
-            <a:extLst>
-              <a:ext uri="{FF2B5EF4-FFF2-40B4-BE49-F238E27FC236}">
-                <a16:creationId xmlns:a16="http://schemas.microsoft.com/office/drawing/2014/main" id="{301D392D-FB66-47A0-B628-5ADE822A2CFF}"/>
-              </a:ext>
-            </a:extLst>
-          </p:cNvPr>
-          <p:cNvSpPr>
-            <a:spLocks noGrp="1"/>
-          </p:cNvSpPr>
-          <p:nvPr>
-            <p:ph type="body" sz="quarter" idx="25"/>
-          </p:nvPr>
-        </p:nvSpPr>
-        <p:spPr>
-          <a:xfrm>
-            <a:off x="5922254" y="3730227"/>
-            <a:ext cx="5433204" cy="365125"/>
-          </a:xfrm>
-        </p:spPr>
-        <p:txBody>
-          <a:bodyPr rtlCol="0">
-            <a:normAutofit lnSpcReduction="10000"/>
-          </a:bodyPr>
-          <a:lstStyle/>
-          <a:p>
-            <a:pPr rtl="0"/>
-            <a:r>
-              <a:rPr lang="it-IT" dirty="0"/>
-              <a:t>Test</a:t>
-            </a:r>
-          </a:p>
-        </p:txBody>
-      </p:sp>
-      <p:sp>
-        <p:nvSpPr>
-          <p:cNvPr id="8" name="Segnaposto testo 7">
-            <a:extLst>
-              <a:ext uri="{FF2B5EF4-FFF2-40B4-BE49-F238E27FC236}">
-                <a16:creationId xmlns:a16="http://schemas.microsoft.com/office/drawing/2014/main" id="{51C26CE0-2506-4B44-A26F-C12BFA5B18B5}"/>
-              </a:ext>
-            </a:extLst>
-          </p:cNvPr>
-          <p:cNvSpPr>
-            <a:spLocks noGrp="1"/>
-          </p:cNvSpPr>
-          <p:nvPr>
-            <p:ph type="body" sz="quarter" idx="26"/>
-          </p:nvPr>
-        </p:nvSpPr>
-        <p:spPr>
-          <a:xfrm>
-            <a:off x="5919680" y="4025862"/>
-            <a:ext cx="5431971" cy="557950"/>
-          </a:xfrm>
-        </p:spPr>
-        <p:txBody>
-          <a:bodyPr rtlCol="0"/>
-          <a:lstStyle/>
-          <a:p>
-            <a:pPr rtl="0"/>
-            <a:r>
-              <a:rPr lang="it-IT" dirty="0"/>
-              <a:t>Per testare il nuovo modello bisogna compilarlo ed effettuare una fase di training, in modo da allenare i layers che sono stati aggiunti.</a:t>
-            </a:r>
-          </a:p>
-        </p:txBody>
-      </p:sp>
-      <p:sp>
-        <p:nvSpPr>
-          <p:cNvPr id="10" name="Segnaposto testo 9">
-            <a:extLst>
-              <a:ext uri="{FF2B5EF4-FFF2-40B4-BE49-F238E27FC236}">
-                <a16:creationId xmlns:a16="http://schemas.microsoft.com/office/drawing/2014/main" id="{7F39C97C-2DDC-4706-B96C-B02FAE53A426}"/>
-              </a:ext>
-            </a:extLst>
-          </p:cNvPr>
-          <p:cNvSpPr>
-            <a:spLocks noGrp="1"/>
-          </p:cNvSpPr>
-          <p:nvPr>
-            <p:ph type="body" sz="quarter" idx="28"/>
-          </p:nvPr>
-        </p:nvSpPr>
-        <p:spPr>
-          <a:xfrm>
-            <a:off x="5919680" y="4693151"/>
-            <a:ext cx="5431971" cy="1663199"/>
-          </a:xfrm>
-        </p:spPr>
-        <p:txBody>
-          <a:bodyPr rtlCol="0">
-            <a:normAutofit lnSpcReduction="10000"/>
-          </a:bodyPr>
-          <a:lstStyle/>
-          <a:p>
-            <a:pPr rtl="0"/>
-            <a:r>
-              <a:rPr lang="it-IT" dirty="0"/>
-              <a:t>Per questa prima fase di training, si è scelto di usare:</a:t>
-            </a:r>
-          </a:p>
-          <a:p>
-            <a:pPr marL="285750" indent="-285750" rtl="0">
-              <a:buFont typeface="Arial" panose="020B0604020202020204" pitchFamily="34" charset="0"/>
-              <a:buChar char="•"/>
-            </a:pPr>
-            <a:r>
-              <a:rPr lang="it-IT" dirty="0"/>
-              <a:t>Adam come funzione di ottimizzazione;</a:t>
-            </a:r>
-          </a:p>
-          <a:p>
-            <a:pPr marL="285750" indent="-285750" rtl="0">
-              <a:buFont typeface="Arial" panose="020B0604020202020204" pitchFamily="34" charset="0"/>
-              <a:buChar char="•"/>
-            </a:pPr>
-            <a:r>
-              <a:rPr lang="it-IT" dirty="0" err="1"/>
-              <a:t>Binary</a:t>
-            </a:r>
-            <a:r>
-              <a:rPr lang="it-IT" dirty="0"/>
-              <a:t> </a:t>
-            </a:r>
-            <a:r>
-              <a:rPr lang="it-IT" dirty="0" err="1"/>
-              <a:t>Crossentropy</a:t>
-            </a:r>
-            <a:r>
-              <a:rPr lang="it-IT" dirty="0"/>
-              <a:t> come </a:t>
-            </a:r>
-            <a:r>
-              <a:rPr lang="it-IT" dirty="0" err="1"/>
-              <a:t>loss</a:t>
-            </a:r>
-            <a:r>
-              <a:rPr lang="it-IT" dirty="0"/>
-              <a:t> </a:t>
-            </a:r>
-            <a:r>
-              <a:rPr lang="it-IT" dirty="0" err="1"/>
-              <a:t>function</a:t>
-            </a:r>
-            <a:r>
-              <a:rPr lang="it-IT" dirty="0"/>
-              <a:t>;</a:t>
-            </a:r>
-          </a:p>
-          <a:p>
-            <a:pPr marL="285750" indent="-285750" rtl="0">
-              <a:buFont typeface="Arial" panose="020B0604020202020204" pitchFamily="34" charset="0"/>
-              <a:buChar char="•"/>
-            </a:pPr>
-            <a:r>
-              <a:rPr lang="it-IT" dirty="0"/>
-              <a:t>Come metrica l’</a:t>
-            </a:r>
-            <a:r>
-              <a:rPr lang="it-IT" dirty="0" err="1"/>
-              <a:t>accuracy</a:t>
-            </a:r>
-            <a:r>
-              <a:rPr lang="it-IT" dirty="0"/>
-              <a:t>;</a:t>
-            </a:r>
-          </a:p>
-          <a:p>
-            <a:pPr marL="285750" indent="-285750" rtl="0">
-              <a:buFont typeface="Arial" panose="020B0604020202020204" pitchFamily="34" charset="0"/>
-              <a:buChar char="•"/>
-            </a:pPr>
-            <a:r>
-              <a:rPr lang="it-IT" dirty="0"/>
-              <a:t>150 epoche di training con batch size pari a 30.</a:t>
-            </a:r>
-          </a:p>
-          <a:p>
-            <a:pPr marL="285750" indent="-285750" rtl="0">
-              <a:buFont typeface="Arial" panose="020B0604020202020204" pitchFamily="34" charset="0"/>
-              <a:buChar char="•"/>
-            </a:pPr>
-            <a:endParaRPr lang="it-IT" dirty="0"/>
-          </a:p>
-        </p:txBody>
-      </p:sp>
-      <p:sp>
-        <p:nvSpPr>
-          <p:cNvPr id="22" name="Segnaposto numero diapositiva 21">
-            <a:extLst>
-              <a:ext uri="{FF2B5EF4-FFF2-40B4-BE49-F238E27FC236}">
-                <a16:creationId xmlns:a16="http://schemas.microsoft.com/office/drawing/2014/main" id="{5D1BD041-3428-4D62-934F-F3FF6D36F90F}"/>
-              </a:ext>
-            </a:extLst>
-          </p:cNvPr>
-          <p:cNvSpPr>
-            <a:spLocks noGrp="1"/>
-          </p:cNvSpPr>
-          <p:nvPr>
-            <p:ph type="sldNum" sz="quarter" idx="22"/>
-          </p:nvPr>
-        </p:nvSpPr>
-        <p:spPr>
-          <a:xfrm>
-            <a:off x="10700656" y="6356350"/>
-            <a:ext cx="653143" cy="365125"/>
-          </a:xfrm>
-        </p:spPr>
-        <p:txBody>
-          <a:bodyPr rtlCol="0"/>
-          <a:lstStyle/>
-          <a:p>
-            <a:pPr rtl="0"/>
-            <a:fld id="{B5CEABB6-07DC-46E8-9B57-56EC44A396E5}" type="slidenum">
-              <a:rPr lang="it-IT" smtClean="0"/>
-              <a:pPr rtl="0"/>
-              <a:t>4</a:t>
-            </a:fld>
-            <a:endParaRPr lang="it-IT"/>
+              <a:t>Gestione immagini </a:t>
+            </a:r>
           </a:p>
         </p:txBody>
       </p:sp>
       <p:pic>
         <p:nvPicPr>
-          <p:cNvPr id="23" name="Immagine 22">
-            <a:extLst>
-              <a:ext uri="{FF2B5EF4-FFF2-40B4-BE49-F238E27FC236}">
-                <a16:creationId xmlns:a16="http://schemas.microsoft.com/office/drawing/2014/main" id="{0B788497-5900-661E-9B50-27143601AD60}"/>
+          <p:cNvPr id="19" name="Segnaposto immagine 18">
+            <a:extLst>
+              <a:ext uri="{FF2B5EF4-FFF2-40B4-BE49-F238E27FC236}">
+                <a16:creationId xmlns:a16="http://schemas.microsoft.com/office/drawing/2014/main" id="{11205DCD-2CD2-BDBC-0851-C55FF60C62AA}"/>
               </a:ext>
             </a:extLst>
           </p:cNvPr>
           <p:cNvPicPr>
-            <a:picLocks noChangeAspect="1"/>
+            <a:picLocks noGrp="1" noChangeAspect="1"/>
           </p:cNvPicPr>
-          <p:nvPr/>
+          <p:nvPr>
+            <p:ph type="pic" sz="quarter" idx="14"/>
+          </p:nvPr>
         </p:nvPicPr>
         <p:blipFill>
-          <a:blip r:embed="rId3" cstate="print">
-            <a:extLst>
-              <a:ext uri="{28A0092B-C50C-407E-A947-70E740481C1C}">
-                <a14:useLocalDpi xmlns:a14="http://schemas.microsoft.com/office/drawing/2010/main" val="0"/>
-              </a:ext>
-            </a:extLst>
-          </a:blip>
-          <a:srcRect/>
+          <a:blip r:embed="rId2"/>
+          <a:srcRect l="8851" r="8851"/>
           <a:stretch>
             <a:fillRect/>
           </a:stretch>
         </p:blipFill>
-        <p:spPr bwMode="auto">
-          <a:xfrm>
-            <a:off x="213514" y="900633"/>
-            <a:ext cx="5347853" cy="5347853"/>
-          </a:xfrm>
-          <a:prstGeom prst="rect">
-            <a:avLst/>
-          </a:prstGeom>
-          <a:ln>
-            <a:noFill/>
-          </a:ln>
-          <a:effectLst>
-            <a:outerShdw blurRad="292100" dist="139700" dir="2700000" algn="tl" rotWithShape="0">
-              <a:srgbClr val="333333">
-                <a:alpha val="65000"/>
-              </a:srgbClr>
-            </a:outerShdw>
-          </a:effectLst>
+        <p:spPr>
+          <a:xfrm>
+            <a:off x="1046814" y="1759696"/>
+            <a:ext cx="2252755" cy="2252755"/>
+          </a:xfrm>
         </p:spPr>
       </p:pic>
+      <p:pic>
+        <p:nvPicPr>
+          <p:cNvPr id="21" name="Segnaposto immagine 20">
+            <a:extLst>
+              <a:ext uri="{FF2B5EF4-FFF2-40B4-BE49-F238E27FC236}">
+                <a16:creationId xmlns:a16="http://schemas.microsoft.com/office/drawing/2014/main" id="{1B31EE58-CDCD-CDF5-CCDF-F7687FA29BE1}"/>
+              </a:ext>
+            </a:extLst>
+          </p:cNvPr>
+          <p:cNvPicPr>
+            <a:picLocks noGrp="1" noChangeAspect="1"/>
+          </p:cNvPicPr>
+          <p:nvPr>
+            <p:ph type="pic" sz="quarter" idx="15"/>
+          </p:nvPr>
+        </p:nvPicPr>
+        <p:blipFill>
+          <a:blip r:embed="rId3"/>
+          <a:srcRect/>
+          <a:stretch/>
+        </p:blipFill>
+        <p:spPr>
+          <a:xfrm>
+            <a:off x="3692978" y="1759696"/>
+            <a:ext cx="2241191" cy="2241191"/>
+          </a:xfrm>
+        </p:spPr>
+      </p:pic>
+      <p:pic>
+        <p:nvPicPr>
+          <p:cNvPr id="25" name="Segnaposto immagine 24">
+            <a:extLst>
+              <a:ext uri="{FF2B5EF4-FFF2-40B4-BE49-F238E27FC236}">
+                <a16:creationId xmlns:a16="http://schemas.microsoft.com/office/drawing/2014/main" id="{288A79BB-F50D-8365-4F7D-3B2D1EA8E739}"/>
+              </a:ext>
+            </a:extLst>
+          </p:cNvPr>
+          <p:cNvPicPr>
+            <a:picLocks noGrp="1" noChangeAspect="1"/>
+          </p:cNvPicPr>
+          <p:nvPr>
+            <p:ph type="pic" sz="quarter" idx="16"/>
+          </p:nvPr>
+        </p:nvPicPr>
+        <p:blipFill>
+          <a:blip r:embed="rId4"/>
+          <a:srcRect l="2054" r="2054"/>
+          <a:stretch>
+            <a:fillRect/>
+          </a:stretch>
+        </p:blipFill>
+        <p:spPr>
+          <a:xfrm>
+            <a:off x="6556052" y="1758794"/>
+            <a:ext cx="2149475" cy="2241550"/>
+          </a:xfrm>
+        </p:spPr>
+      </p:pic>
+      <p:pic>
+        <p:nvPicPr>
+          <p:cNvPr id="23" name="Segnaposto immagine 22" descr="Immagine che contiene testo&#10;&#10;Descrizione generata automaticamente">
+            <a:extLst>
+              <a:ext uri="{FF2B5EF4-FFF2-40B4-BE49-F238E27FC236}">
+                <a16:creationId xmlns:a16="http://schemas.microsoft.com/office/drawing/2014/main" id="{EC02A377-6A3B-189B-99D1-A732FA3D007C}"/>
+              </a:ext>
+            </a:extLst>
+          </p:cNvPr>
+          <p:cNvPicPr>
+            <a:picLocks noGrp="1" noChangeAspect="1"/>
+          </p:cNvPicPr>
+          <p:nvPr>
+            <p:ph type="pic" sz="quarter" idx="17"/>
+          </p:nvPr>
+        </p:nvPicPr>
+        <p:blipFill>
+          <a:blip r:embed="rId5"/>
+          <a:srcRect l="1641" r="1641"/>
+          <a:stretch>
+            <a:fillRect/>
+          </a:stretch>
+        </p:blipFill>
+        <p:spPr>
+          <a:xfrm>
+            <a:off x="9272928" y="1758794"/>
+            <a:ext cx="2243119" cy="2241191"/>
+          </a:xfrm>
+        </p:spPr>
+      </p:pic>
+      <p:sp>
+        <p:nvSpPr>
+          <p:cNvPr id="7" name="Segnaposto testo 6">
+            <a:extLst>
+              <a:ext uri="{FF2B5EF4-FFF2-40B4-BE49-F238E27FC236}">
+                <a16:creationId xmlns:a16="http://schemas.microsoft.com/office/drawing/2014/main" id="{396C662B-5AC7-286D-27F4-F4E0CD4FA141}"/>
+              </a:ext>
+            </a:extLst>
+          </p:cNvPr>
+          <p:cNvSpPr>
+            <a:spLocks noGrp="1"/>
+          </p:cNvSpPr>
+          <p:nvPr>
+            <p:ph type="body" idx="1"/>
+          </p:nvPr>
+        </p:nvSpPr>
+        <p:spPr>
+          <a:xfrm>
+            <a:off x="1111319" y="4371911"/>
+            <a:ext cx="2123743" cy="343061"/>
+          </a:xfrm>
+        </p:spPr>
+        <p:txBody>
+          <a:bodyPr/>
+          <a:lstStyle/>
+          <a:p>
+            <a:r>
+              <a:rPr lang="it-IT" dirty="0"/>
+              <a:t>Regolazione caratteristiche immagine</a:t>
+            </a:r>
+          </a:p>
+        </p:txBody>
+      </p:sp>
+      <p:sp>
+        <p:nvSpPr>
+          <p:cNvPr id="8" name="Segnaposto testo 7">
+            <a:extLst>
+              <a:ext uri="{FF2B5EF4-FFF2-40B4-BE49-F238E27FC236}">
+                <a16:creationId xmlns:a16="http://schemas.microsoft.com/office/drawing/2014/main" id="{9AF784BD-FC71-79E5-7B38-D051B12C1E49}"/>
+              </a:ext>
+            </a:extLst>
+          </p:cNvPr>
+          <p:cNvSpPr>
+            <a:spLocks noGrp="1"/>
+          </p:cNvSpPr>
+          <p:nvPr>
+            <p:ph type="body" idx="18"/>
+          </p:nvPr>
+        </p:nvSpPr>
+        <p:spPr>
+          <a:xfrm>
+            <a:off x="3745695" y="4342248"/>
+            <a:ext cx="2135755" cy="343061"/>
+          </a:xfrm>
+        </p:spPr>
+        <p:txBody>
+          <a:bodyPr/>
+          <a:lstStyle/>
+          <a:p>
+            <a:r>
+              <a:rPr lang="it-IT" dirty="0"/>
+              <a:t>Segmentazione mediante U-Net</a:t>
+            </a:r>
+          </a:p>
+        </p:txBody>
+      </p:sp>
+      <p:sp>
+        <p:nvSpPr>
+          <p:cNvPr id="9" name="Segnaposto testo 8">
+            <a:extLst>
+              <a:ext uri="{FF2B5EF4-FFF2-40B4-BE49-F238E27FC236}">
+                <a16:creationId xmlns:a16="http://schemas.microsoft.com/office/drawing/2014/main" id="{0D8745DA-BB7A-85DB-CBF0-7112010C3D0B}"/>
+              </a:ext>
+            </a:extLst>
+          </p:cNvPr>
+          <p:cNvSpPr>
+            <a:spLocks noGrp="1"/>
+          </p:cNvSpPr>
+          <p:nvPr>
+            <p:ph type="body" idx="19"/>
+          </p:nvPr>
+        </p:nvSpPr>
+        <p:spPr>
+          <a:xfrm>
+            <a:off x="6486857" y="4315046"/>
+            <a:ext cx="2123743" cy="343061"/>
+          </a:xfrm>
+        </p:spPr>
+        <p:txBody>
+          <a:bodyPr/>
+          <a:lstStyle/>
+          <a:p>
+            <a:r>
+              <a:rPr lang="it-IT" dirty="0"/>
+              <a:t>Creazione bounding-box</a:t>
+            </a:r>
+          </a:p>
+        </p:txBody>
+      </p:sp>
+      <p:sp>
+        <p:nvSpPr>
+          <p:cNvPr id="10" name="Segnaposto testo 9">
+            <a:extLst>
+              <a:ext uri="{FF2B5EF4-FFF2-40B4-BE49-F238E27FC236}">
+                <a16:creationId xmlns:a16="http://schemas.microsoft.com/office/drawing/2014/main" id="{F03B6C0D-0D25-22E3-2907-86171D882269}"/>
+              </a:ext>
+            </a:extLst>
+          </p:cNvPr>
+          <p:cNvSpPr>
+            <a:spLocks noGrp="1"/>
+          </p:cNvSpPr>
+          <p:nvPr>
+            <p:ph type="body" idx="20"/>
+          </p:nvPr>
+        </p:nvSpPr>
+        <p:spPr>
+          <a:xfrm>
+            <a:off x="8892523" y="4371911"/>
+            <a:ext cx="3003928" cy="343061"/>
+          </a:xfrm>
+        </p:spPr>
+        <p:txBody>
+          <a:bodyPr/>
+          <a:lstStyle/>
+          <a:p>
+            <a:r>
+              <a:rPr lang="it-IT" dirty="0"/>
+              <a:t>Sovrapporre la bounding-box e la maschera all’immagine originale</a:t>
+            </a:r>
+          </a:p>
+        </p:txBody>
+      </p:sp>
+      <p:sp>
+        <p:nvSpPr>
+          <p:cNvPr id="11" name="Segnaposto testo 10">
+            <a:extLst>
+              <a:ext uri="{FF2B5EF4-FFF2-40B4-BE49-F238E27FC236}">
+                <a16:creationId xmlns:a16="http://schemas.microsoft.com/office/drawing/2014/main" id="{9ED44017-95F9-3FC0-BB87-FEE8E74F8AEF}"/>
+              </a:ext>
+            </a:extLst>
+          </p:cNvPr>
+          <p:cNvSpPr>
+            <a:spLocks noGrp="1"/>
+          </p:cNvSpPr>
+          <p:nvPr>
+            <p:ph type="body" idx="21"/>
+          </p:nvPr>
+        </p:nvSpPr>
+        <p:spPr>
+          <a:xfrm>
+            <a:off x="1111318" y="4982326"/>
+            <a:ext cx="2123743" cy="343061"/>
+          </a:xfrm>
+        </p:spPr>
+        <p:txBody>
+          <a:bodyPr/>
+          <a:lstStyle/>
+          <a:p>
+            <a:r>
+              <a:rPr lang="it-IT" dirty="0"/>
+              <a:t>Regolazione di alcune proprietà come luminosità e contrasto.</a:t>
+            </a:r>
+          </a:p>
+        </p:txBody>
+      </p:sp>
+      <p:sp>
+        <p:nvSpPr>
+          <p:cNvPr id="12" name="Segnaposto testo 11">
+            <a:extLst>
+              <a:ext uri="{FF2B5EF4-FFF2-40B4-BE49-F238E27FC236}">
+                <a16:creationId xmlns:a16="http://schemas.microsoft.com/office/drawing/2014/main" id="{5CBA88B9-2B41-2AD2-90B9-90103DDABD8F}"/>
+              </a:ext>
+            </a:extLst>
+          </p:cNvPr>
+          <p:cNvSpPr>
+            <a:spLocks noGrp="1"/>
+          </p:cNvSpPr>
+          <p:nvPr>
+            <p:ph type="body" idx="22"/>
+          </p:nvPr>
+        </p:nvSpPr>
+        <p:spPr>
+          <a:xfrm>
+            <a:off x="3897343" y="4950285"/>
+            <a:ext cx="1855949" cy="343061"/>
+          </a:xfrm>
+        </p:spPr>
+        <p:txBody>
+          <a:bodyPr/>
+          <a:lstStyle/>
+          <a:p>
+            <a:r>
+              <a:rPr lang="it-IT" dirty="0"/>
+              <a:t>Per ottenere una maschera dell’immagine che evidenzi la posizione dei polmoni.</a:t>
+            </a:r>
+          </a:p>
+        </p:txBody>
+      </p:sp>
+      <p:sp>
+        <p:nvSpPr>
+          <p:cNvPr id="13" name="Segnaposto testo 12">
+            <a:extLst>
+              <a:ext uri="{FF2B5EF4-FFF2-40B4-BE49-F238E27FC236}">
+                <a16:creationId xmlns:a16="http://schemas.microsoft.com/office/drawing/2014/main" id="{891625B5-9992-938A-B728-6548D7A9275C}"/>
+              </a:ext>
+            </a:extLst>
+          </p:cNvPr>
+          <p:cNvSpPr>
+            <a:spLocks noGrp="1"/>
+          </p:cNvSpPr>
+          <p:nvPr>
+            <p:ph type="body" idx="23"/>
+          </p:nvPr>
+        </p:nvSpPr>
+        <p:spPr>
+          <a:xfrm>
+            <a:off x="6708035" y="4992637"/>
+            <a:ext cx="1845511" cy="343061"/>
+          </a:xfrm>
+        </p:spPr>
+        <p:txBody>
+          <a:bodyPr/>
+          <a:lstStyle/>
+          <a:p>
+            <a:r>
+              <a:rPr lang="it-IT" dirty="0"/>
+              <a:t>Per eliminare lo sfondo in eccesso e mettere in evidenza l’oggetto dell’immagine.</a:t>
+            </a:r>
+          </a:p>
+        </p:txBody>
+      </p:sp>
+      <p:sp>
+        <p:nvSpPr>
+          <p:cNvPr id="14" name="Segnaposto testo 13">
+            <a:extLst>
+              <a:ext uri="{FF2B5EF4-FFF2-40B4-BE49-F238E27FC236}">
+                <a16:creationId xmlns:a16="http://schemas.microsoft.com/office/drawing/2014/main" id="{1E1B22F5-76C0-376F-43DC-D3B8F191B18E}"/>
+              </a:ext>
+            </a:extLst>
+          </p:cNvPr>
+          <p:cNvSpPr>
+            <a:spLocks noGrp="1"/>
+          </p:cNvSpPr>
+          <p:nvPr>
+            <p:ph type="body" idx="24"/>
+          </p:nvPr>
+        </p:nvSpPr>
+        <p:spPr>
+          <a:xfrm>
+            <a:off x="9508290" y="5110729"/>
+            <a:ext cx="1845510" cy="343061"/>
+          </a:xfrm>
+        </p:spPr>
+        <p:txBody>
+          <a:bodyPr/>
+          <a:lstStyle/>
+          <a:p>
+            <a:r>
+              <a:rPr lang="it-IT" dirty="0"/>
+              <a:t>In modo da ottenere l’immagine che evidenzi la posizione dei polmoni.</a:t>
+            </a:r>
+          </a:p>
+        </p:txBody>
+      </p:sp>
+      <p:sp>
+        <p:nvSpPr>
+          <p:cNvPr id="17" name="Segnaposto numero diapositiva 16">
+            <a:extLst>
+              <a:ext uri="{FF2B5EF4-FFF2-40B4-BE49-F238E27FC236}">
+                <a16:creationId xmlns:a16="http://schemas.microsoft.com/office/drawing/2014/main" id="{0FCBF71D-E4A6-3AB4-8927-C8747E86A895}"/>
+              </a:ext>
+            </a:extLst>
+          </p:cNvPr>
+          <p:cNvSpPr>
+            <a:spLocks noGrp="1"/>
+          </p:cNvSpPr>
+          <p:nvPr>
+            <p:ph type="sldNum" sz="quarter" idx="12"/>
+          </p:nvPr>
+        </p:nvSpPr>
+        <p:spPr/>
+        <p:txBody>
+          <a:bodyPr/>
+          <a:lstStyle/>
+          <a:p>
+            <a:pPr rtl="0"/>
+            <a:fld id="{B5CEABB6-07DC-46E8-9B57-56EC44A396E5}" type="slidenum">
+              <a:rPr lang="it-IT" noProof="0" smtClean="0"/>
+              <a:t>4</a:t>
+            </a:fld>
+            <a:endParaRPr lang="it-IT" noProof="0"/>
+          </a:p>
+        </p:txBody>
+      </p:sp>
     </p:spTree>
     <p:extLst>
       <p:ext uri="{BB962C8B-B14F-4D97-AF65-F5344CB8AC3E}">
-        <p14:creationId xmlns:p14="http://schemas.microsoft.com/office/powerpoint/2010/main" val="1844941827"/>
+        <p14:creationId xmlns:p14="http://schemas.microsoft.com/office/powerpoint/2010/main" val="2582467398"/>
       </p:ext>
     </p:extLst>
   </p:cSld>
@@ -18151,7 +17389,7 @@
           <p:cNvPr id="2" name="Titolo 1">
             <a:extLst>
               <a:ext uri="{FF2B5EF4-FFF2-40B4-BE49-F238E27FC236}">
-                <a16:creationId xmlns:a16="http://schemas.microsoft.com/office/drawing/2014/main" id="{537E1C88-627C-4655-A4FB-0BB02EDB078A}"/>
+                <a16:creationId xmlns:a16="http://schemas.microsoft.com/office/drawing/2014/main" id="{0D3BB59D-865E-4359-0B2C-3A5164E0CA30}"/>
               </a:ext>
             </a:extLst>
           </p:cNvPr>
@@ -18164,28 +17402,27 @@
         </p:nvSpPr>
         <p:spPr>
           <a:xfrm>
-            <a:off x="359751" y="942973"/>
-            <a:ext cx="5111750" cy="555381"/>
-          </a:xfrm>
-        </p:spPr>
-        <p:txBody>
-          <a:bodyPr rtlCol="0"/>
+            <a:off x="1885156" y="0"/>
+            <a:ext cx="8421688" cy="1325563"/>
+          </a:xfrm>
+        </p:spPr>
+        <p:txBody>
+          <a:bodyPr/>
           <a:lstStyle/>
           <a:p>
-            <a:pPr rtl="0"/>
-            <a:r>
-              <a:rPr lang="it-IT" sz="2000" cap="none" dirty="0"/>
-              <a:t>Fine tuning</a:t>
-            </a:r>
-          </a:p>
-        </p:txBody>
-      </p:sp>
-      <p:sp>
-        <p:nvSpPr>
-          <p:cNvPr id="3" name="Segnaposto contenuto 2">
-            <a:extLst>
-              <a:ext uri="{FF2B5EF4-FFF2-40B4-BE49-F238E27FC236}">
-                <a16:creationId xmlns:a16="http://schemas.microsoft.com/office/drawing/2014/main" id="{033634FE-ADF0-4BC3-A0A9-447EA9DD096B}"/>
+            <a:r>
+              <a:rPr lang="it-IT" dirty="0"/>
+              <a:t>Selezione Dati eterogenei</a:t>
+            </a:r>
+          </a:p>
+        </p:txBody>
+      </p:sp>
+      <p:sp>
+        <p:nvSpPr>
+          <p:cNvPr id="3" name="Segnaposto testo 2">
+            <a:extLst>
+              <a:ext uri="{FF2B5EF4-FFF2-40B4-BE49-F238E27FC236}">
+                <a16:creationId xmlns:a16="http://schemas.microsoft.com/office/drawing/2014/main" id="{A45C2145-8A88-B6F8-0C40-029CBFC3E70A}"/>
               </a:ext>
             </a:extLst>
           </p:cNvPr>
@@ -18198,48 +17435,210 @@
         </p:nvSpPr>
         <p:spPr>
           <a:xfrm>
-            <a:off x="359751" y="1585789"/>
-            <a:ext cx="5111750" cy="2194904"/>
-          </a:xfrm>
-        </p:spPr>
-        <p:txBody>
-          <a:bodyPr vert="horz" lIns="91440" tIns="45720" rIns="91440" bIns="45720" rtlCol="0" anchor="t">
-            <a:normAutofit/>
-          </a:bodyPr>
+            <a:off x="1093635" y="1344216"/>
+            <a:ext cx="2882475" cy="823912"/>
+          </a:xfrm>
+        </p:spPr>
+        <p:txBody>
+          <a:bodyPr/>
           <a:lstStyle/>
           <a:p>
-            <a:pPr rtl="0"/>
-            <a:r>
-              <a:rPr lang="it-IT" noProof="1"/>
-              <a:t>Questa fase serve perché la rete modificata, che usa i pesi pre-allenati, consideri i nuovi layers inseriti in modo da ottenere risultati migliori.</a:t>
-            </a:r>
-          </a:p>
-          <a:p>
-            <a:pPr rtl="0"/>
-            <a:r>
-              <a:rPr lang="it-IT" noProof="1"/>
-              <a:t>Lo scopo di tale fase è, infatti, fare in modo che i pesi si regolino sul dataset d’interesse.</a:t>
-            </a:r>
-          </a:p>
-          <a:p>
-            <a:pPr rtl="0"/>
-            <a:r>
-              <a:rPr lang="it-IT" noProof="1"/>
-              <a:t>Essendo gli ultimi layers del modello di base non influenti sulla classificazione, si è deciso di congelare l’ultimo layer, per cui questo non viene considerato nel training.</a:t>
-            </a:r>
-          </a:p>
-          <a:p>
-            <a:pPr rtl="0"/>
-            <a:endParaRPr lang="it-IT" noProof="1"/>
-          </a:p>
-        </p:txBody>
-      </p:sp>
-      <p:sp>
-        <p:nvSpPr>
-          <p:cNvPr id="6" name="Segnaposto numero diapositiva 5">
-            <a:extLst>
-              <a:ext uri="{FF2B5EF4-FFF2-40B4-BE49-F238E27FC236}">
-                <a16:creationId xmlns:a16="http://schemas.microsoft.com/office/drawing/2014/main" id="{C23C3221-5F04-4CA7-A86A-EEA8566A1735}"/>
+            <a:pPr algn="ctr"/>
+            <a:r>
+              <a:rPr lang="it-IT" dirty="0"/>
+              <a:t>Analisi dataset di allenamento</a:t>
+            </a:r>
+          </a:p>
+        </p:txBody>
+      </p:sp>
+      <p:sp>
+        <p:nvSpPr>
+          <p:cNvPr id="4" name="Segnaposto contenuto 3">
+            <a:extLst>
+              <a:ext uri="{FF2B5EF4-FFF2-40B4-BE49-F238E27FC236}">
+                <a16:creationId xmlns:a16="http://schemas.microsoft.com/office/drawing/2014/main" id="{0B196BC4-88BD-FE5E-A098-1BD930F5AFDC}"/>
+              </a:ext>
+            </a:extLst>
+          </p:cNvPr>
+          <p:cNvSpPr>
+            <a:spLocks noGrp="1"/>
+          </p:cNvSpPr>
+          <p:nvPr>
+            <p:ph sz="half" idx="2"/>
+          </p:nvPr>
+        </p:nvSpPr>
+        <p:spPr>
+          <a:xfrm>
+            <a:off x="1093635" y="2205525"/>
+            <a:ext cx="2882475" cy="1997867"/>
+          </a:xfrm>
+        </p:spPr>
+        <p:txBody>
+          <a:bodyPr/>
+          <a:lstStyle/>
+          <a:p>
+            <a:r>
+              <a:rPr lang="it-IT" dirty="0"/>
+              <a:t>Si cerca di trovare il maggior numero di colonne complete, ovvero contenenti tutti i dati per ogni paziente in esame.</a:t>
+            </a:r>
+          </a:p>
+          <a:p>
+            <a:r>
+              <a:rPr lang="it-IT" dirty="0"/>
+              <a:t>Si svolge la stessa operazione per ogni paziente.</a:t>
+            </a:r>
+          </a:p>
+        </p:txBody>
+      </p:sp>
+      <p:sp>
+        <p:nvSpPr>
+          <p:cNvPr id="5" name="Segnaposto testo 4">
+            <a:extLst>
+              <a:ext uri="{FF2B5EF4-FFF2-40B4-BE49-F238E27FC236}">
+                <a16:creationId xmlns:a16="http://schemas.microsoft.com/office/drawing/2014/main" id="{8F2D5B07-19F8-87C6-0B92-B625DEA54D97}"/>
+              </a:ext>
+            </a:extLst>
+          </p:cNvPr>
+          <p:cNvSpPr>
+            <a:spLocks noGrp="1"/>
+          </p:cNvSpPr>
+          <p:nvPr>
+            <p:ph type="body" sz="quarter" idx="3"/>
+          </p:nvPr>
+        </p:nvSpPr>
+        <p:spPr>
+          <a:xfrm>
+            <a:off x="4480611" y="1344216"/>
+            <a:ext cx="2896671" cy="823912"/>
+          </a:xfrm>
+        </p:spPr>
+        <p:txBody>
+          <a:bodyPr/>
+          <a:lstStyle/>
+          <a:p>
+            <a:pPr algn="ctr"/>
+            <a:r>
+              <a:rPr lang="it-IT" dirty="0"/>
+              <a:t>Analisi dataset test</a:t>
+            </a:r>
+          </a:p>
+        </p:txBody>
+      </p:sp>
+      <p:sp>
+        <p:nvSpPr>
+          <p:cNvPr id="6" name="Segnaposto contenuto 5">
+            <a:extLst>
+              <a:ext uri="{FF2B5EF4-FFF2-40B4-BE49-F238E27FC236}">
+                <a16:creationId xmlns:a16="http://schemas.microsoft.com/office/drawing/2014/main" id="{865AF16A-A39F-95FC-931D-071DC0D96A2F}"/>
+              </a:ext>
+            </a:extLst>
+          </p:cNvPr>
+          <p:cNvSpPr>
+            <a:spLocks noGrp="1"/>
+          </p:cNvSpPr>
+          <p:nvPr>
+            <p:ph sz="quarter" idx="4"/>
+          </p:nvPr>
+        </p:nvSpPr>
+        <p:spPr>
+          <a:xfrm>
+            <a:off x="4647664" y="2278367"/>
+            <a:ext cx="2896671" cy="1997867"/>
+          </a:xfrm>
+        </p:spPr>
+        <p:txBody>
+          <a:bodyPr/>
+          <a:lstStyle/>
+          <a:p>
+            <a:r>
+              <a:rPr lang="it-IT" dirty="0"/>
+              <a:t>Si effettua lo stesso filtraggio effettuato per il dataset di allenamento.</a:t>
+            </a:r>
+          </a:p>
+          <a:p>
+            <a:endParaRPr lang="it-IT" dirty="0"/>
+          </a:p>
+        </p:txBody>
+      </p:sp>
+      <p:sp>
+        <p:nvSpPr>
+          <p:cNvPr id="7" name="Segnaposto testo 6">
+            <a:extLst>
+              <a:ext uri="{FF2B5EF4-FFF2-40B4-BE49-F238E27FC236}">
+                <a16:creationId xmlns:a16="http://schemas.microsoft.com/office/drawing/2014/main" id="{9F6680FF-DFAE-9FD5-8797-D282F7FFA131}"/>
+              </a:ext>
+            </a:extLst>
+          </p:cNvPr>
+          <p:cNvSpPr>
+            <a:spLocks noGrp="1"/>
+          </p:cNvSpPr>
+          <p:nvPr>
+            <p:ph type="body" idx="13"/>
+          </p:nvPr>
+        </p:nvSpPr>
+        <p:spPr>
+          <a:xfrm>
+            <a:off x="7881783" y="1344216"/>
+            <a:ext cx="2882475" cy="823912"/>
+          </a:xfrm>
+        </p:spPr>
+        <p:txBody>
+          <a:bodyPr/>
+          <a:lstStyle/>
+          <a:p>
+            <a:pPr algn="ctr"/>
+            <a:r>
+              <a:rPr lang="it-IT" dirty="0"/>
+              <a:t>Confronto e Unione dei due dataset </a:t>
+            </a:r>
+          </a:p>
+        </p:txBody>
+      </p:sp>
+      <p:sp>
+        <p:nvSpPr>
+          <p:cNvPr id="8" name="Segnaposto contenuto 7">
+            <a:extLst>
+              <a:ext uri="{FF2B5EF4-FFF2-40B4-BE49-F238E27FC236}">
+                <a16:creationId xmlns:a16="http://schemas.microsoft.com/office/drawing/2014/main" id="{D09E9313-0393-FC87-0C43-BCE89868F78B}"/>
+              </a:ext>
+            </a:extLst>
+          </p:cNvPr>
+          <p:cNvSpPr>
+            <a:spLocks noGrp="1"/>
+          </p:cNvSpPr>
+          <p:nvPr>
+            <p:ph sz="half" idx="14"/>
+          </p:nvPr>
+        </p:nvSpPr>
+        <p:spPr>
+          <a:xfrm>
+            <a:off x="7881782" y="2205525"/>
+            <a:ext cx="2882475" cy="1997867"/>
+          </a:xfrm>
+        </p:spPr>
+        <p:txBody>
+          <a:bodyPr/>
+          <a:lstStyle/>
+          <a:p>
+            <a:r>
+              <a:rPr lang="it-IT" dirty="0"/>
+              <a:t>Per ottenere un unico dataset su cui allenare le reti neurali in modo da evitare «buchi».</a:t>
+            </a:r>
+          </a:p>
+          <a:p>
+            <a:r>
+              <a:rPr lang="it-IT" dirty="0"/>
+              <a:t>Si è così ottenuto il più grande sottoinsieme contenente i metadati.</a:t>
+            </a:r>
+          </a:p>
+        </p:txBody>
+      </p:sp>
+      <p:sp>
+        <p:nvSpPr>
+          <p:cNvPr id="11" name="Segnaposto numero diapositiva 10">
+            <a:extLst>
+              <a:ext uri="{FF2B5EF4-FFF2-40B4-BE49-F238E27FC236}">
+                <a16:creationId xmlns:a16="http://schemas.microsoft.com/office/drawing/2014/main" id="{CAF68969-0AAB-7A9E-7BF2-9E4942BDEAE2}"/>
               </a:ext>
             </a:extLst>
           </p:cNvPr>
@@ -18250,475 +17649,26 @@
             <p:ph type="sldNum" sz="quarter" idx="12"/>
           </p:nvPr>
         </p:nvSpPr>
-        <p:spPr>
-          <a:xfrm>
-            <a:off x="8610600" y="6356350"/>
-            <a:ext cx="2743200" cy="365125"/>
-          </a:xfrm>
-        </p:spPr>
-        <p:txBody>
-          <a:bodyPr rtlCol="0"/>
+        <p:spPr/>
+        <p:txBody>
+          <a:bodyPr/>
           <a:lstStyle/>
           <a:p>
             <a:pPr rtl="0"/>
             <a:fld id="{B5CEABB6-07DC-46E8-9B57-56EC44A396E5}" type="slidenum">
-              <a:rPr lang="it-IT" smtClean="0"/>
-              <a:pPr rtl="0"/>
+              <a:rPr lang="it-IT" noProof="0" smtClean="0"/>
               <a:t>5</a:t>
             </a:fld>
-            <a:endParaRPr lang="it-IT" dirty="0"/>
-          </a:p>
-        </p:txBody>
-      </p:sp>
-      <p:sp>
-        <p:nvSpPr>
-          <p:cNvPr id="8" name="Segnaposto testo 6">
-            <a:extLst>
-              <a:ext uri="{FF2B5EF4-FFF2-40B4-BE49-F238E27FC236}">
-                <a16:creationId xmlns:a16="http://schemas.microsoft.com/office/drawing/2014/main" id="{1AAF36DE-D8AC-C1B9-43CD-910B75730D9C}"/>
-              </a:ext>
-            </a:extLst>
-          </p:cNvPr>
-          <p:cNvSpPr txBox="1">
-            <a:spLocks/>
-          </p:cNvSpPr>
-          <p:nvPr/>
-        </p:nvSpPr>
-        <p:spPr>
-          <a:xfrm>
-            <a:off x="358518" y="3850544"/>
-            <a:ext cx="5433204" cy="365125"/>
-          </a:xfrm>
-          <a:prstGeom prst="rect">
-            <a:avLst/>
-          </a:prstGeom>
-        </p:spPr>
-        <p:txBody>
-          <a:bodyPr rtlCol="0">
-            <a:normAutofit fontScale="92500" lnSpcReduction="20000"/>
-          </a:bodyPr>
-          <a:lstStyle>
-            <a:lvl1pPr marL="228600" indent="-228600" algn="l" defTabSz="914400" rtl="0" eaLnBrk="1" latinLnBrk="0" hangingPunct="1">
-              <a:lnSpc>
-                <a:spcPct val="90000"/>
-              </a:lnSpc>
-              <a:spcBef>
-                <a:spcPts val="1000"/>
-              </a:spcBef>
-              <a:buFont typeface="Arial" panose="020B0604020202020204" pitchFamily="34" charset="0"/>
-              <a:buChar char="•"/>
-              <a:defRPr sz="2800" kern="1200">
-                <a:solidFill>
-                  <a:schemeClr val="tx1">
-                    <a:lumMod val="75000"/>
-                    <a:lumOff val="25000"/>
-                  </a:schemeClr>
-                </a:solidFill>
-                <a:latin typeface="+mn-lt"/>
-                <a:ea typeface="+mn-ea"/>
-                <a:cs typeface="+mn-cs"/>
-              </a:defRPr>
-            </a:lvl1pPr>
-            <a:lvl2pPr marL="685800" indent="-228600" algn="l" defTabSz="914400" rtl="0" eaLnBrk="1" latinLnBrk="0" hangingPunct="1">
-              <a:lnSpc>
-                <a:spcPct val="90000"/>
-              </a:lnSpc>
-              <a:spcBef>
-                <a:spcPts val="500"/>
-              </a:spcBef>
-              <a:buFont typeface="Arial" panose="020B0604020202020204" pitchFamily="34" charset="0"/>
-              <a:buChar char="•"/>
-              <a:defRPr sz="2400" kern="1200">
-                <a:solidFill>
-                  <a:schemeClr val="tx1">
-                    <a:lumMod val="75000"/>
-                    <a:lumOff val="25000"/>
-                  </a:schemeClr>
-                </a:solidFill>
-                <a:latin typeface="+mn-lt"/>
-                <a:ea typeface="+mn-ea"/>
-                <a:cs typeface="+mn-cs"/>
-              </a:defRPr>
-            </a:lvl2pPr>
-            <a:lvl3pPr marL="1143000" indent="-228600" algn="l" defTabSz="914400" rtl="0" eaLnBrk="1" latinLnBrk="0" hangingPunct="1">
-              <a:lnSpc>
-                <a:spcPct val="90000"/>
-              </a:lnSpc>
-              <a:spcBef>
-                <a:spcPts val="500"/>
-              </a:spcBef>
-              <a:buFont typeface="Arial" panose="020B0604020202020204" pitchFamily="34" charset="0"/>
-              <a:buChar char="•"/>
-              <a:defRPr sz="2000" kern="1200">
-                <a:solidFill>
-                  <a:schemeClr val="tx1">
-                    <a:lumMod val="75000"/>
-                    <a:lumOff val="25000"/>
-                  </a:schemeClr>
-                </a:solidFill>
-                <a:latin typeface="+mn-lt"/>
-                <a:ea typeface="+mn-ea"/>
-                <a:cs typeface="+mn-cs"/>
-              </a:defRPr>
-            </a:lvl3pPr>
-            <a:lvl4pPr marL="1600200" indent="-228600" algn="l" defTabSz="914400" rtl="0" eaLnBrk="1" latinLnBrk="0" hangingPunct="1">
-              <a:lnSpc>
-                <a:spcPct val="90000"/>
-              </a:lnSpc>
-              <a:spcBef>
-                <a:spcPts val="500"/>
-              </a:spcBef>
-              <a:buFont typeface="Arial" panose="020B0604020202020204" pitchFamily="34" charset="0"/>
-              <a:buChar char="•"/>
-              <a:defRPr sz="1800" kern="1200">
-                <a:solidFill>
-                  <a:schemeClr val="tx1">
-                    <a:lumMod val="75000"/>
-                    <a:lumOff val="25000"/>
-                  </a:schemeClr>
-                </a:solidFill>
-                <a:latin typeface="+mn-lt"/>
-                <a:ea typeface="+mn-ea"/>
-                <a:cs typeface="+mn-cs"/>
-              </a:defRPr>
-            </a:lvl4pPr>
-            <a:lvl5pPr marL="2057400" indent="-228600" algn="l" defTabSz="914400" rtl="0" eaLnBrk="1" latinLnBrk="0" hangingPunct="1">
-              <a:lnSpc>
-                <a:spcPct val="90000"/>
-              </a:lnSpc>
-              <a:spcBef>
-                <a:spcPts val="500"/>
-              </a:spcBef>
-              <a:buFont typeface="Arial" panose="020B0604020202020204" pitchFamily="34" charset="0"/>
-              <a:buChar char="•"/>
-              <a:defRPr sz="1800" kern="1200">
-                <a:solidFill>
-                  <a:schemeClr val="tx1">
-                    <a:lumMod val="75000"/>
-                    <a:lumOff val="25000"/>
-                  </a:schemeClr>
-                </a:solidFill>
-                <a:latin typeface="+mn-lt"/>
-                <a:ea typeface="+mn-ea"/>
-                <a:cs typeface="+mn-cs"/>
-              </a:defRPr>
-            </a:lvl5pPr>
-            <a:lvl6pPr marL="2514600" indent="-228600" algn="l" defTabSz="914400" rtl="0" eaLnBrk="1" latinLnBrk="0" hangingPunct="1">
-              <a:lnSpc>
-                <a:spcPct val="90000"/>
-              </a:lnSpc>
-              <a:spcBef>
-                <a:spcPts val="500"/>
-              </a:spcBef>
-              <a:buFont typeface="Arial" panose="020B0604020202020204" pitchFamily="34" charset="0"/>
-              <a:buChar char="•"/>
-              <a:defRPr sz="1800" kern="1200">
-                <a:solidFill>
-                  <a:schemeClr val="tx1"/>
-                </a:solidFill>
-                <a:latin typeface="+mn-lt"/>
-                <a:ea typeface="+mn-ea"/>
-                <a:cs typeface="+mn-cs"/>
-              </a:defRPr>
-            </a:lvl6pPr>
-            <a:lvl7pPr marL="2971800" indent="-228600" algn="l" defTabSz="914400" rtl="0" eaLnBrk="1" latinLnBrk="0" hangingPunct="1">
-              <a:lnSpc>
-                <a:spcPct val="90000"/>
-              </a:lnSpc>
-              <a:spcBef>
-                <a:spcPts val="500"/>
-              </a:spcBef>
-              <a:buFont typeface="Arial" panose="020B0604020202020204" pitchFamily="34" charset="0"/>
-              <a:buChar char="•"/>
-              <a:defRPr sz="1800" kern="1200">
-                <a:solidFill>
-                  <a:schemeClr val="tx1"/>
-                </a:solidFill>
-                <a:latin typeface="+mn-lt"/>
-                <a:ea typeface="+mn-ea"/>
-                <a:cs typeface="+mn-cs"/>
-              </a:defRPr>
-            </a:lvl7pPr>
-            <a:lvl8pPr marL="3429000" indent="-228600" algn="l" defTabSz="914400" rtl="0" eaLnBrk="1" latinLnBrk="0" hangingPunct="1">
-              <a:lnSpc>
-                <a:spcPct val="90000"/>
-              </a:lnSpc>
-              <a:spcBef>
-                <a:spcPts val="500"/>
-              </a:spcBef>
-              <a:buFont typeface="Arial" panose="020B0604020202020204" pitchFamily="34" charset="0"/>
-              <a:buChar char="•"/>
-              <a:defRPr sz="1800" kern="1200">
-                <a:solidFill>
-                  <a:schemeClr val="tx1"/>
-                </a:solidFill>
-                <a:latin typeface="+mn-lt"/>
-                <a:ea typeface="+mn-ea"/>
-                <a:cs typeface="+mn-cs"/>
-              </a:defRPr>
-            </a:lvl8pPr>
-            <a:lvl9pPr marL="3886200" indent="-228600" algn="l" defTabSz="914400" rtl="0" eaLnBrk="1" latinLnBrk="0" hangingPunct="1">
-              <a:lnSpc>
-                <a:spcPct val="90000"/>
-              </a:lnSpc>
-              <a:spcBef>
-                <a:spcPts val="500"/>
-              </a:spcBef>
-              <a:buFont typeface="Arial" panose="020B0604020202020204" pitchFamily="34" charset="0"/>
-              <a:buChar char="•"/>
-              <a:defRPr sz="1800" kern="1200">
-                <a:solidFill>
-                  <a:schemeClr val="tx1"/>
-                </a:solidFill>
-                <a:latin typeface="+mn-lt"/>
-                <a:ea typeface="+mn-ea"/>
-                <a:cs typeface="+mn-cs"/>
-              </a:defRPr>
-            </a:lvl9pPr>
-          </a:lstStyle>
-          <a:p>
-            <a:pPr marL="0" indent="0">
-              <a:lnSpc>
-                <a:spcPct val="110000"/>
-              </a:lnSpc>
-              <a:spcBef>
-                <a:spcPct val="0"/>
-              </a:spcBef>
-              <a:buNone/>
-            </a:pPr>
-            <a:r>
-              <a:rPr lang="it-IT" sz="2000" spc="150" dirty="0">
-                <a:latin typeface="+mj-lt"/>
-                <a:ea typeface="+mj-ea"/>
-                <a:cs typeface="+mj-cs"/>
-              </a:rPr>
-              <a:t>Test</a:t>
-            </a:r>
-          </a:p>
-        </p:txBody>
-      </p:sp>
-      <p:sp>
-        <p:nvSpPr>
-          <p:cNvPr id="9" name="Segnaposto testo 7">
-            <a:extLst>
-              <a:ext uri="{FF2B5EF4-FFF2-40B4-BE49-F238E27FC236}">
-                <a16:creationId xmlns:a16="http://schemas.microsoft.com/office/drawing/2014/main" id="{0AE391E6-7F0C-E9C6-2A89-0C9600978610}"/>
-              </a:ext>
-            </a:extLst>
-          </p:cNvPr>
-          <p:cNvSpPr txBox="1">
-            <a:spLocks/>
-          </p:cNvSpPr>
-          <p:nvPr/>
-        </p:nvSpPr>
-        <p:spPr>
-          <a:xfrm>
-            <a:off x="359752" y="4215669"/>
-            <a:ext cx="5111750" cy="1954579"/>
-          </a:xfrm>
-          <a:prstGeom prst="rect">
-            <a:avLst/>
-          </a:prstGeom>
-        </p:spPr>
-        <p:txBody>
-          <a:bodyPr rtlCol="0"/>
-          <a:lstStyle>
-            <a:lvl1pPr marL="228600" indent="-228600" algn="l" defTabSz="914400" rtl="0" eaLnBrk="1" latinLnBrk="0" hangingPunct="1">
-              <a:lnSpc>
-                <a:spcPct val="90000"/>
-              </a:lnSpc>
-              <a:spcBef>
-                <a:spcPts val="1000"/>
-              </a:spcBef>
-              <a:buFont typeface="Arial" panose="020B0604020202020204" pitchFamily="34" charset="0"/>
-              <a:buChar char="•"/>
-              <a:defRPr sz="2800" kern="1200">
-                <a:solidFill>
-                  <a:schemeClr val="tx1">
-                    <a:lumMod val="75000"/>
-                    <a:lumOff val="25000"/>
-                  </a:schemeClr>
-                </a:solidFill>
-                <a:latin typeface="+mn-lt"/>
-                <a:ea typeface="+mn-ea"/>
-                <a:cs typeface="+mn-cs"/>
-              </a:defRPr>
-            </a:lvl1pPr>
-            <a:lvl2pPr marL="685800" indent="-228600" algn="l" defTabSz="914400" rtl="0" eaLnBrk="1" latinLnBrk="0" hangingPunct="1">
-              <a:lnSpc>
-                <a:spcPct val="90000"/>
-              </a:lnSpc>
-              <a:spcBef>
-                <a:spcPts val="500"/>
-              </a:spcBef>
-              <a:buFont typeface="Arial" panose="020B0604020202020204" pitchFamily="34" charset="0"/>
-              <a:buChar char="•"/>
-              <a:defRPr sz="2400" kern="1200">
-                <a:solidFill>
-                  <a:schemeClr val="tx1">
-                    <a:lumMod val="75000"/>
-                    <a:lumOff val="25000"/>
-                  </a:schemeClr>
-                </a:solidFill>
-                <a:latin typeface="+mn-lt"/>
-                <a:ea typeface="+mn-ea"/>
-                <a:cs typeface="+mn-cs"/>
-              </a:defRPr>
-            </a:lvl2pPr>
-            <a:lvl3pPr marL="1143000" indent="-228600" algn="l" defTabSz="914400" rtl="0" eaLnBrk="1" latinLnBrk="0" hangingPunct="1">
-              <a:lnSpc>
-                <a:spcPct val="90000"/>
-              </a:lnSpc>
-              <a:spcBef>
-                <a:spcPts val="500"/>
-              </a:spcBef>
-              <a:buFont typeface="Arial" panose="020B0604020202020204" pitchFamily="34" charset="0"/>
-              <a:buChar char="•"/>
-              <a:defRPr sz="2000" kern="1200">
-                <a:solidFill>
-                  <a:schemeClr val="tx1">
-                    <a:lumMod val="75000"/>
-                    <a:lumOff val="25000"/>
-                  </a:schemeClr>
-                </a:solidFill>
-                <a:latin typeface="+mn-lt"/>
-                <a:ea typeface="+mn-ea"/>
-                <a:cs typeface="+mn-cs"/>
-              </a:defRPr>
-            </a:lvl3pPr>
-            <a:lvl4pPr marL="1600200" indent="-228600" algn="l" defTabSz="914400" rtl="0" eaLnBrk="1" latinLnBrk="0" hangingPunct="1">
-              <a:lnSpc>
-                <a:spcPct val="90000"/>
-              </a:lnSpc>
-              <a:spcBef>
-                <a:spcPts val="500"/>
-              </a:spcBef>
-              <a:buFont typeface="Arial" panose="020B0604020202020204" pitchFamily="34" charset="0"/>
-              <a:buChar char="•"/>
-              <a:defRPr sz="1800" kern="1200">
-                <a:solidFill>
-                  <a:schemeClr val="tx1">
-                    <a:lumMod val="75000"/>
-                    <a:lumOff val="25000"/>
-                  </a:schemeClr>
-                </a:solidFill>
-                <a:latin typeface="+mn-lt"/>
-                <a:ea typeface="+mn-ea"/>
-                <a:cs typeface="+mn-cs"/>
-              </a:defRPr>
-            </a:lvl4pPr>
-            <a:lvl5pPr marL="2057400" indent="-228600" algn="l" defTabSz="914400" rtl="0" eaLnBrk="1" latinLnBrk="0" hangingPunct="1">
-              <a:lnSpc>
-                <a:spcPct val="90000"/>
-              </a:lnSpc>
-              <a:spcBef>
-                <a:spcPts val="500"/>
-              </a:spcBef>
-              <a:buFont typeface="Arial" panose="020B0604020202020204" pitchFamily="34" charset="0"/>
-              <a:buChar char="•"/>
-              <a:defRPr sz="1800" kern="1200">
-                <a:solidFill>
-                  <a:schemeClr val="tx1">
-                    <a:lumMod val="75000"/>
-                    <a:lumOff val="25000"/>
-                  </a:schemeClr>
-                </a:solidFill>
-                <a:latin typeface="+mn-lt"/>
-                <a:ea typeface="+mn-ea"/>
-                <a:cs typeface="+mn-cs"/>
-              </a:defRPr>
-            </a:lvl5pPr>
-            <a:lvl6pPr marL="2514600" indent="-228600" algn="l" defTabSz="914400" rtl="0" eaLnBrk="1" latinLnBrk="0" hangingPunct="1">
-              <a:lnSpc>
-                <a:spcPct val="90000"/>
-              </a:lnSpc>
-              <a:spcBef>
-                <a:spcPts val="500"/>
-              </a:spcBef>
-              <a:buFont typeface="Arial" panose="020B0604020202020204" pitchFamily="34" charset="0"/>
-              <a:buChar char="•"/>
-              <a:defRPr sz="1800" kern="1200">
-                <a:solidFill>
-                  <a:schemeClr val="tx1"/>
-                </a:solidFill>
-                <a:latin typeface="+mn-lt"/>
-                <a:ea typeface="+mn-ea"/>
-                <a:cs typeface="+mn-cs"/>
-              </a:defRPr>
-            </a:lvl6pPr>
-            <a:lvl7pPr marL="2971800" indent="-228600" algn="l" defTabSz="914400" rtl="0" eaLnBrk="1" latinLnBrk="0" hangingPunct="1">
-              <a:lnSpc>
-                <a:spcPct val="90000"/>
-              </a:lnSpc>
-              <a:spcBef>
-                <a:spcPts val="500"/>
-              </a:spcBef>
-              <a:buFont typeface="Arial" panose="020B0604020202020204" pitchFamily="34" charset="0"/>
-              <a:buChar char="•"/>
-              <a:defRPr sz="1800" kern="1200">
-                <a:solidFill>
-                  <a:schemeClr val="tx1"/>
-                </a:solidFill>
-                <a:latin typeface="+mn-lt"/>
-                <a:ea typeface="+mn-ea"/>
-                <a:cs typeface="+mn-cs"/>
-              </a:defRPr>
-            </a:lvl7pPr>
-            <a:lvl8pPr marL="3429000" indent="-228600" algn="l" defTabSz="914400" rtl="0" eaLnBrk="1" latinLnBrk="0" hangingPunct="1">
-              <a:lnSpc>
-                <a:spcPct val="90000"/>
-              </a:lnSpc>
-              <a:spcBef>
-                <a:spcPts val="500"/>
-              </a:spcBef>
-              <a:buFont typeface="Arial" panose="020B0604020202020204" pitchFamily="34" charset="0"/>
-              <a:buChar char="•"/>
-              <a:defRPr sz="1800" kern="1200">
-                <a:solidFill>
-                  <a:schemeClr val="tx1"/>
-                </a:solidFill>
-                <a:latin typeface="+mn-lt"/>
-                <a:ea typeface="+mn-ea"/>
-                <a:cs typeface="+mn-cs"/>
-              </a:defRPr>
-            </a:lvl8pPr>
-            <a:lvl9pPr marL="3886200" indent="-228600" algn="l" defTabSz="914400" rtl="0" eaLnBrk="1" latinLnBrk="0" hangingPunct="1">
-              <a:lnSpc>
-                <a:spcPct val="90000"/>
-              </a:lnSpc>
-              <a:spcBef>
-                <a:spcPts val="500"/>
-              </a:spcBef>
-              <a:buFont typeface="Arial" panose="020B0604020202020204" pitchFamily="34" charset="0"/>
-              <a:buChar char="•"/>
-              <a:defRPr sz="1800" kern="1200">
-                <a:solidFill>
-                  <a:schemeClr val="tx1"/>
-                </a:solidFill>
-                <a:latin typeface="+mn-lt"/>
-                <a:ea typeface="+mn-ea"/>
-                <a:cs typeface="+mn-cs"/>
-              </a:defRPr>
-            </a:lvl9pPr>
-          </a:lstStyle>
-          <a:p>
-            <a:pPr marL="0" indent="0">
-              <a:buNone/>
-            </a:pPr>
-            <a:r>
-              <a:rPr lang="it-IT" sz="1400" spc="50" dirty="0"/>
-              <a:t>Per effettuare il training in questa fase sono stati usati gli stessi parametri della fase precedente, con l’unica eccezione relativa al numero di epoche: in questo si è scelto di usare solo 30 epoche.</a:t>
-            </a:r>
-            <a:endParaRPr lang="it-IT" dirty="0"/>
+            <a:endParaRPr lang="it-IT" noProof="0"/>
           </a:p>
         </p:txBody>
       </p:sp>
       <p:pic>
         <p:nvPicPr>
-          <p:cNvPr id="10" name="Immagine 9">
-            <a:extLst>
-              <a:ext uri="{FF2B5EF4-FFF2-40B4-BE49-F238E27FC236}">
-                <a16:creationId xmlns:a16="http://schemas.microsoft.com/office/drawing/2014/main" id="{B6613397-CB3F-D2F9-CBDE-DA3B52C41B12}"/>
+          <p:cNvPr id="13" name="Immagine 12">
+            <a:extLst>
+              <a:ext uri="{FF2B5EF4-FFF2-40B4-BE49-F238E27FC236}">
+                <a16:creationId xmlns:a16="http://schemas.microsoft.com/office/drawing/2014/main" id="{2FFE3CF5-D7F6-8764-AFE0-FEC617C7DF57}"/>
               </a:ext>
             </a:extLst>
           </p:cNvPr>
@@ -18728,33 +17678,30 @@
           <p:nvPr/>
         </p:nvPicPr>
         <p:blipFill>
-          <a:blip r:embed="rId3" cstate="print">
-            <a:extLst>
-              <a:ext uri="{28A0092B-C50C-407E-A947-70E740481C1C}">
-                <a14:useLocalDpi xmlns:a14="http://schemas.microsoft.com/office/drawing/2010/main" val="0"/>
-              </a:ext>
-            </a:extLst>
-          </a:blip>
-          <a:srcRect/>
+          <a:blip r:embed="rId2"/>
           <a:stretch>
             <a:fillRect/>
           </a:stretch>
         </p:blipFill>
-        <p:spPr bwMode="auto">
-          <a:xfrm>
-            <a:off x="6285980" y="707048"/>
-            <a:ext cx="5443904" cy="5443904"/>
+        <p:spPr>
+          <a:xfrm>
+            <a:off x="213945" y="3897949"/>
+            <a:ext cx="11764107" cy="2040170"/>
           </a:xfrm>
           <a:prstGeom prst="rect">
             <a:avLst/>
           </a:prstGeom>
-          <a:ln>
-            <a:noFill/>
+          <a:ln w="38100" cap="sq">
+            <a:solidFill>
+              <a:srgbClr val="000000"/>
+            </a:solidFill>
+            <a:prstDash val="solid"/>
+            <a:miter lim="800000"/>
           </a:ln>
           <a:effectLst>
-            <a:outerShdw blurRad="292100" dist="139700" dir="2700000" algn="tl" rotWithShape="0">
-              <a:srgbClr val="333333">
-                <a:alpha val="65000"/>
+            <a:outerShdw blurRad="50800" dist="38100" dir="2700000" algn="tl" rotWithShape="0">
+              <a:srgbClr val="000000">
+                <a:alpha val="43000"/>
               </a:srgbClr>
             </a:outerShdw>
           </a:effectLst>
@@ -18763,7 +17710,7 @@
     </p:spTree>
     <p:extLst>
       <p:ext uri="{BB962C8B-B14F-4D97-AF65-F5344CB8AC3E}">
-        <p14:creationId xmlns:p14="http://schemas.microsoft.com/office/powerpoint/2010/main" val="1346372204"/>
+        <p14:creationId xmlns:p14="http://schemas.microsoft.com/office/powerpoint/2010/main" val="3360073976"/>
       </p:ext>
     </p:extLst>
   </p:cSld>
@@ -18792,214 +17739,891 @@
       </p:grpSpPr>
       <p:sp>
         <p:nvSpPr>
-          <p:cNvPr id="6" name="Segnaposto testo 5">
-            <a:extLst>
-              <a:ext uri="{FF2B5EF4-FFF2-40B4-BE49-F238E27FC236}">
-                <a16:creationId xmlns:a16="http://schemas.microsoft.com/office/drawing/2014/main" id="{7640DF9D-0C9E-4C5D-9635-6B4DE10CCEE5}"/>
-              </a:ext>
-            </a:extLst>
-          </p:cNvPr>
-          <p:cNvSpPr>
-            <a:spLocks noGrp="1"/>
-          </p:cNvSpPr>
-          <p:nvPr>
-            <p:ph type="body" sz="quarter" idx="13"/>
-          </p:nvPr>
-        </p:nvSpPr>
-        <p:spPr>
-          <a:xfrm>
-            <a:off x="3272451" y="1286843"/>
-            <a:ext cx="5433204" cy="365125"/>
-          </a:xfrm>
-        </p:spPr>
-        <p:txBody>
-          <a:bodyPr vert="horz" lIns="91440" tIns="45720" rIns="91440" bIns="45720" rtlCol="0" anchor="t">
-            <a:noAutofit/>
-          </a:bodyPr>
-          <a:lstStyle/>
-          <a:p>
-            <a:pPr>
-              <a:spcBef>
-                <a:spcPct val="0"/>
-              </a:spcBef>
-            </a:pPr>
-            <a:r>
-              <a:rPr lang="it-IT" sz="1900" cap="none" noProof="1"/>
-              <a:t>Problema</a:t>
-            </a:r>
-          </a:p>
-        </p:txBody>
-      </p:sp>
-      <p:sp>
-        <p:nvSpPr>
-          <p:cNvPr id="7" name="Segnaposto testo 6">
-            <a:extLst>
-              <a:ext uri="{FF2B5EF4-FFF2-40B4-BE49-F238E27FC236}">
-                <a16:creationId xmlns:a16="http://schemas.microsoft.com/office/drawing/2014/main" id="{40297407-CE4E-4284-879D-AEC395713625}"/>
-              </a:ext>
-            </a:extLst>
-          </p:cNvPr>
-          <p:cNvSpPr>
-            <a:spLocks noGrp="1"/>
-          </p:cNvSpPr>
-          <p:nvPr>
-            <p:ph type="body" sz="quarter" idx="15"/>
-          </p:nvPr>
-        </p:nvSpPr>
-        <p:spPr>
-          <a:xfrm>
-            <a:off x="3273684" y="1762901"/>
-            <a:ext cx="5431971" cy="2396757"/>
-          </a:xfrm>
-        </p:spPr>
-        <p:txBody>
-          <a:bodyPr rtlCol="0">
+          <p:cNvPr id="2" name="Titolo 1">
+            <a:extLst>
+              <a:ext uri="{FF2B5EF4-FFF2-40B4-BE49-F238E27FC236}">
+                <a16:creationId xmlns:a16="http://schemas.microsoft.com/office/drawing/2014/main" id="{EEBA990A-D785-E994-4B7E-01A32555600C}"/>
+              </a:ext>
+            </a:extLst>
+          </p:cNvPr>
+          <p:cNvSpPr>
+            <a:spLocks noGrp="1"/>
+          </p:cNvSpPr>
+          <p:nvPr>
+            <p:ph type="title"/>
+          </p:nvPr>
+        </p:nvSpPr>
+        <p:spPr>
+          <a:xfrm>
+            <a:off x="1885156" y="-43961"/>
+            <a:ext cx="8421688" cy="1325563"/>
+          </a:xfrm>
+        </p:spPr>
+        <p:txBody>
+          <a:bodyPr anchor="ctr">
             <a:normAutofit/>
           </a:bodyPr>
           <a:lstStyle/>
           <a:p>
-            <a:pPr rtl="0"/>
-            <a:r>
-              <a:rPr lang="it-IT" spc="50" noProof="1"/>
-              <a:t>Analizzando i grafici ottenuti si può osservare che la training loss diminuisce, come ci si aspettava, mentre la validation accuracy non aumentava.</a:t>
-            </a:r>
-          </a:p>
-          <a:p>
-            <a:pPr rtl="0"/>
-            <a:r>
-              <a:rPr lang="it-IT" spc="50" noProof="1"/>
-              <a:t>Tale comportamento suggerisce che il modello sia soggetto all’overfitting.</a:t>
-            </a:r>
-          </a:p>
-          <a:p>
-            <a:pPr rtl="0"/>
-            <a:r>
-              <a:rPr lang="it-IT" spc="50" noProof="1"/>
-              <a:t>Ciò significa che la rete si abitua alle immagini del dataset di train e fatica a fare predizioni su nuovi dati, per questo abbiamo una training accuracy molto elevata, ma una validation accuracy che non aumenta.</a:t>
-            </a:r>
-          </a:p>
-        </p:txBody>
-      </p:sp>
-      <p:sp>
-        <p:nvSpPr>
-          <p:cNvPr id="8" name="Segnaposto testo 7">
-            <a:extLst>
-              <a:ext uri="{FF2B5EF4-FFF2-40B4-BE49-F238E27FC236}">
-                <a16:creationId xmlns:a16="http://schemas.microsoft.com/office/drawing/2014/main" id="{F5C3A7BE-F7FC-4942-A31A-491A8A806103}"/>
-              </a:ext>
-            </a:extLst>
-          </p:cNvPr>
-          <p:cNvSpPr>
-            <a:spLocks noGrp="1"/>
-          </p:cNvSpPr>
-          <p:nvPr>
-            <p:ph type="body" sz="quarter" idx="23"/>
-          </p:nvPr>
-        </p:nvSpPr>
-        <p:spPr>
-          <a:xfrm>
-            <a:off x="3272451" y="4264270"/>
-            <a:ext cx="5433204" cy="365125"/>
-          </a:xfrm>
-        </p:spPr>
-        <p:txBody>
-          <a:bodyPr vert="horz" lIns="91440" tIns="45720" rIns="91440" bIns="45720" rtlCol="0" anchor="t">
-            <a:noAutofit/>
-          </a:bodyPr>
+            <a:r>
+              <a:rPr lang="it-IT" dirty="0"/>
+              <a:t>Allenamento della rete convoluzionale</a:t>
+            </a:r>
+          </a:p>
+        </p:txBody>
+      </p:sp>
+      <p:sp>
+        <p:nvSpPr>
+          <p:cNvPr id="24" name="Text Placeholder 3">
+            <a:extLst>
+              <a:ext uri="{FF2B5EF4-FFF2-40B4-BE49-F238E27FC236}">
+                <a16:creationId xmlns:a16="http://schemas.microsoft.com/office/drawing/2014/main" id="{555A768F-5F3E-4792-F2D8-728AD56376C2}"/>
+              </a:ext>
+            </a:extLst>
+          </p:cNvPr>
+          <p:cNvSpPr>
+            <a:spLocks noGrp="1"/>
+          </p:cNvSpPr>
+          <p:nvPr>
+            <p:ph type="body" idx="1"/>
+          </p:nvPr>
+        </p:nvSpPr>
+        <p:spPr>
+          <a:xfrm>
+            <a:off x="1044437" y="1505858"/>
+            <a:ext cx="2330726" cy="804859"/>
+          </a:xfrm>
+        </p:spPr>
+        <p:txBody>
+          <a:bodyPr/>
           <a:lstStyle/>
           <a:p>
-            <a:pPr>
-              <a:spcBef>
-                <a:spcPct val="0"/>
-              </a:spcBef>
-            </a:pPr>
-            <a:r>
-              <a:rPr lang="it-IT" sz="1900" cap="none" noProof="1"/>
-              <a:t>Soluzione</a:t>
-            </a:r>
-          </a:p>
-        </p:txBody>
-      </p:sp>
-      <p:sp>
-        <p:nvSpPr>
-          <p:cNvPr id="9" name="Segnaposto testo 8">
-            <a:extLst>
-              <a:ext uri="{FF2B5EF4-FFF2-40B4-BE49-F238E27FC236}">
-                <a16:creationId xmlns:a16="http://schemas.microsoft.com/office/drawing/2014/main" id="{95CCE699-03D1-4642-B46A-B14EF17DA183}"/>
-              </a:ext>
-            </a:extLst>
-          </p:cNvPr>
-          <p:cNvSpPr>
-            <a:spLocks noGrp="1"/>
-          </p:cNvSpPr>
-          <p:nvPr>
-            <p:ph type="body" sz="quarter" idx="24"/>
-          </p:nvPr>
-        </p:nvSpPr>
-        <p:spPr>
-          <a:xfrm>
-            <a:off x="3275343" y="4734006"/>
-            <a:ext cx="5431971" cy="557950"/>
-          </a:xfrm>
-        </p:spPr>
-        <p:txBody>
-          <a:bodyPr rtlCol="0">
+            <a:r>
+              <a:rPr lang="en-US" dirty="0"/>
+              <a:t>1</a:t>
+            </a:r>
+          </a:p>
+        </p:txBody>
+      </p:sp>
+      <p:sp>
+        <p:nvSpPr>
+          <p:cNvPr id="26" name="Text Placeholder 4">
+            <a:extLst>
+              <a:ext uri="{FF2B5EF4-FFF2-40B4-BE49-F238E27FC236}">
+                <a16:creationId xmlns:a16="http://schemas.microsoft.com/office/drawing/2014/main" id="{4864EC86-0CE3-0B1F-B7D4-6B283B0B5758}"/>
+              </a:ext>
+            </a:extLst>
+          </p:cNvPr>
+          <p:cNvSpPr>
+            <a:spLocks noGrp="1"/>
+          </p:cNvSpPr>
+          <p:nvPr>
+            <p:ph type="body" idx="17"/>
+          </p:nvPr>
+        </p:nvSpPr>
+        <p:spPr>
+          <a:xfrm>
+            <a:off x="1044437" y="2693178"/>
+            <a:ext cx="2330726" cy="438505"/>
+          </a:xfrm>
+        </p:spPr>
+        <p:txBody>
+          <a:bodyPr/>
+          <a:lstStyle/>
+          <a:p>
+            <a:r>
+              <a:rPr lang="en-US" dirty="0" err="1"/>
+              <a:t>Segmentazione</a:t>
+            </a:r>
+            <a:r>
+              <a:rPr lang="en-US" dirty="0"/>
+              <a:t> </a:t>
+            </a:r>
+            <a:r>
+              <a:rPr lang="en-US" dirty="0" err="1"/>
+              <a:t>immagini</a:t>
+            </a:r>
+            <a:r>
+              <a:rPr lang="en-US" dirty="0"/>
+              <a:t> e </a:t>
+            </a:r>
+            <a:r>
+              <a:rPr lang="en-US" dirty="0" err="1"/>
+              <a:t>ridimensionamento</a:t>
+            </a:r>
+            <a:endParaRPr lang="en-US" dirty="0"/>
+          </a:p>
+        </p:txBody>
+      </p:sp>
+      <p:sp>
+        <p:nvSpPr>
+          <p:cNvPr id="28" name="Content Placeholder 5">
+            <a:extLst>
+              <a:ext uri="{FF2B5EF4-FFF2-40B4-BE49-F238E27FC236}">
+                <a16:creationId xmlns:a16="http://schemas.microsoft.com/office/drawing/2014/main" id="{42620C3F-2286-22F1-DB0E-547C5BC097FA}"/>
+              </a:ext>
+            </a:extLst>
+          </p:cNvPr>
+          <p:cNvSpPr>
+            <a:spLocks noGrp="1"/>
+          </p:cNvSpPr>
+          <p:nvPr>
+            <p:ph sz="half" idx="2"/>
+          </p:nvPr>
+        </p:nvSpPr>
+        <p:spPr>
+          <a:xfrm>
+            <a:off x="1100509" y="3480366"/>
+            <a:ext cx="2330726" cy="853167"/>
+          </a:xfrm>
+        </p:spPr>
+        <p:txBody>
+          <a:bodyPr>
             <a:normAutofit/>
           </a:bodyPr>
           <a:lstStyle/>
           <a:p>
-            <a:pPr rtl="0"/>
-            <a:r>
-              <a:rPr lang="it-IT" spc="50" noProof="1"/>
-              <a:t>Esistono vari modi per prevenire il verificarsi dell’overfitting, quello che si è scelto di usare è la Data Augmentation</a:t>
-            </a:r>
-            <a:r>
-              <a:rPr lang="it-IT" noProof="1"/>
+            <a:r>
+              <a:rPr lang="en-US" dirty="0"/>
+              <a:t>Per </a:t>
+            </a:r>
+            <a:r>
+              <a:rPr lang="en-US" dirty="0" err="1"/>
+              <a:t>creare</a:t>
+            </a:r>
+            <a:r>
+              <a:rPr lang="en-US" dirty="0"/>
+              <a:t> </a:t>
+            </a:r>
+            <a:r>
+              <a:rPr lang="en-US" dirty="0" err="1"/>
+              <a:t>immagini</a:t>
+            </a:r>
+            <a:r>
+              <a:rPr lang="en-US" dirty="0"/>
+              <a:t> </a:t>
+            </a:r>
+            <a:r>
+              <a:rPr lang="en-US" dirty="0" err="1"/>
+              <a:t>omogenee</a:t>
+            </a:r>
+            <a:r>
+              <a:rPr lang="en-US" dirty="0"/>
+              <a:t> e </a:t>
+            </a:r>
+            <a:r>
+              <a:rPr lang="en-US" dirty="0" err="1"/>
+              <a:t>che</a:t>
+            </a:r>
+            <a:r>
+              <a:rPr lang="en-US" dirty="0"/>
+              <a:t> </a:t>
+            </a:r>
+            <a:r>
+              <a:rPr lang="en-US" dirty="0" err="1"/>
+              <a:t>mettano</a:t>
+            </a:r>
+            <a:r>
+              <a:rPr lang="en-US" dirty="0"/>
+              <a:t> in </a:t>
+            </a:r>
+            <a:r>
+              <a:rPr lang="en-US" dirty="0" err="1"/>
+              <a:t>evidenza</a:t>
+            </a:r>
+            <a:r>
+              <a:rPr lang="en-US" dirty="0"/>
+              <a:t> </a:t>
+            </a:r>
+            <a:r>
+              <a:rPr lang="en-US" dirty="0" err="1"/>
+              <a:t>i</a:t>
+            </a:r>
+            <a:r>
+              <a:rPr lang="en-US" dirty="0"/>
+              <a:t> </a:t>
+            </a:r>
+            <a:r>
+              <a:rPr lang="en-US" dirty="0" err="1"/>
+              <a:t>polmoni</a:t>
+            </a:r>
+            <a:r>
+              <a:rPr lang="en-US" dirty="0"/>
               <a:t>.</a:t>
             </a:r>
           </a:p>
         </p:txBody>
       </p:sp>
-      <p:sp>
-        <p:nvSpPr>
-          <p:cNvPr id="4" name="Segnaposto numero diapositiva 3">
-            <a:extLst>
-              <a:ext uri="{FF2B5EF4-FFF2-40B4-BE49-F238E27FC236}">
-                <a16:creationId xmlns:a16="http://schemas.microsoft.com/office/drawing/2014/main" id="{79ED4A67-3A46-4F54-A12A-EAE1B53E6457}"/>
-              </a:ext>
-            </a:extLst>
-          </p:cNvPr>
-          <p:cNvSpPr>
-            <a:spLocks noGrp="1"/>
-          </p:cNvSpPr>
-          <p:nvPr>
-            <p:ph type="sldNum" sz="quarter" idx="22"/>
-          </p:nvPr>
-        </p:nvSpPr>
-        <p:spPr>
-          <a:xfrm>
-            <a:off x="10700656" y="6356350"/>
-            <a:ext cx="653143" cy="365125"/>
-          </a:xfrm>
-        </p:spPr>
-        <p:txBody>
-          <a:bodyPr rtlCol="0"/>
+      <p:pic>
+        <p:nvPicPr>
+          <p:cNvPr id="6" name="Segnaposto contenuto 5">
+            <a:extLst>
+              <a:ext uri="{FF2B5EF4-FFF2-40B4-BE49-F238E27FC236}">
+                <a16:creationId xmlns:a16="http://schemas.microsoft.com/office/drawing/2014/main" id="{C73ECC17-90C1-A399-5E55-2BBE1493048E}"/>
+              </a:ext>
+            </a:extLst>
+          </p:cNvPr>
+          <p:cNvPicPr>
+            <a:picLocks noGrp="1" noChangeAspect="1"/>
+          </p:cNvPicPr>
+          <p:nvPr>
+            <p:ph sz="quarter" idx="22"/>
+          </p:nvPr>
+        </p:nvPicPr>
+        <p:blipFill>
+          <a:blip r:embed="rId2"/>
+          <a:stretch>
+            <a:fillRect/>
+          </a:stretch>
+        </p:blipFill>
+        <p:spPr>
+          <a:xfrm>
+            <a:off x="3373714" y="1674246"/>
+            <a:ext cx="2921284" cy="1455424"/>
+          </a:xfrm>
+        </p:spPr>
+      </p:pic>
+      <p:sp>
+        <p:nvSpPr>
+          <p:cNvPr id="32" name="Text Placeholder 7">
+            <a:extLst>
+              <a:ext uri="{FF2B5EF4-FFF2-40B4-BE49-F238E27FC236}">
+                <a16:creationId xmlns:a16="http://schemas.microsoft.com/office/drawing/2014/main" id="{0FCCD48B-1653-5D6E-3195-66C3DAE4B628}"/>
+              </a:ext>
+            </a:extLst>
+          </p:cNvPr>
+          <p:cNvSpPr>
+            <a:spLocks noGrp="1"/>
+          </p:cNvSpPr>
+          <p:nvPr>
+            <p:ph type="body" sz="quarter" idx="3"/>
+          </p:nvPr>
+        </p:nvSpPr>
+        <p:spPr>
+          <a:xfrm>
+            <a:off x="3551186" y="3319013"/>
+            <a:ext cx="2342205" cy="804859"/>
+          </a:xfrm>
+        </p:spPr>
+        <p:txBody>
+          <a:bodyPr/>
           <a:lstStyle/>
           <a:p>
-            <a:pPr rtl="0"/>
-            <a:fld id="{19B51A1E-902D-48AF-9020-955120F399B6}" type="slidenum">
-              <a:rPr lang="it-IT" smtClean="0"/>
-              <a:pPr rtl="0"/>
+            <a:r>
+              <a:rPr lang="en-US" dirty="0"/>
+              <a:t>2</a:t>
+            </a:r>
+          </a:p>
+        </p:txBody>
+      </p:sp>
+      <p:sp>
+        <p:nvSpPr>
+          <p:cNvPr id="34" name="Text Placeholder 8">
+            <a:extLst>
+              <a:ext uri="{FF2B5EF4-FFF2-40B4-BE49-F238E27FC236}">
+                <a16:creationId xmlns:a16="http://schemas.microsoft.com/office/drawing/2014/main" id="{E24DE70F-0A8B-F612-FE57-4BFCA8FBE358}"/>
+              </a:ext>
+            </a:extLst>
+          </p:cNvPr>
+          <p:cNvSpPr>
+            <a:spLocks noGrp="1"/>
+          </p:cNvSpPr>
+          <p:nvPr>
+            <p:ph type="body" sz="quarter" idx="18"/>
+          </p:nvPr>
+        </p:nvSpPr>
+        <p:spPr>
+          <a:xfrm>
+            <a:off x="6430041" y="3234778"/>
+            <a:ext cx="2342205" cy="438505"/>
+          </a:xfrm>
+        </p:spPr>
+        <p:txBody>
+          <a:bodyPr/>
+          <a:lstStyle/>
+          <a:p>
+            <a:r>
+              <a:rPr lang="en-US" dirty="0"/>
+              <a:t>Transfer Learning e</a:t>
+            </a:r>
+          </a:p>
+          <a:p>
+            <a:r>
+              <a:rPr lang="en-US" dirty="0"/>
+              <a:t>Fine Tuning</a:t>
+            </a:r>
+          </a:p>
+        </p:txBody>
+      </p:sp>
+      <p:sp>
+        <p:nvSpPr>
+          <p:cNvPr id="36" name="Content Placeholder 9">
+            <a:extLst>
+              <a:ext uri="{FF2B5EF4-FFF2-40B4-BE49-F238E27FC236}">
+                <a16:creationId xmlns:a16="http://schemas.microsoft.com/office/drawing/2014/main" id="{6E2F3DA6-8D85-05C4-18C3-5BF1B8399011}"/>
+              </a:ext>
+            </a:extLst>
+          </p:cNvPr>
+          <p:cNvSpPr>
+            <a:spLocks noGrp="1"/>
+          </p:cNvSpPr>
+          <p:nvPr>
+            <p:ph sz="quarter" idx="4"/>
+          </p:nvPr>
+        </p:nvSpPr>
+        <p:spPr>
+          <a:xfrm>
+            <a:off x="3562665" y="5120722"/>
+            <a:ext cx="2342205" cy="853167"/>
+          </a:xfrm>
+        </p:spPr>
+        <p:txBody>
+          <a:bodyPr>
+            <a:normAutofit fontScale="92500"/>
+          </a:bodyPr>
+          <a:lstStyle/>
+          <a:p>
+            <a:r>
+              <a:rPr lang="en-US" dirty="0" err="1"/>
+              <a:t>Analisi</a:t>
+            </a:r>
+            <a:r>
+              <a:rPr lang="en-US" dirty="0"/>
+              <a:t> e </a:t>
+            </a:r>
+            <a:r>
+              <a:rPr lang="en-US" dirty="0" err="1"/>
+              <a:t>verifica</a:t>
+            </a:r>
+            <a:r>
+              <a:rPr lang="en-US" dirty="0"/>
+              <a:t> </a:t>
+            </a:r>
+            <a:r>
+              <a:rPr lang="en-US" dirty="0" err="1"/>
+              <a:t>dei</a:t>
+            </a:r>
+            <a:r>
+              <a:rPr lang="en-US" dirty="0"/>
+              <a:t> </a:t>
+            </a:r>
+            <a:r>
+              <a:rPr lang="en-US" dirty="0" err="1"/>
+              <a:t>risultati</a:t>
+            </a:r>
+            <a:r>
+              <a:rPr lang="en-US" dirty="0"/>
+              <a:t> </a:t>
+            </a:r>
+            <a:r>
+              <a:rPr lang="en-US" dirty="0" err="1"/>
+              <a:t>ottenuti</a:t>
+            </a:r>
+            <a:r>
+              <a:rPr lang="en-US" dirty="0"/>
+              <a:t> per </a:t>
+            </a:r>
+            <a:r>
+              <a:rPr lang="en-US" dirty="0" err="1"/>
+              <a:t>risolvere</a:t>
+            </a:r>
+            <a:r>
+              <a:rPr lang="en-US" dirty="0"/>
+              <a:t> le </a:t>
+            </a:r>
+            <a:r>
+              <a:rPr lang="en-US" dirty="0" err="1"/>
+              <a:t>problematiche</a:t>
+            </a:r>
+            <a:r>
+              <a:rPr lang="en-US" dirty="0"/>
+              <a:t> </a:t>
+            </a:r>
+            <a:r>
+              <a:rPr lang="en-US" dirty="0" err="1"/>
+              <a:t>riscontrate</a:t>
+            </a:r>
+            <a:r>
+              <a:rPr lang="en-US" dirty="0"/>
+              <a:t>.</a:t>
+            </a:r>
+          </a:p>
+        </p:txBody>
+      </p:sp>
+      <p:pic>
+        <p:nvPicPr>
+          <p:cNvPr id="4" name="Segnaposto contenuto 3" descr="Immagine che contiene testo&#10;&#10;Descrizione generata automaticamente">
+            <a:extLst>
+              <a:ext uri="{FF2B5EF4-FFF2-40B4-BE49-F238E27FC236}">
+                <a16:creationId xmlns:a16="http://schemas.microsoft.com/office/drawing/2014/main" id="{6866BBE1-B5D3-5FB9-75A6-431E99179B08}"/>
+              </a:ext>
+            </a:extLst>
+          </p:cNvPr>
+          <p:cNvPicPr>
+            <a:picLocks noGrp="1" noChangeAspect="1"/>
+          </p:cNvPicPr>
+          <p:nvPr>
+            <p:ph sz="quarter" idx="23"/>
+          </p:nvPr>
+        </p:nvPicPr>
+        <p:blipFill>
+          <a:blip r:embed="rId3"/>
+          <a:stretch>
+            <a:fillRect/>
+          </a:stretch>
+        </p:blipFill>
+        <p:spPr>
+          <a:xfrm>
+            <a:off x="1348981" y="4310063"/>
+            <a:ext cx="1721639" cy="1663700"/>
+          </a:xfrm>
+        </p:spPr>
+      </p:pic>
+      <p:sp>
+        <p:nvSpPr>
+          <p:cNvPr id="40" name="Text Placeholder 11">
+            <a:extLst>
+              <a:ext uri="{FF2B5EF4-FFF2-40B4-BE49-F238E27FC236}">
+                <a16:creationId xmlns:a16="http://schemas.microsoft.com/office/drawing/2014/main" id="{114A7907-7864-F60B-FA1E-9B7CA27DE7CC}"/>
+              </a:ext>
+            </a:extLst>
+          </p:cNvPr>
+          <p:cNvSpPr>
+            <a:spLocks noGrp="1"/>
+          </p:cNvSpPr>
+          <p:nvPr>
+            <p:ph type="body" idx="13"/>
+          </p:nvPr>
+        </p:nvSpPr>
+        <p:spPr>
+          <a:xfrm>
+            <a:off x="6498564" y="1990324"/>
+            <a:ext cx="2330726" cy="804859"/>
+          </a:xfrm>
+        </p:spPr>
+        <p:txBody>
+          <a:bodyPr/>
+          <a:lstStyle/>
+          <a:p>
+            <a:r>
+              <a:rPr lang="en-US" dirty="0"/>
+              <a:t>3</a:t>
+            </a:r>
+          </a:p>
+        </p:txBody>
+      </p:sp>
+      <p:sp>
+        <p:nvSpPr>
+          <p:cNvPr id="42" name="Text Placeholder 12">
+            <a:extLst>
+              <a:ext uri="{FF2B5EF4-FFF2-40B4-BE49-F238E27FC236}">
+                <a16:creationId xmlns:a16="http://schemas.microsoft.com/office/drawing/2014/main" id="{B81A7FFF-6FAF-10CD-433A-AD577CB9301B}"/>
+              </a:ext>
+            </a:extLst>
+          </p:cNvPr>
+          <p:cNvSpPr>
+            <a:spLocks noGrp="1"/>
+          </p:cNvSpPr>
+          <p:nvPr>
+            <p:ph type="body" idx="19"/>
+          </p:nvPr>
+        </p:nvSpPr>
+        <p:spPr>
+          <a:xfrm>
+            <a:off x="9404806" y="4468663"/>
+            <a:ext cx="2330726" cy="438505"/>
+          </a:xfrm>
+        </p:spPr>
+        <p:txBody>
+          <a:bodyPr/>
+          <a:lstStyle/>
+          <a:p>
+            <a:r>
+              <a:rPr lang="en-US" dirty="0"/>
+              <a:t>Data Augmentation</a:t>
+            </a:r>
+          </a:p>
+        </p:txBody>
+      </p:sp>
+      <p:sp>
+        <p:nvSpPr>
+          <p:cNvPr id="44" name="Content Placeholder 13">
+            <a:extLst>
+              <a:ext uri="{FF2B5EF4-FFF2-40B4-BE49-F238E27FC236}">
+                <a16:creationId xmlns:a16="http://schemas.microsoft.com/office/drawing/2014/main" id="{57AC49FD-8619-2DCF-D1C8-060299675662}"/>
+              </a:ext>
+            </a:extLst>
+          </p:cNvPr>
+          <p:cNvSpPr>
+            <a:spLocks noGrp="1"/>
+          </p:cNvSpPr>
+          <p:nvPr>
+            <p:ph sz="half" idx="14"/>
+          </p:nvPr>
+        </p:nvSpPr>
+        <p:spPr>
+          <a:xfrm>
+            <a:off x="6430041" y="3938269"/>
+            <a:ext cx="2467773" cy="950534"/>
+          </a:xfrm>
+        </p:spPr>
+        <p:txBody>
+          <a:bodyPr>
+            <a:normAutofit fontScale="92500" lnSpcReduction="20000"/>
+          </a:bodyPr>
+          <a:lstStyle/>
+          <a:p>
+            <a:r>
+              <a:rPr lang="en-US" dirty="0" err="1"/>
+              <a:t>Miglioramento</a:t>
+            </a:r>
+            <a:r>
+              <a:rPr lang="en-US" dirty="0"/>
+              <a:t> </a:t>
+            </a:r>
+            <a:r>
+              <a:rPr lang="en-US" dirty="0" err="1"/>
+              <a:t>delle</a:t>
+            </a:r>
+            <a:r>
+              <a:rPr lang="en-US" dirty="0"/>
+              <a:t> </a:t>
+            </a:r>
+            <a:r>
+              <a:rPr lang="en-US" dirty="0" err="1"/>
+              <a:t>prestazioni</a:t>
+            </a:r>
+            <a:r>
+              <a:rPr lang="en-US" dirty="0"/>
+              <a:t> </a:t>
+            </a:r>
+            <a:r>
+              <a:rPr lang="en-US" dirty="0" err="1"/>
+              <a:t>della</a:t>
+            </a:r>
+            <a:r>
+              <a:rPr lang="en-US" dirty="0"/>
+              <a:t> rete, </a:t>
+            </a:r>
+            <a:r>
+              <a:rPr lang="en-US" dirty="0" err="1"/>
+              <a:t>mediante</a:t>
+            </a:r>
+            <a:r>
+              <a:rPr lang="en-US" dirty="0"/>
+              <a:t> </a:t>
+            </a:r>
+            <a:r>
+              <a:rPr lang="en-US" dirty="0" err="1"/>
+              <a:t>l’uso</a:t>
+            </a:r>
+            <a:r>
+              <a:rPr lang="en-US" dirty="0"/>
+              <a:t> di </a:t>
+            </a:r>
+            <a:r>
+              <a:rPr lang="en-US" dirty="0" err="1"/>
+              <a:t>pesi</a:t>
+            </a:r>
+            <a:r>
+              <a:rPr lang="en-US" dirty="0"/>
+              <a:t> </a:t>
+            </a:r>
+            <a:r>
+              <a:rPr lang="en-US" dirty="0" err="1"/>
+              <a:t>preallenati</a:t>
+            </a:r>
+            <a:r>
+              <a:rPr lang="en-US" dirty="0"/>
+              <a:t>  e </a:t>
+            </a:r>
+            <a:r>
+              <a:rPr lang="en-US" dirty="0" err="1"/>
+              <a:t>l’allenamento</a:t>
+            </a:r>
+            <a:r>
+              <a:rPr lang="en-US" dirty="0"/>
+              <a:t> </a:t>
+            </a:r>
+            <a:r>
+              <a:rPr lang="en-US" dirty="0" err="1"/>
+              <a:t>dei</a:t>
+            </a:r>
+            <a:r>
+              <a:rPr lang="en-US" dirty="0"/>
+              <a:t> layer di </a:t>
+            </a:r>
+            <a:r>
+              <a:rPr lang="en-US" dirty="0" err="1"/>
+              <a:t>classificazione</a:t>
+            </a:r>
+            <a:r>
+              <a:rPr lang="en-US" dirty="0"/>
+              <a:t>.</a:t>
+            </a:r>
+          </a:p>
+        </p:txBody>
+      </p:sp>
+      <p:pic>
+        <p:nvPicPr>
+          <p:cNvPr id="11" name="Segnaposto contenuto 10">
+            <a:extLst>
+              <a:ext uri="{FF2B5EF4-FFF2-40B4-BE49-F238E27FC236}">
+                <a16:creationId xmlns:a16="http://schemas.microsoft.com/office/drawing/2014/main" id="{1C35036C-244E-9197-FCE9-736E0EB30278}"/>
+              </a:ext>
+            </a:extLst>
+          </p:cNvPr>
+          <p:cNvPicPr>
+            <a:picLocks noGrp="1" noChangeAspect="1"/>
+          </p:cNvPicPr>
+          <p:nvPr>
+            <p:ph sz="quarter" idx="24"/>
+          </p:nvPr>
+        </p:nvPicPr>
+        <p:blipFill>
+          <a:blip r:embed="rId4"/>
+          <a:stretch>
+            <a:fillRect/>
+          </a:stretch>
+        </p:blipFill>
+        <p:spPr>
+          <a:xfrm>
+            <a:off x="9276524" y="1182533"/>
+            <a:ext cx="2467772" cy="2659193"/>
+          </a:xfrm>
+        </p:spPr>
+      </p:pic>
+      <p:sp>
+        <p:nvSpPr>
+          <p:cNvPr id="48" name="Text Placeholder 15">
+            <a:extLst>
+              <a:ext uri="{FF2B5EF4-FFF2-40B4-BE49-F238E27FC236}">
+                <a16:creationId xmlns:a16="http://schemas.microsoft.com/office/drawing/2014/main" id="{5EA20114-8053-4AE1-1F58-F383E9E949C5}"/>
+              </a:ext>
+            </a:extLst>
+          </p:cNvPr>
+          <p:cNvSpPr>
+            <a:spLocks noGrp="1"/>
+          </p:cNvSpPr>
+          <p:nvPr>
+            <p:ph type="body" idx="15"/>
+          </p:nvPr>
+        </p:nvSpPr>
+        <p:spPr>
+          <a:xfrm>
+            <a:off x="9360234" y="3656844"/>
+            <a:ext cx="2330726" cy="804859"/>
+          </a:xfrm>
+        </p:spPr>
+        <p:txBody>
+          <a:bodyPr/>
+          <a:lstStyle/>
+          <a:p>
+            <a:r>
+              <a:rPr lang="en-US" dirty="0"/>
+              <a:t>4</a:t>
+            </a:r>
+          </a:p>
+        </p:txBody>
+      </p:sp>
+      <p:sp>
+        <p:nvSpPr>
+          <p:cNvPr id="50" name="Text Placeholder 16">
+            <a:extLst>
+              <a:ext uri="{FF2B5EF4-FFF2-40B4-BE49-F238E27FC236}">
+                <a16:creationId xmlns:a16="http://schemas.microsoft.com/office/drawing/2014/main" id="{5BEA7FBA-E98C-FE22-23E4-D11C6033196A}"/>
+              </a:ext>
+            </a:extLst>
+          </p:cNvPr>
+          <p:cNvSpPr>
+            <a:spLocks noGrp="1"/>
+          </p:cNvSpPr>
+          <p:nvPr>
+            <p:ph type="body" idx="20"/>
+          </p:nvPr>
+        </p:nvSpPr>
+        <p:spPr>
+          <a:xfrm>
+            <a:off x="3590416" y="4271734"/>
+            <a:ext cx="2330726" cy="438505"/>
+          </a:xfrm>
+        </p:spPr>
+        <p:txBody>
+          <a:bodyPr/>
+          <a:lstStyle/>
+          <a:p>
+            <a:r>
+              <a:rPr lang="en-US" dirty="0" err="1"/>
+              <a:t>Allenamento</a:t>
+            </a:r>
+            <a:r>
+              <a:rPr lang="en-US" dirty="0"/>
+              <a:t> </a:t>
+            </a:r>
+            <a:r>
+              <a:rPr lang="en-US" dirty="0" err="1"/>
+              <a:t>della</a:t>
+            </a:r>
+            <a:r>
+              <a:rPr lang="en-US" dirty="0"/>
+              <a:t> rete </a:t>
+            </a:r>
+            <a:r>
+              <a:rPr lang="en-US" dirty="0" err="1"/>
+              <a:t>neurale</a:t>
+            </a:r>
+            <a:r>
+              <a:rPr lang="en-US" dirty="0"/>
+              <a:t> convoluzionale MobileNetV2</a:t>
+            </a:r>
+          </a:p>
+        </p:txBody>
+      </p:sp>
+      <p:sp>
+        <p:nvSpPr>
+          <p:cNvPr id="52" name="Content Placeholder 17">
+            <a:extLst>
+              <a:ext uri="{FF2B5EF4-FFF2-40B4-BE49-F238E27FC236}">
+                <a16:creationId xmlns:a16="http://schemas.microsoft.com/office/drawing/2014/main" id="{9112C76A-D5C4-0F34-0113-2D3864BA7B9E}"/>
+              </a:ext>
+            </a:extLst>
+          </p:cNvPr>
+          <p:cNvSpPr>
+            <a:spLocks noGrp="1"/>
+          </p:cNvSpPr>
+          <p:nvPr>
+            <p:ph sz="half" idx="16"/>
+          </p:nvPr>
+        </p:nvSpPr>
+        <p:spPr>
+          <a:xfrm>
+            <a:off x="9404806" y="5049503"/>
+            <a:ext cx="2330726" cy="853167"/>
+          </a:xfrm>
+        </p:spPr>
+        <p:txBody>
+          <a:bodyPr>
+            <a:normAutofit fontScale="92500" lnSpcReduction="10000"/>
+          </a:bodyPr>
+          <a:lstStyle/>
+          <a:p>
+            <a:r>
+              <a:rPr lang="en-US" dirty="0" err="1"/>
+              <a:t>Tecnica</a:t>
+            </a:r>
+            <a:r>
+              <a:rPr lang="en-US" dirty="0"/>
+              <a:t> </a:t>
+            </a:r>
+            <a:r>
+              <a:rPr lang="en-US" dirty="0" err="1"/>
+              <a:t>usata</a:t>
+            </a:r>
+            <a:r>
+              <a:rPr lang="en-US" dirty="0"/>
+              <a:t> per </a:t>
+            </a:r>
+            <a:r>
+              <a:rPr lang="en-US" dirty="0" err="1"/>
+              <a:t>evitare</a:t>
+            </a:r>
+            <a:r>
+              <a:rPr lang="en-US" dirty="0"/>
+              <a:t> </a:t>
+            </a:r>
+            <a:r>
+              <a:rPr lang="en-US" dirty="0" err="1"/>
+              <a:t>l’overfitting</a:t>
+            </a:r>
+            <a:r>
+              <a:rPr lang="en-US" dirty="0"/>
+              <a:t>, con </a:t>
+            </a:r>
+            <a:r>
+              <a:rPr lang="en-US" dirty="0" err="1"/>
+              <a:t>conseguente</a:t>
+            </a:r>
+            <a:r>
+              <a:rPr lang="en-US" dirty="0"/>
+              <a:t> </a:t>
+            </a:r>
+            <a:r>
+              <a:rPr lang="en-US" dirty="0" err="1"/>
+              <a:t>miglioramento</a:t>
+            </a:r>
+            <a:r>
+              <a:rPr lang="en-US" dirty="0"/>
+              <a:t> </a:t>
+            </a:r>
+            <a:r>
+              <a:rPr lang="en-US" dirty="0" err="1"/>
+              <a:t>delle</a:t>
+            </a:r>
+            <a:r>
+              <a:rPr lang="en-US" dirty="0"/>
+              <a:t> </a:t>
+            </a:r>
+            <a:r>
+              <a:rPr lang="en-US" dirty="0" err="1"/>
+              <a:t>prestazioni</a:t>
+            </a:r>
+            <a:r>
+              <a:rPr lang="en-US" dirty="0"/>
+              <a:t>.</a:t>
+            </a:r>
+          </a:p>
+        </p:txBody>
+      </p:sp>
+      <p:sp>
+        <p:nvSpPr>
+          <p:cNvPr id="9" name="Segnaposto numero diapositiva 8">
+            <a:extLst>
+              <a:ext uri="{FF2B5EF4-FFF2-40B4-BE49-F238E27FC236}">
+                <a16:creationId xmlns:a16="http://schemas.microsoft.com/office/drawing/2014/main" id="{9069A70A-1E4E-D7A7-E64C-996BA05A714C}"/>
+              </a:ext>
+            </a:extLst>
+          </p:cNvPr>
+          <p:cNvSpPr>
+            <a:spLocks noGrp="1"/>
+          </p:cNvSpPr>
+          <p:nvPr>
+            <p:ph type="sldNum" sz="quarter" idx="12"/>
+          </p:nvPr>
+        </p:nvSpPr>
+        <p:spPr>
+          <a:xfrm>
+            <a:off x="8610600" y="6356350"/>
+            <a:ext cx="2743200" cy="365125"/>
+          </a:xfrm>
+        </p:spPr>
+        <p:txBody>
+          <a:bodyPr anchor="ctr">
+            <a:normAutofit/>
+          </a:bodyPr>
+          <a:lstStyle/>
+          <a:p>
+            <a:pPr rtl="0">
+              <a:spcAft>
+                <a:spcPts val="600"/>
+              </a:spcAft>
+            </a:pPr>
+            <a:fld id="{B5CEABB6-07DC-46E8-9B57-56EC44A396E5}" type="slidenum">
+              <a:rPr lang="it-IT" noProof="0" smtClean="0"/>
+              <a:pPr rtl="0">
+                <a:spcAft>
+                  <a:spcPts val="600"/>
+                </a:spcAft>
+              </a:pPr>
               <a:t>6</a:t>
             </a:fld>
-            <a:endParaRPr lang="it-IT" dirty="0"/>
+            <a:endParaRPr lang="it-IT" noProof="0" dirty="0"/>
           </a:p>
         </p:txBody>
       </p:sp>
     </p:spTree>
     <p:extLst>
       <p:ext uri="{BB962C8B-B14F-4D97-AF65-F5344CB8AC3E}">
-        <p14:creationId xmlns:p14="http://schemas.microsoft.com/office/powerpoint/2010/main" val="2069393026"/>
+        <p14:creationId xmlns:p14="http://schemas.microsoft.com/office/powerpoint/2010/main" val="3255387269"/>
       </p:ext>
     </p:extLst>
   </p:cSld>
@@ -19031,7 +18655,7 @@
           <p:cNvPr id="2" name="Titolo 1">
             <a:extLst>
               <a:ext uri="{FF2B5EF4-FFF2-40B4-BE49-F238E27FC236}">
-                <a16:creationId xmlns:a16="http://schemas.microsoft.com/office/drawing/2014/main" id="{5CE54ABB-4929-4810-950B-2DAEA0A5BAB4}"/>
+                <a16:creationId xmlns:a16="http://schemas.microsoft.com/office/drawing/2014/main" id="{F486F6A4-4887-7D85-580D-C821C22FDB7A}"/>
               </a:ext>
             </a:extLst>
           </p:cNvPr>
@@ -19044,266 +18668,308 @@
         </p:nvSpPr>
         <p:spPr>
           <a:xfrm>
-            <a:off x="6427178" y="865089"/>
-            <a:ext cx="3803195" cy="823912"/>
-          </a:xfrm>
-        </p:spPr>
-        <p:txBody>
-          <a:bodyPr rtlCol="0"/>
+            <a:off x="2003563" y="-2580"/>
+            <a:ext cx="8421688" cy="1325563"/>
+          </a:xfrm>
+        </p:spPr>
+        <p:txBody>
+          <a:bodyPr/>
           <a:lstStyle/>
           <a:p>
-            <a:pPr algn="l"/>
-            <a:r>
-              <a:rPr lang="it-IT" sz="1900" cap="none" dirty="0"/>
-              <a:t>Data Augmentation</a:t>
-            </a:r>
-          </a:p>
-        </p:txBody>
-      </p:sp>
-      <p:sp>
-        <p:nvSpPr>
-          <p:cNvPr id="5" name="Segnaposto contenuto 4">
-            <a:extLst>
-              <a:ext uri="{FF2B5EF4-FFF2-40B4-BE49-F238E27FC236}">
-                <a16:creationId xmlns:a16="http://schemas.microsoft.com/office/drawing/2014/main" id="{CF515C5D-2CDB-4E66-B2B8-1451BC44247F}"/>
-              </a:ext>
-            </a:extLst>
-          </p:cNvPr>
-          <p:cNvSpPr>
-            <a:spLocks noGrp="1"/>
-          </p:cNvSpPr>
-          <p:nvPr>
-            <p:ph type="body" idx="13"/>
-          </p:nvPr>
-        </p:nvSpPr>
-        <p:spPr>
-          <a:xfrm>
-            <a:off x="6427178" y="1362807"/>
-            <a:ext cx="5257800" cy="1028700"/>
-          </a:xfrm>
-        </p:spPr>
-        <p:txBody>
-          <a:bodyPr vert="horz" lIns="91440" tIns="45720" rIns="91440" bIns="45720" rtlCol="0" anchor="b">
-            <a:normAutofit/>
-          </a:bodyPr>
-          <a:lstStyle/>
-          <a:p>
-            <a:pPr rtl="0"/>
-            <a:r>
-              <a:rPr lang="it-IT" sz="1400" cap="none" spc="50" dirty="0">
-                <a:latin typeface="+mn-lt"/>
-                <a:ea typeface="+mn-ea"/>
-                <a:cs typeface="+mn-cs"/>
-              </a:rPr>
-              <a:t>Tale tecnica consiste nel prendere le immagini del dataset iniziale e applicare delle trasformazioni random in modo da differenziare le immagini in modo da non far abituare la rete agli stessi input.</a:t>
-            </a:r>
-          </a:p>
-        </p:txBody>
-      </p:sp>
-      <p:sp>
-        <p:nvSpPr>
-          <p:cNvPr id="8" name="Segnaposto testo 7">
-            <a:extLst>
-              <a:ext uri="{FF2B5EF4-FFF2-40B4-BE49-F238E27FC236}">
-                <a16:creationId xmlns:a16="http://schemas.microsoft.com/office/drawing/2014/main" id="{E92B9716-8D44-4864-8986-720957B34362}"/>
-              </a:ext>
-            </a:extLst>
-          </p:cNvPr>
-          <p:cNvSpPr>
-            <a:spLocks noGrp="1"/>
-          </p:cNvSpPr>
-          <p:nvPr>
-            <p:ph sz="half" idx="14"/>
-          </p:nvPr>
-        </p:nvSpPr>
-        <p:spPr>
-          <a:xfrm>
-            <a:off x="6427177" y="3556819"/>
-            <a:ext cx="5037992" cy="1997867"/>
-          </a:xfrm>
-        </p:spPr>
-        <p:txBody>
-          <a:bodyPr rtlCol="0"/>
-          <a:lstStyle/>
-          <a:p>
-            <a:pPr>
-              <a:lnSpc>
-                <a:spcPct val="90000"/>
-              </a:lnSpc>
-            </a:pPr>
-            <a:r>
-              <a:rPr lang="it-IT" noProof="1"/>
-              <a:t>Per implementare tale tecnica si è deciso di usare la classe ImageDatagenerato fornita da TensorFlow e come trasformazioni possibili sono state scelte:</a:t>
-            </a:r>
-          </a:p>
-          <a:p>
-            <a:pPr marL="285750" indent="-285750">
-              <a:lnSpc>
-                <a:spcPct val="90000"/>
-              </a:lnSpc>
-              <a:buFont typeface="Arial" panose="020B0604020202020204" pitchFamily="34" charset="0"/>
-              <a:buChar char="•"/>
-            </a:pPr>
-            <a:r>
-              <a:rPr lang="it-IT" noProof="1"/>
-              <a:t>Horizontal e vertical flip;</a:t>
-            </a:r>
-          </a:p>
-          <a:p>
-            <a:pPr marL="285750" indent="-285750">
-              <a:lnSpc>
-                <a:spcPct val="90000"/>
-              </a:lnSpc>
-              <a:buFont typeface="Arial" panose="020B0604020202020204" pitchFamily="34" charset="0"/>
-              <a:buChar char="•"/>
-            </a:pPr>
-            <a:r>
-              <a:rPr lang="it-IT" dirty="0" err="1"/>
-              <a:t>Rotation</a:t>
-            </a:r>
             <a:r>
               <a:rPr lang="it-IT" dirty="0"/>
-              <a:t>;</a:t>
-            </a:r>
-          </a:p>
-          <a:p>
-            <a:pPr marL="285750" indent="-285750">
-              <a:lnSpc>
-                <a:spcPct val="90000"/>
-              </a:lnSpc>
-              <a:buFont typeface="Arial" panose="020B0604020202020204" pitchFamily="34" charset="0"/>
-              <a:buChar char="•"/>
-            </a:pPr>
-            <a:r>
-              <a:rPr lang="it-IT" dirty="0" err="1"/>
-              <a:t>Width</a:t>
-            </a:r>
-            <a:r>
-              <a:rPr lang="it-IT" dirty="0"/>
-              <a:t> e </a:t>
-            </a:r>
-            <a:r>
-              <a:rPr lang="it-IT" dirty="0" err="1"/>
-              <a:t>Height</a:t>
-            </a:r>
-            <a:r>
-              <a:rPr lang="it-IT" dirty="0"/>
-              <a:t> shift.</a:t>
-            </a:r>
-          </a:p>
-          <a:p>
-            <a:pPr rtl="0"/>
-            <a:endParaRPr lang="it-IT" dirty="0"/>
-          </a:p>
-        </p:txBody>
-      </p:sp>
-      <p:sp>
-        <p:nvSpPr>
-          <p:cNvPr id="11" name="Segnaposto numero diapositiva 10">
-            <a:extLst>
-              <a:ext uri="{FF2B5EF4-FFF2-40B4-BE49-F238E27FC236}">
-                <a16:creationId xmlns:a16="http://schemas.microsoft.com/office/drawing/2014/main" id="{BAD5B6F4-0A90-447A-A1AE-D75C934B6B29}"/>
-              </a:ext>
-            </a:extLst>
-          </p:cNvPr>
-          <p:cNvSpPr>
-            <a:spLocks noGrp="1"/>
-          </p:cNvSpPr>
-          <p:nvPr>
-            <p:ph type="sldNum" sz="quarter" idx="12"/>
-          </p:nvPr>
-        </p:nvSpPr>
-        <p:spPr>
-          <a:xfrm>
-            <a:off x="8610600" y="6356350"/>
-            <a:ext cx="2743200" cy="365125"/>
-          </a:xfrm>
-        </p:spPr>
-        <p:txBody>
-          <a:bodyPr rtlCol="0"/>
-          <a:lstStyle/>
-          <a:p>
-            <a:pPr rtl="0"/>
-            <a:fld id="{B5CEABB6-07DC-46E8-9B57-56EC44A396E5}" type="slidenum">
-              <a:rPr lang="it-IT" smtClean="0"/>
-              <a:pPr rtl="0"/>
-              <a:t>7</a:t>
-            </a:fld>
-            <a:endParaRPr lang="it-IT" dirty="0"/>
-          </a:p>
-        </p:txBody>
-      </p:sp>
-      <p:sp>
-        <p:nvSpPr>
-          <p:cNvPr id="20" name="Titolo 1">
-            <a:extLst>
-              <a:ext uri="{FF2B5EF4-FFF2-40B4-BE49-F238E27FC236}">
-                <a16:creationId xmlns:a16="http://schemas.microsoft.com/office/drawing/2014/main" id="{A2ADF47D-50E9-52FD-2FA3-090716F93BC1}"/>
-              </a:ext>
-            </a:extLst>
-          </p:cNvPr>
-          <p:cNvSpPr txBox="1">
-            <a:spLocks/>
-          </p:cNvSpPr>
-          <p:nvPr/>
-        </p:nvSpPr>
-        <p:spPr>
-          <a:xfrm>
-            <a:off x="6427178" y="2889225"/>
-            <a:ext cx="3803195" cy="823912"/>
-          </a:xfrm>
-          <a:prstGeom prst="rect">
-            <a:avLst/>
-          </a:prstGeom>
-        </p:spPr>
-        <p:txBody>
-          <a:bodyPr vert="horz" lIns="91440" tIns="45720" rIns="91440" bIns="45720" rtlCol="0" anchor="ctr">
-            <a:normAutofit/>
-          </a:bodyPr>
-          <a:lstStyle>
-            <a:lvl1pPr algn="ctr" defTabSz="914400" rtl="0" eaLnBrk="1" latinLnBrk="0" hangingPunct="1">
-              <a:lnSpc>
-                <a:spcPct val="90000"/>
-              </a:lnSpc>
-              <a:spcBef>
-                <a:spcPct val="0"/>
-              </a:spcBef>
-              <a:buNone/>
-              <a:defRPr lang="en-US" sz="2800" kern="1200" cap="all" spc="150" baseline="0" dirty="0">
-                <a:solidFill>
-                  <a:schemeClr val="tx1">
-                    <a:lumMod val="75000"/>
-                    <a:lumOff val="25000"/>
-                  </a:schemeClr>
-                </a:solidFill>
-                <a:latin typeface="+mj-lt"/>
-                <a:ea typeface="+mj-ea"/>
-                <a:cs typeface="+mj-cs"/>
-              </a:defRPr>
-            </a:lvl1pPr>
-          </a:lstStyle>
-          <a:p>
-            <a:pPr algn="l"/>
-            <a:r>
-              <a:rPr lang="it-IT" sz="1900" cap="none" dirty="0"/>
-              <a:t>Implementazione</a:t>
+              <a:t>Allenamento rete neurale</a:t>
             </a:r>
           </a:p>
         </p:txBody>
       </p:sp>
       <p:pic>
         <p:nvPicPr>
-          <p:cNvPr id="22" name="Immagine 21">
-            <a:extLst>
-              <a:ext uri="{FF2B5EF4-FFF2-40B4-BE49-F238E27FC236}">
-                <a16:creationId xmlns:a16="http://schemas.microsoft.com/office/drawing/2014/main" id="{C3E7E9BA-C9FA-6542-140D-96511AA146D6}"/>
+          <p:cNvPr id="27" name="Segnaposto contenuto 26">
+            <a:extLst>
+              <a:ext uri="{FF2B5EF4-FFF2-40B4-BE49-F238E27FC236}">
+                <a16:creationId xmlns:a16="http://schemas.microsoft.com/office/drawing/2014/main" id="{BA92C064-DF1F-2F9A-E8F9-398764C7979B}"/>
               </a:ext>
             </a:extLst>
           </p:cNvPr>
           <p:cNvPicPr>
-            <a:picLocks noChangeAspect="1"/>
+            <a:picLocks noGrp="1" noChangeAspect="1"/>
           </p:cNvPicPr>
-          <p:nvPr/>
+          <p:nvPr>
+            <p:ph sz="quarter" idx="21"/>
+          </p:nvPr>
+        </p:nvPicPr>
+        <p:blipFill rotWithShape="1">
+          <a:blip r:embed="rId2"/>
+          <a:srcRect l="-5220" t="-7929" r="-9015" b="-4556"/>
+          <a:stretch/>
+        </p:blipFill>
+        <p:spPr>
+          <a:xfrm>
+            <a:off x="3851031" y="4164476"/>
+            <a:ext cx="2815315" cy="1849814"/>
+          </a:xfrm>
+        </p:spPr>
+      </p:pic>
+      <p:sp>
+        <p:nvSpPr>
+          <p:cNvPr id="4" name="Segnaposto testo 3">
+            <a:extLst>
+              <a:ext uri="{FF2B5EF4-FFF2-40B4-BE49-F238E27FC236}">
+                <a16:creationId xmlns:a16="http://schemas.microsoft.com/office/drawing/2014/main" id="{6AB61875-0858-9DF7-37FF-45D9971E9E7E}"/>
+              </a:ext>
+            </a:extLst>
+          </p:cNvPr>
+          <p:cNvSpPr>
+            <a:spLocks noGrp="1"/>
+          </p:cNvSpPr>
+          <p:nvPr>
+            <p:ph type="body" idx="1"/>
+          </p:nvPr>
+        </p:nvSpPr>
+        <p:spPr>
+          <a:xfrm>
+            <a:off x="3936283" y="1588331"/>
+            <a:ext cx="2330726" cy="804859"/>
+          </a:xfrm>
+        </p:spPr>
+        <p:txBody>
+          <a:bodyPr/>
+          <a:lstStyle/>
+          <a:p>
+            <a:r>
+              <a:rPr lang="it-IT" dirty="0"/>
+              <a:t>6</a:t>
+            </a:r>
+          </a:p>
+        </p:txBody>
+      </p:sp>
+      <p:sp>
+        <p:nvSpPr>
+          <p:cNvPr id="5" name="Segnaposto testo 4">
+            <a:extLst>
+              <a:ext uri="{FF2B5EF4-FFF2-40B4-BE49-F238E27FC236}">
+                <a16:creationId xmlns:a16="http://schemas.microsoft.com/office/drawing/2014/main" id="{EA1BB838-CA81-5A9B-4535-FDE806E1092E}"/>
+              </a:ext>
+            </a:extLst>
+          </p:cNvPr>
+          <p:cNvSpPr>
+            <a:spLocks noGrp="1"/>
+          </p:cNvSpPr>
+          <p:nvPr>
+            <p:ph type="body" idx="17"/>
+          </p:nvPr>
+        </p:nvSpPr>
+        <p:spPr>
+          <a:xfrm>
+            <a:off x="3936283" y="2619652"/>
+            <a:ext cx="2330726" cy="438505"/>
+          </a:xfrm>
+        </p:spPr>
+        <p:txBody>
+          <a:bodyPr/>
+          <a:lstStyle/>
+          <a:p>
+            <a:r>
+              <a:rPr lang="it-IT" dirty="0"/>
+              <a:t>Creazione </a:t>
+            </a:r>
+            <a:r>
+              <a:rPr lang="it-IT" dirty="0" err="1"/>
+              <a:t>Multilayer</a:t>
+            </a:r>
+            <a:r>
+              <a:rPr lang="it-IT" dirty="0"/>
+              <a:t> </a:t>
+            </a:r>
+            <a:r>
+              <a:rPr lang="it-IT" dirty="0" err="1"/>
+              <a:t>perceptron</a:t>
+            </a:r>
+            <a:r>
+              <a:rPr lang="it-IT" dirty="0"/>
+              <a:t> per gestire dati eterogenei</a:t>
+            </a:r>
+          </a:p>
+        </p:txBody>
+      </p:sp>
+      <p:sp>
+        <p:nvSpPr>
+          <p:cNvPr id="6" name="Segnaposto contenuto 5">
+            <a:extLst>
+              <a:ext uri="{FF2B5EF4-FFF2-40B4-BE49-F238E27FC236}">
+                <a16:creationId xmlns:a16="http://schemas.microsoft.com/office/drawing/2014/main" id="{E105EA05-3647-5D63-C16F-6F303EF501B0}"/>
+              </a:ext>
+            </a:extLst>
+          </p:cNvPr>
+          <p:cNvSpPr>
+            <a:spLocks noGrp="1"/>
+          </p:cNvSpPr>
+          <p:nvPr>
+            <p:ph sz="half" idx="2"/>
+          </p:nvPr>
+        </p:nvSpPr>
+        <p:spPr>
+          <a:xfrm>
+            <a:off x="3977413" y="3224644"/>
+            <a:ext cx="2330726" cy="853167"/>
+          </a:xfrm>
+        </p:spPr>
+        <p:txBody>
+          <a:bodyPr/>
+          <a:lstStyle/>
+          <a:p>
+            <a:r>
+              <a:rPr lang="it-IT" dirty="0"/>
+              <a:t>Rete neurale che gestisce i dati eterogenei.</a:t>
+            </a:r>
+          </a:p>
+        </p:txBody>
+      </p:sp>
+      <p:sp>
+        <p:nvSpPr>
+          <p:cNvPr id="7" name="Segnaposto contenuto 6">
+            <a:extLst>
+              <a:ext uri="{FF2B5EF4-FFF2-40B4-BE49-F238E27FC236}">
+                <a16:creationId xmlns:a16="http://schemas.microsoft.com/office/drawing/2014/main" id="{78EE189E-79B0-33EC-6027-B411CB984619}"/>
+              </a:ext>
+            </a:extLst>
+          </p:cNvPr>
+          <p:cNvSpPr>
+            <a:spLocks noGrp="1"/>
+          </p:cNvSpPr>
+          <p:nvPr>
+            <p:ph sz="quarter" idx="22"/>
+          </p:nvPr>
+        </p:nvSpPr>
+        <p:spPr>
+          <a:xfrm>
+            <a:off x="9913679" y="4350082"/>
+            <a:ext cx="1856232" cy="1664208"/>
+          </a:xfrm>
+        </p:spPr>
+        <p:txBody>
+          <a:bodyPr/>
+          <a:lstStyle/>
+          <a:p>
+            <a:endParaRPr lang="it-IT" dirty="0"/>
+          </a:p>
+        </p:txBody>
+      </p:sp>
+      <p:sp>
+        <p:nvSpPr>
+          <p:cNvPr id="8" name="Segnaposto testo 7">
+            <a:extLst>
+              <a:ext uri="{FF2B5EF4-FFF2-40B4-BE49-F238E27FC236}">
+                <a16:creationId xmlns:a16="http://schemas.microsoft.com/office/drawing/2014/main" id="{6429DFE5-09A9-A043-9D82-4DF78CA35B6A}"/>
+              </a:ext>
+            </a:extLst>
+          </p:cNvPr>
+          <p:cNvSpPr>
+            <a:spLocks noGrp="1"/>
+          </p:cNvSpPr>
+          <p:nvPr>
+            <p:ph type="body" sz="quarter" idx="3"/>
+          </p:nvPr>
+        </p:nvSpPr>
+        <p:spPr>
+          <a:xfrm>
+            <a:off x="6693529" y="3064816"/>
+            <a:ext cx="2342205" cy="804859"/>
+          </a:xfrm>
+        </p:spPr>
+        <p:txBody>
+          <a:bodyPr/>
+          <a:lstStyle/>
+          <a:p>
+            <a:r>
+              <a:rPr lang="it-IT" dirty="0"/>
+              <a:t>7</a:t>
+            </a:r>
+          </a:p>
+        </p:txBody>
+      </p:sp>
+      <p:sp>
+        <p:nvSpPr>
+          <p:cNvPr id="9" name="Segnaposto testo 8">
+            <a:extLst>
+              <a:ext uri="{FF2B5EF4-FFF2-40B4-BE49-F238E27FC236}">
+                <a16:creationId xmlns:a16="http://schemas.microsoft.com/office/drawing/2014/main" id="{15B427DF-3C1C-39B6-35DC-0249BE343860}"/>
+              </a:ext>
+            </a:extLst>
+          </p:cNvPr>
+          <p:cNvSpPr>
+            <a:spLocks noGrp="1"/>
+          </p:cNvSpPr>
+          <p:nvPr>
+            <p:ph type="body" sz="quarter" idx="18"/>
+          </p:nvPr>
+        </p:nvSpPr>
+        <p:spPr>
+          <a:xfrm>
+            <a:off x="6693529" y="4164475"/>
+            <a:ext cx="2342205" cy="438505"/>
+          </a:xfrm>
+        </p:spPr>
+        <p:txBody>
+          <a:bodyPr/>
+          <a:lstStyle/>
+          <a:p>
+            <a:r>
+              <a:rPr lang="it-IT" dirty="0"/>
+              <a:t>Combinazione CNN e MLP mediante un apposito layer</a:t>
+            </a:r>
+          </a:p>
+        </p:txBody>
+      </p:sp>
+      <p:sp>
+        <p:nvSpPr>
+          <p:cNvPr id="10" name="Segnaposto contenuto 9">
+            <a:extLst>
+              <a:ext uri="{FF2B5EF4-FFF2-40B4-BE49-F238E27FC236}">
+                <a16:creationId xmlns:a16="http://schemas.microsoft.com/office/drawing/2014/main" id="{079311FA-B588-86E6-47F3-239D835D2746}"/>
+              </a:ext>
+            </a:extLst>
+          </p:cNvPr>
+          <p:cNvSpPr>
+            <a:spLocks noGrp="1"/>
+          </p:cNvSpPr>
+          <p:nvPr>
+            <p:ph sz="quarter" idx="4"/>
+          </p:nvPr>
+        </p:nvSpPr>
+        <p:spPr>
+          <a:xfrm>
+            <a:off x="6666346" y="5120722"/>
+            <a:ext cx="2342205" cy="853167"/>
+          </a:xfrm>
+        </p:spPr>
+        <p:txBody>
+          <a:bodyPr/>
+          <a:lstStyle/>
+          <a:p>
+            <a:r>
+              <a:rPr lang="it-IT" dirty="0"/>
+              <a:t>Rete neurale in grado di classificare usando sia le immagini che i metadati.</a:t>
+            </a:r>
+          </a:p>
+        </p:txBody>
+      </p:sp>
+      <p:pic>
+        <p:nvPicPr>
+          <p:cNvPr id="23" name="Segnaposto contenuto 22">
+            <a:extLst>
+              <a:ext uri="{FF2B5EF4-FFF2-40B4-BE49-F238E27FC236}">
+                <a16:creationId xmlns:a16="http://schemas.microsoft.com/office/drawing/2014/main" id="{5FC161D8-5A07-8752-4A25-A4FF98B9D953}"/>
+              </a:ext>
+            </a:extLst>
+          </p:cNvPr>
+          <p:cNvPicPr>
+            <a:picLocks noGrp="1" noChangeAspect="1"/>
+          </p:cNvPicPr>
+          <p:nvPr>
+            <p:ph sz="quarter" idx="23"/>
+          </p:nvPr>
         </p:nvPicPr>
         <p:blipFill>
           <a:blip r:embed="rId3"/>
@@ -19313,70 +18979,276 @@
         </p:blipFill>
         <p:spPr>
           <a:xfrm>
-            <a:off x="305375" y="1524946"/>
-            <a:ext cx="5270216" cy="3952662"/>
-          </a:xfrm>
-          <a:prstGeom prst="rect">
-            <a:avLst/>
-          </a:prstGeom>
-          <a:ln>
-            <a:noFill/>
-          </a:ln>
-          <a:effectLst>
-            <a:outerShdw blurRad="292100" dist="139700" dir="2700000" algn="tl" rotWithShape="0">
-              <a:srgbClr val="333333">
-                <a:alpha val="65000"/>
-              </a:srgbClr>
-            </a:outerShdw>
-          </a:effectLst>
+            <a:off x="6580700" y="1571658"/>
+            <a:ext cx="2567865" cy="1444423"/>
+          </a:xfrm>
         </p:spPr>
       </p:pic>
       <p:sp>
         <p:nvSpPr>
-          <p:cNvPr id="9" name="CasellaDiTesto 8">
-            <a:extLst>
-              <a:ext uri="{FF2B5EF4-FFF2-40B4-BE49-F238E27FC236}">
-                <a16:creationId xmlns:a16="http://schemas.microsoft.com/office/drawing/2014/main" id="{B36AD550-9792-EC27-B028-03BB94075FE6}"/>
-              </a:ext>
-            </a:extLst>
-          </p:cNvPr>
-          <p:cNvSpPr txBox="1"/>
-          <p:nvPr/>
-        </p:nvSpPr>
-        <p:spPr>
-          <a:xfrm>
-            <a:off x="1213339" y="1123156"/>
-            <a:ext cx="4088423" cy="307777"/>
-          </a:xfrm>
-          <a:prstGeom prst="rect">
-            <a:avLst/>
-          </a:prstGeom>
-          <a:noFill/>
-        </p:spPr>
-        <p:txBody>
-          <a:bodyPr wrap="square" rtlCol="0">
-            <a:spAutoFit/>
+          <p:cNvPr id="12" name="Segnaposto testo 11">
+            <a:extLst>
+              <a:ext uri="{FF2B5EF4-FFF2-40B4-BE49-F238E27FC236}">
+                <a16:creationId xmlns:a16="http://schemas.microsoft.com/office/drawing/2014/main" id="{F991E73E-06CE-2864-F96C-03D49EFA0DAA}"/>
+              </a:ext>
+            </a:extLst>
+          </p:cNvPr>
+          <p:cNvSpPr>
+            <a:spLocks noGrp="1"/>
+          </p:cNvSpPr>
+          <p:nvPr>
+            <p:ph type="body" idx="13"/>
+          </p:nvPr>
+        </p:nvSpPr>
+        <p:spPr>
+          <a:xfrm>
+            <a:off x="9635932" y="2079364"/>
+            <a:ext cx="2330726" cy="804859"/>
+          </a:xfrm>
+        </p:spPr>
+        <p:txBody>
+          <a:bodyPr/>
+          <a:lstStyle/>
+          <a:p>
+            <a:r>
+              <a:rPr lang="it-IT" dirty="0"/>
+              <a:t>8</a:t>
+            </a:r>
+          </a:p>
+        </p:txBody>
+      </p:sp>
+      <p:sp>
+        <p:nvSpPr>
+          <p:cNvPr id="13" name="Segnaposto testo 12">
+            <a:extLst>
+              <a:ext uri="{FF2B5EF4-FFF2-40B4-BE49-F238E27FC236}">
+                <a16:creationId xmlns:a16="http://schemas.microsoft.com/office/drawing/2014/main" id="{41BB276B-6A44-FCE7-D7B6-DEAB25EFAC94}"/>
+              </a:ext>
+            </a:extLst>
+          </p:cNvPr>
+          <p:cNvSpPr>
+            <a:spLocks noGrp="1"/>
+          </p:cNvSpPr>
+          <p:nvPr>
+            <p:ph type="body" idx="19"/>
+          </p:nvPr>
+        </p:nvSpPr>
+        <p:spPr>
+          <a:xfrm>
+            <a:off x="9676432" y="3317926"/>
+            <a:ext cx="2330726" cy="438505"/>
+          </a:xfrm>
+        </p:spPr>
+        <p:txBody>
+          <a:bodyPr/>
+          <a:lstStyle/>
+          <a:p>
+            <a:r>
+              <a:rPr lang="it-IT" dirty="0"/>
+              <a:t>Allenamento rete neurale, mediante immagini e dati eterogenei</a:t>
+            </a:r>
+          </a:p>
+        </p:txBody>
+      </p:sp>
+      <p:sp>
+        <p:nvSpPr>
+          <p:cNvPr id="14" name="Segnaposto contenuto 13">
+            <a:extLst>
+              <a:ext uri="{FF2B5EF4-FFF2-40B4-BE49-F238E27FC236}">
+                <a16:creationId xmlns:a16="http://schemas.microsoft.com/office/drawing/2014/main" id="{80841BF0-9B30-1B19-E46E-0096D02A7C56}"/>
+              </a:ext>
+            </a:extLst>
+          </p:cNvPr>
+          <p:cNvSpPr>
+            <a:spLocks noGrp="1"/>
+          </p:cNvSpPr>
+          <p:nvPr>
+            <p:ph sz="half" idx="14"/>
+          </p:nvPr>
+        </p:nvSpPr>
+        <p:spPr>
+          <a:xfrm>
+            <a:off x="9676432" y="449066"/>
+            <a:ext cx="2330726" cy="853167"/>
+          </a:xfrm>
+        </p:spPr>
+        <p:txBody>
+          <a:bodyPr/>
+          <a:lstStyle/>
+          <a:p>
+            <a:endParaRPr lang="it-IT" dirty="0"/>
+          </a:p>
+        </p:txBody>
+      </p:sp>
+      <p:pic>
+        <p:nvPicPr>
+          <p:cNvPr id="25" name="Segnaposto contenuto 24" descr="Immagine che contiene tavolo">
+            <a:extLst>
+              <a:ext uri="{FF2B5EF4-FFF2-40B4-BE49-F238E27FC236}">
+                <a16:creationId xmlns:a16="http://schemas.microsoft.com/office/drawing/2014/main" id="{DEFBC6BE-824F-4E0D-92FE-A37D23584D50}"/>
+              </a:ext>
+            </a:extLst>
+          </p:cNvPr>
+          <p:cNvPicPr>
+            <a:picLocks noGrp="1" noChangeAspect="1"/>
+          </p:cNvPicPr>
+          <p:nvPr>
+            <p:ph sz="quarter" idx="24"/>
+          </p:nvPr>
+        </p:nvPicPr>
+        <p:blipFill>
+          <a:blip r:embed="rId4"/>
+          <a:stretch>
+            <a:fillRect/>
+          </a:stretch>
+        </p:blipFill>
+        <p:spPr>
+          <a:xfrm>
+            <a:off x="282386" y="1574566"/>
+            <a:ext cx="3480221" cy="1376070"/>
+          </a:xfrm>
+        </p:spPr>
+      </p:pic>
+      <p:sp>
+        <p:nvSpPr>
+          <p:cNvPr id="16" name="Segnaposto testo 15">
+            <a:extLst>
+              <a:ext uri="{FF2B5EF4-FFF2-40B4-BE49-F238E27FC236}">
+                <a16:creationId xmlns:a16="http://schemas.microsoft.com/office/drawing/2014/main" id="{D64BC6D5-53E2-5E3B-8715-FB27F1394C83}"/>
+              </a:ext>
+            </a:extLst>
+          </p:cNvPr>
+          <p:cNvSpPr>
+            <a:spLocks noGrp="1"/>
+          </p:cNvSpPr>
+          <p:nvPr>
+            <p:ph type="body" idx="15"/>
+          </p:nvPr>
+        </p:nvSpPr>
+        <p:spPr>
+          <a:xfrm>
+            <a:off x="857134" y="3102506"/>
+            <a:ext cx="2330726" cy="804859"/>
+          </a:xfrm>
+        </p:spPr>
+        <p:txBody>
+          <a:bodyPr/>
+          <a:lstStyle/>
+          <a:p>
+            <a:r>
+              <a:rPr lang="it-IT" dirty="0"/>
+              <a:t>5</a:t>
+            </a:r>
+          </a:p>
+        </p:txBody>
+      </p:sp>
+      <p:sp>
+        <p:nvSpPr>
+          <p:cNvPr id="17" name="Segnaposto testo 16">
+            <a:extLst>
+              <a:ext uri="{FF2B5EF4-FFF2-40B4-BE49-F238E27FC236}">
+                <a16:creationId xmlns:a16="http://schemas.microsoft.com/office/drawing/2014/main" id="{1421B2A4-D6E0-71C3-A21E-0B4C6A630B73}"/>
+              </a:ext>
+            </a:extLst>
+          </p:cNvPr>
+          <p:cNvSpPr>
+            <a:spLocks noGrp="1"/>
+          </p:cNvSpPr>
+          <p:nvPr>
+            <p:ph type="body" idx="20"/>
+          </p:nvPr>
+        </p:nvSpPr>
+        <p:spPr>
+          <a:xfrm>
+            <a:off x="857134" y="4214987"/>
+            <a:ext cx="2330726" cy="438505"/>
+          </a:xfrm>
+        </p:spPr>
+        <p:txBody>
+          <a:bodyPr/>
+          <a:lstStyle/>
+          <a:p>
+            <a:r>
+              <a:rPr lang="it-IT" dirty="0"/>
+              <a:t>Selezione sottoinsieme completo di dati eterogenei</a:t>
+            </a:r>
+          </a:p>
+        </p:txBody>
+      </p:sp>
+      <p:sp>
+        <p:nvSpPr>
+          <p:cNvPr id="18" name="Segnaposto contenuto 17">
+            <a:extLst>
+              <a:ext uri="{FF2B5EF4-FFF2-40B4-BE49-F238E27FC236}">
+                <a16:creationId xmlns:a16="http://schemas.microsoft.com/office/drawing/2014/main" id="{6405BF90-5B3D-659B-212F-3A40397513BE}"/>
+              </a:ext>
+            </a:extLst>
+          </p:cNvPr>
+          <p:cNvSpPr>
+            <a:spLocks noGrp="1"/>
+          </p:cNvSpPr>
+          <p:nvPr>
+            <p:ph sz="half" idx="16"/>
+          </p:nvPr>
+        </p:nvSpPr>
+        <p:spPr>
+          <a:xfrm>
+            <a:off x="857134" y="5120721"/>
+            <a:ext cx="2330726" cy="853167"/>
+          </a:xfrm>
+        </p:spPr>
+        <p:txBody>
+          <a:bodyPr>
+            <a:normAutofit fontScale="92500" lnSpcReduction="10000"/>
           </a:bodyPr>
           <a:lstStyle/>
           <a:p>
             <a:r>
-              <a:rPr lang="it-IT" sz="1400" i="1" dirty="0">
-                <a:solidFill>
-                  <a:schemeClr val="tx1">
-                    <a:lumMod val="75000"/>
-                    <a:lumOff val="25000"/>
-                  </a:schemeClr>
-                </a:solidFill>
-              </a:rPr>
-              <a:t>Esempio immagine aumentata con relativa label</a:t>
-            </a:r>
+              <a:rPr lang="it-IT" dirty="0"/>
+              <a:t>In modo da ottenere un dataset contenente tutti i dati scelti per ogni paziente selezionato.</a:t>
+            </a:r>
+          </a:p>
+        </p:txBody>
+      </p:sp>
+      <p:sp>
+        <p:nvSpPr>
+          <p:cNvPr id="21" name="Segnaposto numero diapositiva 20">
+            <a:extLst>
+              <a:ext uri="{FF2B5EF4-FFF2-40B4-BE49-F238E27FC236}">
+                <a16:creationId xmlns:a16="http://schemas.microsoft.com/office/drawing/2014/main" id="{FEF76D62-44D8-E9DA-3B6E-FF75538DDCCD}"/>
+              </a:ext>
+            </a:extLst>
+          </p:cNvPr>
+          <p:cNvSpPr>
+            <a:spLocks noGrp="1"/>
+          </p:cNvSpPr>
+          <p:nvPr>
+            <p:ph type="sldNum" sz="quarter" idx="12"/>
+          </p:nvPr>
+        </p:nvSpPr>
+        <p:spPr>
+          <a:xfrm>
+            <a:off x="8940938" y="6189881"/>
+            <a:ext cx="2743200" cy="365125"/>
+          </a:xfrm>
+        </p:spPr>
+        <p:txBody>
+          <a:bodyPr/>
+          <a:lstStyle/>
+          <a:p>
+            <a:pPr rtl="0"/>
+            <a:fld id="{B5CEABB6-07DC-46E8-9B57-56EC44A396E5}" type="slidenum">
+              <a:rPr lang="it-IT" noProof="0" smtClean="0"/>
+              <a:t>7</a:t>
+            </a:fld>
+            <a:endParaRPr lang="it-IT" noProof="0"/>
           </a:p>
         </p:txBody>
       </p:sp>
     </p:spTree>
     <p:extLst>
       <p:ext uri="{BB962C8B-B14F-4D97-AF65-F5344CB8AC3E}">
-        <p14:creationId xmlns:p14="http://schemas.microsoft.com/office/powerpoint/2010/main" val="2121178069"/>
+        <p14:creationId xmlns:p14="http://schemas.microsoft.com/office/powerpoint/2010/main" val="296122533"/>
       </p:ext>
     </p:extLst>
   </p:cSld>
@@ -19405,656 +19277,844 @@
       </p:grpSpPr>
       <p:sp>
         <p:nvSpPr>
-          <p:cNvPr id="5" name="Segnaposto testo 4">
-            <a:extLst>
-              <a:ext uri="{FF2B5EF4-FFF2-40B4-BE49-F238E27FC236}">
-                <a16:creationId xmlns:a16="http://schemas.microsoft.com/office/drawing/2014/main" id="{F8657664-A458-4DDD-ACC2-1D87FCD6FCA9}"/>
-              </a:ext>
-            </a:extLst>
-          </p:cNvPr>
-          <p:cNvSpPr>
-            <a:spLocks noGrp="1"/>
-          </p:cNvSpPr>
-          <p:nvPr>
-            <p:ph type="body" idx="1"/>
-          </p:nvPr>
-        </p:nvSpPr>
-        <p:spPr>
-          <a:xfrm>
-            <a:off x="2335823" y="518746"/>
-            <a:ext cx="3924300" cy="504458"/>
-          </a:xfrm>
-        </p:spPr>
-        <p:txBody>
-          <a:bodyPr rtlCol="0"/>
+          <p:cNvPr id="2" name="Titolo 1">
+            <a:extLst>
+              <a:ext uri="{FF2B5EF4-FFF2-40B4-BE49-F238E27FC236}">
+                <a16:creationId xmlns:a16="http://schemas.microsoft.com/office/drawing/2014/main" id="{1718013E-D59A-22C8-E17E-4A3B10545112}"/>
+              </a:ext>
+            </a:extLst>
+          </p:cNvPr>
+          <p:cNvSpPr>
+            <a:spLocks noGrp="1"/>
+          </p:cNvSpPr>
+          <p:nvPr>
+            <p:ph type="title"/>
+          </p:nvPr>
+        </p:nvSpPr>
+        <p:spPr>
+          <a:xfrm>
+            <a:off x="1797513" y="8237"/>
+            <a:ext cx="8421688" cy="1325563"/>
+          </a:xfrm>
+        </p:spPr>
+        <p:txBody>
+          <a:bodyPr/>
           <a:lstStyle/>
           <a:p>
-            <a:pPr rtl="0"/>
-            <a:r>
-              <a:rPr lang="it-IT" sz="1900" dirty="0"/>
-              <a:t>Training</a:t>
-            </a:r>
-          </a:p>
-        </p:txBody>
-      </p:sp>
-      <p:sp>
-        <p:nvSpPr>
-          <p:cNvPr id="6" name="Segnaposto contenuto 5">
-            <a:extLst>
-              <a:ext uri="{FF2B5EF4-FFF2-40B4-BE49-F238E27FC236}">
-                <a16:creationId xmlns:a16="http://schemas.microsoft.com/office/drawing/2014/main" id="{5A6B31B0-7B84-475D-961F-09C0191F91A2}"/>
-              </a:ext>
-            </a:extLst>
-          </p:cNvPr>
-          <p:cNvSpPr>
-            <a:spLocks noGrp="1"/>
-          </p:cNvSpPr>
-          <p:nvPr>
-            <p:ph sz="half" idx="2"/>
-          </p:nvPr>
-        </p:nvSpPr>
-        <p:spPr>
-          <a:xfrm>
-            <a:off x="2335823" y="1023204"/>
-            <a:ext cx="3924300" cy="1777756"/>
-          </a:xfrm>
-        </p:spPr>
-        <p:txBody>
-          <a:bodyPr vert="horz" lIns="91440" tIns="45720" rIns="91440" bIns="45720" rtlCol="0" anchor="t">
-            <a:normAutofit/>
-          </a:bodyPr>
-          <a:lstStyle/>
-          <a:p>
-            <a:pPr rtl="0"/>
-            <a:r>
-              <a:rPr lang="it-IT" noProof="1"/>
-              <a:t>Per verificare se l’uso della data augmentation ha avuto effetto, si è proceduto con un ulteriore training.</a:t>
-            </a:r>
-          </a:p>
-          <a:p>
-            <a:pPr rtl="0"/>
-            <a:r>
-              <a:rPr lang="it-IT" noProof="1"/>
-              <a:t>I parametri del training sono sempre gli stessi, tranne il numero di epoche per il Transfer Learning (120) e per il Fine Tuning (500).</a:t>
-            </a:r>
-          </a:p>
-          <a:p>
-            <a:pPr rtl="0"/>
-            <a:endParaRPr lang="it-IT" noProof="1"/>
-          </a:p>
-        </p:txBody>
-      </p:sp>
-      <p:sp>
-        <p:nvSpPr>
-          <p:cNvPr id="14" name="Segnaposto numero diapositiva 13">
-            <a:extLst>
-              <a:ext uri="{FF2B5EF4-FFF2-40B4-BE49-F238E27FC236}">
-                <a16:creationId xmlns:a16="http://schemas.microsoft.com/office/drawing/2014/main" id="{42152A75-1CD2-44EC-9374-C83D4604A5DD}"/>
-              </a:ext>
-            </a:extLst>
-          </p:cNvPr>
-          <p:cNvSpPr>
-            <a:spLocks noGrp="1"/>
-          </p:cNvSpPr>
-          <p:nvPr>
-            <p:ph type="sldNum" sz="quarter" idx="12"/>
-          </p:nvPr>
-        </p:nvSpPr>
-        <p:spPr>
-          <a:xfrm>
-            <a:off x="8610600" y="6356350"/>
-            <a:ext cx="2743200" cy="365125"/>
-          </a:xfrm>
-        </p:spPr>
-        <p:txBody>
-          <a:bodyPr rtlCol="0"/>
-          <a:lstStyle/>
-          <a:p>
-            <a:pPr rtl="0"/>
-            <a:fld id="{B5CEABB6-07DC-46E8-9B57-56EC44A396E5}" type="slidenum">
-              <a:rPr lang="it-IT" smtClean="0"/>
-              <a:pPr rtl="0"/>
-              <a:t>8</a:t>
-            </a:fld>
-            <a:endParaRPr lang="it-IT" dirty="0"/>
+            <a:r>
+              <a:rPr lang="it-IT" dirty="0"/>
+              <a:t>Risultati</a:t>
+            </a:r>
           </a:p>
         </p:txBody>
       </p:sp>
       <p:pic>
         <p:nvPicPr>
-          <p:cNvPr id="16" name="Immagine 15">
-            <a:extLst>
-              <a:ext uri="{FF2B5EF4-FFF2-40B4-BE49-F238E27FC236}">
-                <a16:creationId xmlns:a16="http://schemas.microsoft.com/office/drawing/2014/main" id="{F12FA53A-6206-EFC2-5CEA-45C4E77C8F09}"/>
+          <p:cNvPr id="19" name="Segnaposto immagine 18">
+            <a:extLst>
+              <a:ext uri="{FF2B5EF4-FFF2-40B4-BE49-F238E27FC236}">
+                <a16:creationId xmlns:a16="http://schemas.microsoft.com/office/drawing/2014/main" id="{5FDB8955-3F8F-7F81-D462-D70180F3D654}"/>
               </a:ext>
             </a:extLst>
           </p:cNvPr>
           <p:cNvPicPr>
-            <a:picLocks noChangeAspect="1"/>
+            <a:picLocks noGrp="1" noChangeAspect="1"/>
           </p:cNvPicPr>
-          <p:nvPr/>
+          <p:nvPr>
+            <p:ph type="pic" sz="quarter" idx="14"/>
+          </p:nvPr>
+        </p:nvPicPr>
+        <p:blipFill rotWithShape="1">
+          <a:blip r:embed="rId2"/>
+          <a:srcRect l="43" r="7641"/>
+          <a:stretch/>
+        </p:blipFill>
+        <p:spPr>
+          <a:xfrm>
+            <a:off x="9108573" y="977931"/>
+            <a:ext cx="2664327" cy="2943175"/>
+          </a:xfrm>
+        </p:spPr>
+      </p:pic>
+      <p:pic>
+        <p:nvPicPr>
+          <p:cNvPr id="25" name="Segnaposto immagine 24">
+            <a:extLst>
+              <a:ext uri="{FF2B5EF4-FFF2-40B4-BE49-F238E27FC236}">
+                <a16:creationId xmlns:a16="http://schemas.microsoft.com/office/drawing/2014/main" id="{1A4756A2-0082-7A91-5F36-DBE52ADDE563}"/>
+              </a:ext>
+            </a:extLst>
+          </p:cNvPr>
+          <p:cNvPicPr>
+            <a:picLocks noGrp="1" noChangeAspect="1"/>
+          </p:cNvPicPr>
+          <p:nvPr>
+            <p:ph type="pic" sz="quarter" idx="15"/>
+          </p:nvPr>
         </p:nvPicPr>
         <p:blipFill>
-          <a:blip r:embed="rId3" cstate="print">
-            <a:extLst>
-              <a:ext uri="{28A0092B-C50C-407E-A947-70E740481C1C}">
-                <a14:useLocalDpi xmlns:a14="http://schemas.microsoft.com/office/drawing/2010/main" val="0"/>
-              </a:ext>
-            </a:extLst>
-          </a:blip>
-          <a:srcRect/>
+          <a:blip r:embed="rId3"/>
+          <a:srcRect l="43" r="43"/>
           <a:stretch>
             <a:fillRect/>
           </a:stretch>
         </p:blipFill>
-        <p:spPr bwMode="auto">
-          <a:xfrm>
-            <a:off x="7488118" y="123947"/>
-            <a:ext cx="3740400" cy="3740400"/>
-          </a:xfrm>
-          <a:prstGeom prst="rect">
-            <a:avLst/>
-          </a:prstGeom>
-          <a:ln>
-            <a:noFill/>
-          </a:ln>
-          <a:effectLst>
-            <a:outerShdw blurRad="292100" dist="139700" dir="2700000" algn="tl" rotWithShape="0">
-              <a:srgbClr val="333333">
-                <a:alpha val="65000"/>
-              </a:srgbClr>
-            </a:outerShdw>
-          </a:effectLst>
+        <p:spPr>
+          <a:xfrm>
+            <a:off x="3011633" y="1076273"/>
+            <a:ext cx="2898000" cy="2932757"/>
+          </a:xfrm>
         </p:spPr>
       </p:pic>
       <p:pic>
         <p:nvPicPr>
-          <p:cNvPr id="17" name="Immagine 16">
-            <a:extLst>
-              <a:ext uri="{FF2B5EF4-FFF2-40B4-BE49-F238E27FC236}">
-                <a16:creationId xmlns:a16="http://schemas.microsoft.com/office/drawing/2014/main" id="{4551A919-2C52-28B8-8182-CFE269F15896}"/>
+          <p:cNvPr id="23" name="Segnaposto immagine 22">
+            <a:extLst>
+              <a:ext uri="{FF2B5EF4-FFF2-40B4-BE49-F238E27FC236}">
+                <a16:creationId xmlns:a16="http://schemas.microsoft.com/office/drawing/2014/main" id="{142FBAD9-62B6-DEB6-34DE-059026E33715}"/>
               </a:ext>
             </a:extLst>
           </p:cNvPr>
           <p:cNvPicPr>
-            <a:picLocks noChangeAspect="1"/>
+            <a:picLocks noGrp="1" noChangeAspect="1"/>
           </p:cNvPicPr>
-          <p:nvPr/>
+          <p:nvPr>
+            <p:ph type="pic" sz="quarter" idx="17"/>
+          </p:nvPr>
         </p:nvPicPr>
         <p:blipFill>
-          <a:blip r:embed="rId4" cstate="print">
-            <a:extLst>
-              <a:ext uri="{28A0092B-C50C-407E-A947-70E740481C1C}">
-                <a14:useLocalDpi xmlns:a14="http://schemas.microsoft.com/office/drawing/2010/main" val="0"/>
-              </a:ext>
-            </a:extLst>
-          </a:blip>
-          <a:srcRect/>
+          <a:blip r:embed="rId4"/>
+          <a:srcRect l="43" r="43"/>
           <a:stretch>
             <a:fillRect/>
           </a:stretch>
         </p:blipFill>
-        <p:spPr bwMode="auto">
-          <a:xfrm>
-            <a:off x="252046" y="2800960"/>
-            <a:ext cx="3739661" cy="3739661"/>
-          </a:xfrm>
-          <a:prstGeom prst="rect">
-            <a:avLst/>
-          </a:prstGeom>
-          <a:ln>
-            <a:noFill/>
-          </a:ln>
-          <a:effectLst>
-            <a:outerShdw blurRad="292100" dist="139700" dir="2700000" algn="tl" rotWithShape="0">
-              <a:srgbClr val="333333">
-                <a:alpha val="65000"/>
-              </a:srgbClr>
-            </a:outerShdw>
-          </a:effectLst>
+        <p:spPr>
+          <a:xfrm>
+            <a:off x="39427" y="1065382"/>
+            <a:ext cx="2895508" cy="2917268"/>
+          </a:xfrm>
         </p:spPr>
       </p:pic>
       <p:sp>
         <p:nvSpPr>
-          <p:cNvPr id="18" name="Segnaposto testo 4">
-            <a:extLst>
-              <a:ext uri="{FF2B5EF4-FFF2-40B4-BE49-F238E27FC236}">
-                <a16:creationId xmlns:a16="http://schemas.microsoft.com/office/drawing/2014/main" id="{2219CAD2-0129-8745-55D3-639693831991}"/>
-              </a:ext>
-            </a:extLst>
-          </p:cNvPr>
-          <p:cNvSpPr txBox="1">
-            <a:spLocks/>
-          </p:cNvSpPr>
-          <p:nvPr/>
-        </p:nvSpPr>
-        <p:spPr>
-          <a:xfrm>
-            <a:off x="4844560" y="4252943"/>
-            <a:ext cx="6509240" cy="333521"/>
-          </a:xfrm>
-          <a:prstGeom prst="rect">
-            <a:avLst/>
-          </a:prstGeom>
-        </p:spPr>
-        <p:txBody>
-          <a:bodyPr vert="horz" lIns="91440" tIns="45720" rIns="91440" bIns="45720" rtlCol="0" anchor="b">
-            <a:noAutofit/>
-          </a:bodyPr>
-          <a:lstStyle>
-            <a:lvl1pPr marL="0" indent="0" algn="l" defTabSz="914400" rtl="0" eaLnBrk="1" latinLnBrk="0" hangingPunct="1">
-              <a:lnSpc>
-                <a:spcPct val="90000"/>
-              </a:lnSpc>
-              <a:spcBef>
-                <a:spcPts val="1000"/>
-              </a:spcBef>
-              <a:buFont typeface="Arial" panose="020B0604020202020204" pitchFamily="34" charset="0"/>
-              <a:buNone/>
-              <a:defRPr lang="en-US" sz="2000" kern="1200" spc="150" baseline="0" dirty="0" smtClean="0">
-                <a:solidFill>
-                  <a:schemeClr val="tx1">
-                    <a:lumMod val="75000"/>
-                    <a:lumOff val="25000"/>
-                  </a:schemeClr>
-                </a:solidFill>
-                <a:latin typeface="+mj-lt"/>
-                <a:ea typeface="+mj-ea"/>
-                <a:cs typeface="+mj-cs"/>
-              </a:defRPr>
-            </a:lvl1pPr>
-            <a:lvl2pPr marL="457200" indent="0" algn="l" defTabSz="914400" rtl="0" eaLnBrk="1" latinLnBrk="0" hangingPunct="1">
-              <a:lnSpc>
-                <a:spcPct val="90000"/>
-              </a:lnSpc>
-              <a:spcBef>
-                <a:spcPts val="500"/>
-              </a:spcBef>
-              <a:buFont typeface="Arial" panose="020B0604020202020204" pitchFamily="34" charset="0"/>
-              <a:buNone/>
-              <a:defRPr sz="2000" b="1" kern="1200">
-                <a:solidFill>
-                  <a:schemeClr val="tx1">
-                    <a:lumMod val="75000"/>
-                    <a:lumOff val="25000"/>
-                  </a:schemeClr>
-                </a:solidFill>
-                <a:latin typeface="+mn-lt"/>
-                <a:ea typeface="+mn-ea"/>
-                <a:cs typeface="+mn-cs"/>
-              </a:defRPr>
-            </a:lvl2pPr>
-            <a:lvl3pPr marL="914400" indent="0" algn="l" defTabSz="914400" rtl="0" eaLnBrk="1" latinLnBrk="0" hangingPunct="1">
-              <a:lnSpc>
-                <a:spcPct val="90000"/>
-              </a:lnSpc>
-              <a:spcBef>
-                <a:spcPts val="500"/>
-              </a:spcBef>
-              <a:buFont typeface="Arial" panose="020B0604020202020204" pitchFamily="34" charset="0"/>
-              <a:buNone/>
-              <a:defRPr sz="1800" b="1" kern="1200">
-                <a:solidFill>
-                  <a:schemeClr val="tx1">
-                    <a:lumMod val="75000"/>
-                    <a:lumOff val="25000"/>
-                  </a:schemeClr>
-                </a:solidFill>
-                <a:latin typeface="+mn-lt"/>
-                <a:ea typeface="+mn-ea"/>
-                <a:cs typeface="+mn-cs"/>
-              </a:defRPr>
-            </a:lvl3pPr>
-            <a:lvl4pPr marL="1371600" indent="0" algn="l" defTabSz="914400" rtl="0" eaLnBrk="1" latinLnBrk="0" hangingPunct="1">
-              <a:lnSpc>
-                <a:spcPct val="90000"/>
-              </a:lnSpc>
-              <a:spcBef>
-                <a:spcPts val="500"/>
-              </a:spcBef>
-              <a:buFont typeface="Arial" panose="020B0604020202020204" pitchFamily="34" charset="0"/>
-              <a:buNone/>
-              <a:defRPr sz="1600" b="1" kern="1200">
-                <a:solidFill>
-                  <a:schemeClr val="tx1">
-                    <a:lumMod val="75000"/>
-                    <a:lumOff val="25000"/>
-                  </a:schemeClr>
-                </a:solidFill>
-                <a:latin typeface="+mn-lt"/>
-                <a:ea typeface="+mn-ea"/>
-                <a:cs typeface="+mn-cs"/>
-              </a:defRPr>
-            </a:lvl4pPr>
-            <a:lvl5pPr marL="1828800" indent="0" algn="l" defTabSz="914400" rtl="0" eaLnBrk="1" latinLnBrk="0" hangingPunct="1">
-              <a:lnSpc>
-                <a:spcPct val="90000"/>
-              </a:lnSpc>
-              <a:spcBef>
-                <a:spcPts val="500"/>
-              </a:spcBef>
-              <a:buFont typeface="Arial" panose="020B0604020202020204" pitchFamily="34" charset="0"/>
-              <a:buNone/>
-              <a:defRPr sz="1600" b="1" kern="1200">
-                <a:solidFill>
-                  <a:schemeClr val="tx1">
-                    <a:lumMod val="75000"/>
-                    <a:lumOff val="25000"/>
-                  </a:schemeClr>
-                </a:solidFill>
-                <a:latin typeface="+mn-lt"/>
-                <a:ea typeface="+mn-ea"/>
-                <a:cs typeface="+mn-cs"/>
-              </a:defRPr>
-            </a:lvl5pPr>
-            <a:lvl6pPr marL="2286000" indent="0" algn="l" defTabSz="914400" rtl="0" eaLnBrk="1" latinLnBrk="0" hangingPunct="1">
-              <a:lnSpc>
-                <a:spcPct val="90000"/>
-              </a:lnSpc>
-              <a:spcBef>
-                <a:spcPts val="500"/>
-              </a:spcBef>
-              <a:buFont typeface="Arial" panose="020B0604020202020204" pitchFamily="34" charset="0"/>
-              <a:buNone/>
-              <a:defRPr sz="1600" b="1" kern="1200">
-                <a:solidFill>
-                  <a:schemeClr val="tx1"/>
-                </a:solidFill>
-                <a:latin typeface="+mn-lt"/>
-                <a:ea typeface="+mn-ea"/>
-                <a:cs typeface="+mn-cs"/>
-              </a:defRPr>
-            </a:lvl6pPr>
-            <a:lvl7pPr marL="2743200" indent="0" algn="l" defTabSz="914400" rtl="0" eaLnBrk="1" latinLnBrk="0" hangingPunct="1">
-              <a:lnSpc>
-                <a:spcPct val="90000"/>
-              </a:lnSpc>
-              <a:spcBef>
-                <a:spcPts val="500"/>
-              </a:spcBef>
-              <a:buFont typeface="Arial" panose="020B0604020202020204" pitchFamily="34" charset="0"/>
-              <a:buNone/>
-              <a:defRPr sz="1600" b="1" kern="1200">
-                <a:solidFill>
-                  <a:schemeClr val="tx1"/>
-                </a:solidFill>
-                <a:latin typeface="+mn-lt"/>
-                <a:ea typeface="+mn-ea"/>
-                <a:cs typeface="+mn-cs"/>
-              </a:defRPr>
-            </a:lvl7pPr>
-            <a:lvl8pPr marL="3200400" indent="0" algn="l" defTabSz="914400" rtl="0" eaLnBrk="1" latinLnBrk="0" hangingPunct="1">
-              <a:lnSpc>
-                <a:spcPct val="90000"/>
-              </a:lnSpc>
-              <a:spcBef>
-                <a:spcPts val="500"/>
-              </a:spcBef>
-              <a:buFont typeface="Arial" panose="020B0604020202020204" pitchFamily="34" charset="0"/>
-              <a:buNone/>
-              <a:defRPr sz="1600" b="1" kern="1200">
-                <a:solidFill>
-                  <a:schemeClr val="tx1"/>
-                </a:solidFill>
-                <a:latin typeface="+mn-lt"/>
-                <a:ea typeface="+mn-ea"/>
-                <a:cs typeface="+mn-cs"/>
-              </a:defRPr>
-            </a:lvl8pPr>
-            <a:lvl9pPr marL="3657600" indent="0" algn="l" defTabSz="914400" rtl="0" eaLnBrk="1" latinLnBrk="0" hangingPunct="1">
-              <a:lnSpc>
-                <a:spcPct val="90000"/>
-              </a:lnSpc>
-              <a:spcBef>
-                <a:spcPts val="500"/>
-              </a:spcBef>
-              <a:buFont typeface="Arial" panose="020B0604020202020204" pitchFamily="34" charset="0"/>
-              <a:buNone/>
-              <a:defRPr sz="1600" b="1" kern="1200">
-                <a:solidFill>
-                  <a:schemeClr val="tx1"/>
-                </a:solidFill>
-                <a:latin typeface="+mn-lt"/>
-                <a:ea typeface="+mn-ea"/>
-                <a:cs typeface="+mn-cs"/>
-              </a:defRPr>
-            </a:lvl9pPr>
-          </a:lstStyle>
-          <a:p>
-            <a:r>
-              <a:rPr lang="it-IT" sz="1900" dirty="0"/>
-              <a:t>Considerazioni</a:t>
-            </a:r>
-          </a:p>
-        </p:txBody>
-      </p:sp>
-      <p:sp>
-        <p:nvSpPr>
-          <p:cNvPr id="19" name="Segnaposto contenuto 5">
-            <a:extLst>
-              <a:ext uri="{FF2B5EF4-FFF2-40B4-BE49-F238E27FC236}">
-                <a16:creationId xmlns:a16="http://schemas.microsoft.com/office/drawing/2014/main" id="{3923AB86-FFEB-6DBD-A112-2ABA6398764D}"/>
-              </a:ext>
-            </a:extLst>
-          </p:cNvPr>
-          <p:cNvSpPr txBox="1">
-            <a:spLocks/>
-          </p:cNvSpPr>
-          <p:nvPr/>
-        </p:nvSpPr>
-        <p:spPr>
-          <a:xfrm>
-            <a:off x="4844560" y="4800611"/>
-            <a:ext cx="6509240" cy="1667244"/>
-          </a:xfrm>
-          <a:prstGeom prst="rect">
-            <a:avLst/>
-          </a:prstGeom>
-        </p:spPr>
-        <p:txBody>
-          <a:bodyPr vert="horz" lIns="91440" tIns="45720" rIns="91440" bIns="45720" rtlCol="0" anchor="t">
-            <a:normAutofit/>
-          </a:bodyPr>
-          <a:lstStyle>
-            <a:lvl1pPr marL="0" indent="0" algn="l" defTabSz="914400" rtl="0" eaLnBrk="1" latinLnBrk="0" hangingPunct="1">
-              <a:lnSpc>
-                <a:spcPct val="100000"/>
-              </a:lnSpc>
-              <a:spcBef>
-                <a:spcPts val="1000"/>
-              </a:spcBef>
-              <a:buFont typeface="Arial" panose="020B0604020202020204" pitchFamily="34" charset="0"/>
-              <a:buNone/>
-              <a:defRPr sz="1400" kern="1200" spc="50" baseline="0">
-                <a:solidFill>
-                  <a:schemeClr val="tx1">
-                    <a:lumMod val="75000"/>
-                    <a:lumOff val="25000"/>
-                  </a:schemeClr>
-                </a:solidFill>
-                <a:latin typeface="+mn-lt"/>
-                <a:ea typeface="+mn-ea"/>
-                <a:cs typeface="+mn-cs"/>
-              </a:defRPr>
-            </a:lvl1pPr>
-            <a:lvl2pPr marL="457200" indent="0" algn="l" defTabSz="914400" rtl="0" eaLnBrk="1" latinLnBrk="0" hangingPunct="1">
-              <a:lnSpc>
-                <a:spcPct val="100000"/>
-              </a:lnSpc>
-              <a:spcBef>
-                <a:spcPts val="500"/>
-              </a:spcBef>
-              <a:buFont typeface="Arial" panose="020B0604020202020204" pitchFamily="34" charset="0"/>
-              <a:buNone/>
-              <a:defRPr sz="1400" kern="1200" spc="50" baseline="0">
-                <a:solidFill>
-                  <a:schemeClr val="tx1">
-                    <a:lumMod val="75000"/>
-                    <a:lumOff val="25000"/>
-                  </a:schemeClr>
-                </a:solidFill>
-                <a:latin typeface="+mn-lt"/>
-                <a:ea typeface="+mn-ea"/>
-                <a:cs typeface="+mn-cs"/>
-              </a:defRPr>
-            </a:lvl2pPr>
-            <a:lvl3pPr marL="914400" indent="0" algn="l" defTabSz="914400" rtl="0" eaLnBrk="1" latinLnBrk="0" hangingPunct="1">
-              <a:lnSpc>
-                <a:spcPct val="100000"/>
-              </a:lnSpc>
-              <a:spcBef>
-                <a:spcPts val="500"/>
-              </a:spcBef>
-              <a:buFont typeface="Arial" panose="020B0604020202020204" pitchFamily="34" charset="0"/>
-              <a:buNone/>
-              <a:defRPr sz="1400" kern="1200" spc="50" baseline="0">
-                <a:solidFill>
-                  <a:schemeClr val="tx1">
-                    <a:lumMod val="75000"/>
-                    <a:lumOff val="25000"/>
-                  </a:schemeClr>
-                </a:solidFill>
-                <a:latin typeface="+mn-lt"/>
-                <a:ea typeface="+mn-ea"/>
-                <a:cs typeface="+mn-cs"/>
-              </a:defRPr>
-            </a:lvl3pPr>
-            <a:lvl4pPr marL="1371600" indent="0" algn="l" defTabSz="914400" rtl="0" eaLnBrk="1" latinLnBrk="0" hangingPunct="1">
-              <a:lnSpc>
-                <a:spcPct val="100000"/>
-              </a:lnSpc>
-              <a:spcBef>
-                <a:spcPts val="500"/>
-              </a:spcBef>
-              <a:buFont typeface="Arial" panose="020B0604020202020204" pitchFamily="34" charset="0"/>
-              <a:buNone/>
-              <a:defRPr sz="1400" kern="1200" spc="50" baseline="0">
-                <a:solidFill>
-                  <a:schemeClr val="tx1">
-                    <a:lumMod val="75000"/>
-                    <a:lumOff val="25000"/>
-                  </a:schemeClr>
-                </a:solidFill>
-                <a:latin typeface="+mn-lt"/>
-                <a:ea typeface="+mn-ea"/>
-                <a:cs typeface="+mn-cs"/>
-              </a:defRPr>
-            </a:lvl4pPr>
-            <a:lvl5pPr marL="1828800" indent="0" algn="l" defTabSz="914400" rtl="0" eaLnBrk="1" latinLnBrk="0" hangingPunct="1">
-              <a:lnSpc>
-                <a:spcPct val="100000"/>
-              </a:lnSpc>
-              <a:spcBef>
-                <a:spcPts val="500"/>
-              </a:spcBef>
-              <a:buFont typeface="Arial" panose="020B0604020202020204" pitchFamily="34" charset="0"/>
-              <a:buNone/>
-              <a:defRPr sz="1400" kern="1200" spc="50" baseline="0">
-                <a:solidFill>
-                  <a:schemeClr val="tx1">
-                    <a:lumMod val="75000"/>
-                    <a:lumOff val="25000"/>
-                  </a:schemeClr>
-                </a:solidFill>
-                <a:latin typeface="+mn-lt"/>
-                <a:ea typeface="+mn-ea"/>
-                <a:cs typeface="+mn-cs"/>
-              </a:defRPr>
-            </a:lvl5pPr>
-            <a:lvl6pPr marL="2514600" indent="-228600" algn="l" defTabSz="914400" rtl="0" eaLnBrk="1" latinLnBrk="0" hangingPunct="1">
-              <a:lnSpc>
-                <a:spcPct val="90000"/>
-              </a:lnSpc>
-              <a:spcBef>
-                <a:spcPts val="500"/>
-              </a:spcBef>
-              <a:buFont typeface="Arial" panose="020B0604020202020204" pitchFamily="34" charset="0"/>
-              <a:buChar char="•"/>
-              <a:defRPr sz="1800" kern="1200">
-                <a:solidFill>
-                  <a:schemeClr val="tx1"/>
-                </a:solidFill>
-                <a:latin typeface="+mn-lt"/>
-                <a:ea typeface="+mn-ea"/>
-                <a:cs typeface="+mn-cs"/>
-              </a:defRPr>
-            </a:lvl6pPr>
-            <a:lvl7pPr marL="2971800" indent="-228600" algn="l" defTabSz="914400" rtl="0" eaLnBrk="1" latinLnBrk="0" hangingPunct="1">
-              <a:lnSpc>
-                <a:spcPct val="90000"/>
-              </a:lnSpc>
-              <a:spcBef>
-                <a:spcPts val="500"/>
-              </a:spcBef>
-              <a:buFont typeface="Arial" panose="020B0604020202020204" pitchFamily="34" charset="0"/>
-              <a:buChar char="•"/>
-              <a:defRPr sz="1800" kern="1200">
-                <a:solidFill>
-                  <a:schemeClr val="tx1"/>
-                </a:solidFill>
-                <a:latin typeface="+mn-lt"/>
-                <a:ea typeface="+mn-ea"/>
-                <a:cs typeface="+mn-cs"/>
-              </a:defRPr>
-            </a:lvl7pPr>
-            <a:lvl8pPr marL="3429000" indent="-228600" algn="l" defTabSz="914400" rtl="0" eaLnBrk="1" latinLnBrk="0" hangingPunct="1">
-              <a:lnSpc>
-                <a:spcPct val="90000"/>
-              </a:lnSpc>
-              <a:spcBef>
-                <a:spcPts val="500"/>
-              </a:spcBef>
-              <a:buFont typeface="Arial" panose="020B0604020202020204" pitchFamily="34" charset="0"/>
-              <a:buChar char="•"/>
-              <a:defRPr sz="1800" kern="1200">
-                <a:solidFill>
-                  <a:schemeClr val="tx1"/>
-                </a:solidFill>
-                <a:latin typeface="+mn-lt"/>
-                <a:ea typeface="+mn-ea"/>
-                <a:cs typeface="+mn-cs"/>
-              </a:defRPr>
-            </a:lvl8pPr>
-            <a:lvl9pPr marL="3886200" indent="-228600" algn="l" defTabSz="914400" rtl="0" eaLnBrk="1" latinLnBrk="0" hangingPunct="1">
-              <a:lnSpc>
-                <a:spcPct val="90000"/>
-              </a:lnSpc>
-              <a:spcBef>
-                <a:spcPts val="500"/>
-              </a:spcBef>
-              <a:buFont typeface="Arial" panose="020B0604020202020204" pitchFamily="34" charset="0"/>
-              <a:buChar char="•"/>
-              <a:defRPr sz="1800" kern="1200">
-                <a:solidFill>
-                  <a:schemeClr val="tx1"/>
-                </a:solidFill>
-                <a:latin typeface="+mn-lt"/>
-                <a:ea typeface="+mn-ea"/>
-                <a:cs typeface="+mn-cs"/>
-              </a:defRPr>
-            </a:lvl9pPr>
-          </a:lstStyle>
-          <a:p>
-            <a:r>
-              <a:rPr lang="it-IT" noProof="1"/>
-              <a:t>Si può notare come, dopo la fase di Fine Tuning, la rete si comporti meglio rispetto ai precedenti training.</a:t>
-            </a:r>
-          </a:p>
-          <a:p>
-            <a:r>
-              <a:rPr lang="it-IT" noProof="1"/>
-              <a:t>Per questo si può affermare che l’overfitting è stato limitato grazie all’uso della data augmentation.</a:t>
-            </a:r>
-          </a:p>
-          <a:p>
-            <a:endParaRPr lang="it-IT" noProof="1"/>
-          </a:p>
-        </p:txBody>
-      </p:sp>
+          <p:cNvPr id="7" name="Segnaposto testo 6">
+            <a:extLst>
+              <a:ext uri="{FF2B5EF4-FFF2-40B4-BE49-F238E27FC236}">
+                <a16:creationId xmlns:a16="http://schemas.microsoft.com/office/drawing/2014/main" id="{720D5C28-ABD2-A8FF-DCAF-C4B32EC6EE69}"/>
+              </a:ext>
+            </a:extLst>
+          </p:cNvPr>
+          <p:cNvSpPr>
+            <a:spLocks noGrp="1"/>
+          </p:cNvSpPr>
+          <p:nvPr>
+            <p:ph type="body" idx="1"/>
+          </p:nvPr>
+        </p:nvSpPr>
+        <p:spPr>
+          <a:xfrm>
+            <a:off x="425307" y="4018813"/>
+            <a:ext cx="2123743" cy="343061"/>
+          </a:xfrm>
+        </p:spPr>
+        <p:txBody>
+          <a:bodyPr/>
+          <a:lstStyle/>
+          <a:p>
+            <a:r>
+              <a:rPr lang="it-IT" dirty="0"/>
+              <a:t>Training CNN Transfer Learning</a:t>
+            </a:r>
+          </a:p>
+        </p:txBody>
+      </p:sp>
+      <p:sp>
+        <p:nvSpPr>
+          <p:cNvPr id="8" name="Segnaposto testo 7">
+            <a:extLst>
+              <a:ext uri="{FF2B5EF4-FFF2-40B4-BE49-F238E27FC236}">
+                <a16:creationId xmlns:a16="http://schemas.microsoft.com/office/drawing/2014/main" id="{AC440BBA-A7E2-43A1-DB53-BA119662E5AE}"/>
+              </a:ext>
+            </a:extLst>
+          </p:cNvPr>
+          <p:cNvSpPr>
+            <a:spLocks noGrp="1"/>
+          </p:cNvSpPr>
+          <p:nvPr>
+            <p:ph type="body" idx="18"/>
+          </p:nvPr>
+        </p:nvSpPr>
+        <p:spPr>
+          <a:xfrm>
+            <a:off x="3247153" y="4018812"/>
+            <a:ext cx="2426957" cy="343061"/>
+          </a:xfrm>
+        </p:spPr>
+        <p:txBody>
+          <a:bodyPr/>
+          <a:lstStyle/>
+          <a:p>
+            <a:r>
+              <a:rPr lang="it-IT" dirty="0"/>
+              <a:t>Training CNN Fine Tuning</a:t>
+            </a:r>
+          </a:p>
+        </p:txBody>
+      </p:sp>
+      <p:sp>
+        <p:nvSpPr>
+          <p:cNvPr id="9" name="Segnaposto testo 8">
+            <a:extLst>
+              <a:ext uri="{FF2B5EF4-FFF2-40B4-BE49-F238E27FC236}">
+                <a16:creationId xmlns:a16="http://schemas.microsoft.com/office/drawing/2014/main" id="{39A267BE-53D6-4166-A55D-8F27E1D9B16B}"/>
+              </a:ext>
+            </a:extLst>
+          </p:cNvPr>
+          <p:cNvSpPr>
+            <a:spLocks noGrp="1"/>
+          </p:cNvSpPr>
+          <p:nvPr>
+            <p:ph type="body" idx="19"/>
+          </p:nvPr>
+        </p:nvSpPr>
+        <p:spPr>
+          <a:xfrm>
+            <a:off x="6517892" y="3970288"/>
+            <a:ext cx="2123743" cy="343061"/>
+          </a:xfrm>
+        </p:spPr>
+        <p:txBody>
+          <a:bodyPr/>
+          <a:lstStyle/>
+          <a:p>
+            <a:r>
+              <a:rPr lang="it-IT" dirty="0"/>
+              <a:t>Training CNN Data Augmentation</a:t>
+            </a:r>
+          </a:p>
+        </p:txBody>
+      </p:sp>
+      <p:sp>
+        <p:nvSpPr>
+          <p:cNvPr id="10" name="Segnaposto testo 9">
+            <a:extLst>
+              <a:ext uri="{FF2B5EF4-FFF2-40B4-BE49-F238E27FC236}">
+                <a16:creationId xmlns:a16="http://schemas.microsoft.com/office/drawing/2014/main" id="{43409852-A292-293D-D0B1-8E0DE361D2C1}"/>
+              </a:ext>
+            </a:extLst>
+          </p:cNvPr>
+          <p:cNvSpPr>
+            <a:spLocks noGrp="1"/>
+          </p:cNvSpPr>
+          <p:nvPr>
+            <p:ph type="body" idx="20"/>
+          </p:nvPr>
+        </p:nvSpPr>
+        <p:spPr>
+          <a:xfrm>
+            <a:off x="9427758" y="3925437"/>
+            <a:ext cx="2245227" cy="343061"/>
+          </a:xfrm>
+        </p:spPr>
+        <p:txBody>
+          <a:bodyPr/>
+          <a:lstStyle/>
+          <a:p>
+            <a:r>
+              <a:rPr lang="it-IT" dirty="0"/>
+              <a:t>Training rete neurale (dati eterogenei)</a:t>
+            </a:r>
+          </a:p>
+        </p:txBody>
+      </p:sp>
+      <mc:AlternateContent xmlns:mc="http://schemas.openxmlformats.org/markup-compatibility/2006" xmlns:a14="http://schemas.microsoft.com/office/drawing/2010/main">
+        <mc:Choice Requires="a14">
+          <p:sp>
+            <p:nvSpPr>
+              <p:cNvPr id="11" name="Segnaposto testo 10">
+                <a:extLst>
+                  <a:ext uri="{FF2B5EF4-FFF2-40B4-BE49-F238E27FC236}">
+                    <a16:creationId xmlns:a16="http://schemas.microsoft.com/office/drawing/2014/main" id="{6D23DE95-5475-4A99-2D9D-B7931A705CB8}"/>
+                  </a:ext>
+                </a:extLst>
+              </p:cNvPr>
+              <p:cNvSpPr>
+                <a:spLocks noGrp="1"/>
+              </p:cNvSpPr>
+              <p:nvPr>
+                <p:ph type="body" idx="21"/>
+              </p:nvPr>
+            </p:nvSpPr>
+            <p:spPr>
+              <a:xfrm>
+                <a:off x="564422" y="4613155"/>
+                <a:ext cx="1845511" cy="774481"/>
+              </a:xfrm>
+            </p:spPr>
+            <p:txBody>
+              <a:bodyPr/>
+              <a:lstStyle/>
+              <a:p>
+                <a:r>
+                  <a:rPr lang="it-IT" dirty="0"/>
+                  <a:t>Accuracy: 55%</a:t>
+                </a:r>
+              </a:p>
+              <a:p>
+                <a:r>
+                  <a:rPr lang="it-IT" dirty="0"/>
+                  <a:t>Epoche: 150</a:t>
+                </a:r>
+              </a:p>
+              <a:p>
+                <a:r>
+                  <a:rPr lang="it-IT" dirty="0"/>
+                  <a:t>Learning Rate: </a:t>
+                </a:r>
+                <a14:m>
+                  <m:oMath xmlns:m="http://schemas.openxmlformats.org/officeDocument/2006/math">
+                    <m:sSup>
+                      <m:sSupPr>
+                        <m:ctrlPr>
+                          <a:rPr lang="it-IT" i="1" dirty="0">
+                            <a:latin typeface="Cambria Math" panose="02040503050406030204" pitchFamily="18" charset="0"/>
+                          </a:rPr>
+                        </m:ctrlPr>
+                      </m:sSupPr>
+                      <m:e>
+                        <m:r>
+                          <a:rPr lang="it-IT" dirty="0">
+                            <a:latin typeface="Cambria Math" panose="02040503050406030204" pitchFamily="18" charset="0"/>
+                          </a:rPr>
+                          <m:t>10</m:t>
+                        </m:r>
+                      </m:e>
+                      <m:sup>
+                        <m:r>
+                          <a:rPr lang="it-IT" dirty="0">
+                            <a:latin typeface="Cambria Math" panose="02040503050406030204" pitchFamily="18" charset="0"/>
+                          </a:rPr>
+                          <m:t>−3</m:t>
+                        </m:r>
+                      </m:sup>
+                    </m:sSup>
+                  </m:oMath>
+                </a14:m>
+                <a:endParaRPr lang="it-IT" dirty="0"/>
+              </a:p>
+            </p:txBody>
+          </p:sp>
+        </mc:Choice>
+        <mc:Fallback xmlns="">
+          <p:sp>
+            <p:nvSpPr>
+              <p:cNvPr id="11" name="Segnaposto testo 10">
+                <a:extLst>
+                  <a:ext uri="{FF2B5EF4-FFF2-40B4-BE49-F238E27FC236}">
+                    <a16:creationId xmlns:a16="http://schemas.microsoft.com/office/drawing/2014/main" id="{6D23DE95-5475-4A99-2D9D-B7931A705CB8}"/>
+                  </a:ext>
+                </a:extLst>
+              </p:cNvPr>
+              <p:cNvSpPr>
+                <a:spLocks noGrp="1" noRot="1" noChangeAspect="1" noMove="1" noResize="1" noEditPoints="1" noAdjustHandles="1" noChangeArrowheads="1" noChangeShapeType="1" noTextEdit="1"/>
+              </p:cNvSpPr>
+              <p:nvPr>
+                <p:ph type="body" idx="21"/>
+              </p:nvPr>
+            </p:nvSpPr>
+            <p:spPr>
+              <a:xfrm>
+                <a:off x="564422" y="4613155"/>
+                <a:ext cx="1845511" cy="774481"/>
+              </a:xfrm>
+              <a:blipFill>
+                <a:blip r:embed="rId5"/>
+                <a:stretch>
+                  <a:fillRect t="-1575" b="-2362"/>
+                </a:stretch>
+              </a:blipFill>
+            </p:spPr>
+            <p:txBody>
+              <a:bodyPr/>
+              <a:lstStyle/>
+              <a:p>
+                <a:r>
+                  <a:rPr lang="it-IT">
+                    <a:noFill/>
+                  </a:rPr>
+                  <a:t> </a:t>
+                </a:r>
+              </a:p>
+            </p:txBody>
+          </p:sp>
+        </mc:Fallback>
+      </mc:AlternateContent>
+      <mc:AlternateContent xmlns:mc="http://schemas.openxmlformats.org/markup-compatibility/2006" xmlns:a14="http://schemas.microsoft.com/office/drawing/2010/main">
+        <mc:Choice Requires="a14">
+          <p:sp>
+            <p:nvSpPr>
+              <p:cNvPr id="12" name="Segnaposto testo 11">
+                <a:extLst>
+                  <a:ext uri="{FF2B5EF4-FFF2-40B4-BE49-F238E27FC236}">
+                    <a16:creationId xmlns:a16="http://schemas.microsoft.com/office/drawing/2014/main" id="{91E62C72-B8C0-CDB5-A8FE-B8783828CE00}"/>
+                  </a:ext>
+                </a:extLst>
+              </p:cNvPr>
+              <p:cNvSpPr>
+                <a:spLocks noGrp="1"/>
+              </p:cNvSpPr>
+              <p:nvPr>
+                <p:ph type="body" idx="22"/>
+              </p:nvPr>
+            </p:nvSpPr>
+            <p:spPr>
+              <a:xfrm>
+                <a:off x="3460663" y="4608301"/>
+                <a:ext cx="2006498" cy="343061"/>
+              </a:xfrm>
+            </p:spPr>
+            <p:txBody>
+              <a:bodyPr/>
+              <a:lstStyle/>
+              <a:p>
+                <a:r>
+                  <a:rPr lang="it-IT" dirty="0" err="1"/>
+                  <a:t>Accuracy</a:t>
+                </a:r>
+                <a:r>
+                  <a:rPr lang="it-IT" dirty="0"/>
+                  <a:t>: 60%</a:t>
+                </a:r>
+              </a:p>
+              <a:p>
+                <a:r>
+                  <a:rPr lang="it-IT" dirty="0"/>
+                  <a:t>Epoche: 150 </a:t>
+                </a:r>
+                <a:r>
+                  <a:rPr lang="it-IT" dirty="0" err="1"/>
+                  <a:t>t.l</a:t>
+                </a:r>
+                <a:r>
+                  <a:rPr lang="it-IT" dirty="0"/>
+                  <a:t>. + 30 f.t.</a:t>
+                </a:r>
+              </a:p>
+              <a:p>
+                <a:r>
+                  <a:rPr lang="it-IT" dirty="0"/>
+                  <a:t>Learning Rate: </a:t>
+                </a:r>
+                <a14:m>
+                  <m:oMath xmlns:m="http://schemas.openxmlformats.org/officeDocument/2006/math">
+                    <m:sSup>
+                      <m:sSupPr>
+                        <m:ctrlPr>
+                          <a:rPr lang="it-IT" i="1">
+                            <a:latin typeface="Cambria Math" panose="02040503050406030204" pitchFamily="18" charset="0"/>
+                          </a:rPr>
+                        </m:ctrlPr>
+                      </m:sSupPr>
+                      <m:e>
+                        <m:r>
+                          <a:rPr lang="it-IT">
+                            <a:latin typeface="Cambria Math" panose="02040503050406030204" pitchFamily="18" charset="0"/>
+                          </a:rPr>
+                          <m:t>10</m:t>
+                        </m:r>
+                      </m:e>
+                      <m:sup>
+                        <m:r>
+                          <a:rPr lang="it-IT">
+                            <a:latin typeface="Cambria Math" panose="02040503050406030204" pitchFamily="18" charset="0"/>
+                          </a:rPr>
+                          <m:t>−3</m:t>
+                        </m:r>
+                      </m:sup>
+                    </m:sSup>
+                  </m:oMath>
+                </a14:m>
+                <a:endParaRPr lang="it-IT" dirty="0"/>
+              </a:p>
+              <a:p>
+                <a:endParaRPr lang="it-IT" dirty="0"/>
+              </a:p>
+            </p:txBody>
+          </p:sp>
+        </mc:Choice>
+        <mc:Fallback xmlns="">
+          <p:sp>
+            <p:nvSpPr>
+              <p:cNvPr id="12" name="Segnaposto testo 11">
+                <a:extLst>
+                  <a:ext uri="{FF2B5EF4-FFF2-40B4-BE49-F238E27FC236}">
+                    <a16:creationId xmlns:a16="http://schemas.microsoft.com/office/drawing/2014/main" id="{91E62C72-B8C0-CDB5-A8FE-B8783828CE00}"/>
+                  </a:ext>
+                </a:extLst>
+              </p:cNvPr>
+              <p:cNvSpPr>
+                <a:spLocks noGrp="1" noRot="1" noChangeAspect="1" noMove="1" noResize="1" noEditPoints="1" noAdjustHandles="1" noChangeArrowheads="1" noChangeShapeType="1" noTextEdit="1"/>
+              </p:cNvSpPr>
+              <p:nvPr>
+                <p:ph type="body" idx="22"/>
+              </p:nvPr>
+            </p:nvSpPr>
+            <p:spPr>
+              <a:xfrm>
+                <a:off x="3460663" y="4608301"/>
+                <a:ext cx="2006498" cy="343061"/>
+              </a:xfrm>
+              <a:blipFill>
+                <a:blip r:embed="rId6"/>
+                <a:stretch>
+                  <a:fillRect t="-3571" b="-130357"/>
+                </a:stretch>
+              </a:blipFill>
+            </p:spPr>
+            <p:txBody>
+              <a:bodyPr/>
+              <a:lstStyle/>
+              <a:p>
+                <a:r>
+                  <a:rPr lang="it-IT">
+                    <a:noFill/>
+                  </a:rPr>
+                  <a:t> </a:t>
+                </a:r>
+              </a:p>
+            </p:txBody>
+          </p:sp>
+        </mc:Fallback>
+      </mc:AlternateContent>
+      <mc:AlternateContent xmlns:mc="http://schemas.openxmlformats.org/markup-compatibility/2006" xmlns:a14="http://schemas.microsoft.com/office/drawing/2010/main">
+        <mc:Choice Requires="a14">
+          <p:sp>
+            <p:nvSpPr>
+              <p:cNvPr id="13" name="Segnaposto testo 12">
+                <a:extLst>
+                  <a:ext uri="{FF2B5EF4-FFF2-40B4-BE49-F238E27FC236}">
+                    <a16:creationId xmlns:a16="http://schemas.microsoft.com/office/drawing/2014/main" id="{8D764539-917E-7D0D-1F43-A4A9616D5C71}"/>
+                  </a:ext>
+                </a:extLst>
+              </p:cNvPr>
+              <p:cNvSpPr>
+                <a:spLocks noGrp="1"/>
+              </p:cNvSpPr>
+              <p:nvPr>
+                <p:ph type="body" idx="23"/>
+              </p:nvPr>
+            </p:nvSpPr>
+            <p:spPr>
+              <a:xfrm>
+                <a:off x="6517892" y="4608301"/>
+                <a:ext cx="2092708" cy="343061"/>
+              </a:xfrm>
+            </p:spPr>
+            <p:txBody>
+              <a:bodyPr/>
+              <a:lstStyle/>
+              <a:p>
+                <a:r>
+                  <a:rPr lang="it-IT" dirty="0" err="1"/>
+                  <a:t>Accuracy</a:t>
+                </a:r>
+                <a:r>
+                  <a:rPr lang="it-IT" dirty="0"/>
+                  <a:t>: 63%</a:t>
+                </a:r>
+              </a:p>
+              <a:p>
+                <a:r>
+                  <a:rPr lang="it-IT" dirty="0"/>
+                  <a:t>Epoche: 150 </a:t>
+                </a:r>
+                <a:r>
+                  <a:rPr lang="it-IT" dirty="0" err="1"/>
+                  <a:t>t.l</a:t>
+                </a:r>
+                <a:r>
+                  <a:rPr lang="it-IT" dirty="0"/>
+                  <a:t>. + 500 f.t.</a:t>
+                </a:r>
+              </a:p>
+              <a:p>
+                <a:r>
+                  <a:rPr lang="it-IT" dirty="0"/>
+                  <a:t>Learning Rate: </a:t>
+                </a:r>
+                <a14:m>
+                  <m:oMath xmlns:m="http://schemas.openxmlformats.org/officeDocument/2006/math">
+                    <m:sSup>
+                      <m:sSupPr>
+                        <m:ctrlPr>
+                          <a:rPr lang="it-IT" i="1">
+                            <a:latin typeface="Cambria Math" panose="02040503050406030204" pitchFamily="18" charset="0"/>
+                          </a:rPr>
+                        </m:ctrlPr>
+                      </m:sSupPr>
+                      <m:e>
+                        <m:r>
+                          <a:rPr lang="it-IT">
+                            <a:latin typeface="Cambria Math" panose="02040503050406030204" pitchFamily="18" charset="0"/>
+                          </a:rPr>
+                          <m:t>10</m:t>
+                        </m:r>
+                      </m:e>
+                      <m:sup>
+                        <m:r>
+                          <a:rPr lang="it-IT">
+                            <a:latin typeface="Cambria Math" panose="02040503050406030204" pitchFamily="18" charset="0"/>
+                          </a:rPr>
+                          <m:t>−3</m:t>
+                        </m:r>
+                      </m:sup>
+                    </m:sSup>
+                  </m:oMath>
+                </a14:m>
+                <a:endParaRPr lang="it-IT" dirty="0"/>
+              </a:p>
+              <a:p>
+                <a:endParaRPr lang="it-IT" dirty="0"/>
+              </a:p>
+            </p:txBody>
+          </p:sp>
+        </mc:Choice>
+        <mc:Fallback xmlns="">
+          <p:sp>
+            <p:nvSpPr>
+              <p:cNvPr id="13" name="Segnaposto testo 12">
+                <a:extLst>
+                  <a:ext uri="{FF2B5EF4-FFF2-40B4-BE49-F238E27FC236}">
+                    <a16:creationId xmlns:a16="http://schemas.microsoft.com/office/drawing/2014/main" id="{8D764539-917E-7D0D-1F43-A4A9616D5C71}"/>
+                  </a:ext>
+                </a:extLst>
+              </p:cNvPr>
+              <p:cNvSpPr>
+                <a:spLocks noGrp="1" noRot="1" noChangeAspect="1" noMove="1" noResize="1" noEditPoints="1" noAdjustHandles="1" noChangeArrowheads="1" noChangeShapeType="1" noTextEdit="1"/>
+              </p:cNvSpPr>
+              <p:nvPr>
+                <p:ph type="body" idx="23"/>
+              </p:nvPr>
+            </p:nvSpPr>
+            <p:spPr>
+              <a:xfrm>
+                <a:off x="6517892" y="4608301"/>
+                <a:ext cx="2092708" cy="343061"/>
+              </a:xfrm>
+              <a:blipFill>
+                <a:blip r:embed="rId7"/>
+                <a:stretch>
+                  <a:fillRect t="-3571" b="-130357"/>
+                </a:stretch>
+              </a:blipFill>
+            </p:spPr>
+            <p:txBody>
+              <a:bodyPr/>
+              <a:lstStyle/>
+              <a:p>
+                <a:r>
+                  <a:rPr lang="it-IT">
+                    <a:noFill/>
+                  </a:rPr>
+                  <a:t> </a:t>
+                </a:r>
+              </a:p>
+            </p:txBody>
+          </p:sp>
+        </mc:Fallback>
+      </mc:AlternateContent>
+      <mc:AlternateContent xmlns:mc="http://schemas.openxmlformats.org/markup-compatibility/2006" xmlns:a14="http://schemas.microsoft.com/office/drawing/2010/main">
+        <mc:Choice Requires="a14">
+          <p:sp>
+            <p:nvSpPr>
+              <p:cNvPr id="14" name="Segnaposto testo 13">
+                <a:extLst>
+                  <a:ext uri="{FF2B5EF4-FFF2-40B4-BE49-F238E27FC236}">
+                    <a16:creationId xmlns:a16="http://schemas.microsoft.com/office/drawing/2014/main" id="{7A2406DB-7D0D-0983-9454-F91F957BE9EE}"/>
+                  </a:ext>
+                </a:extLst>
+              </p:cNvPr>
+              <p:cNvSpPr>
+                <a:spLocks noGrp="1"/>
+              </p:cNvSpPr>
+              <p:nvPr>
+                <p:ph type="body" idx="24"/>
+              </p:nvPr>
+            </p:nvSpPr>
+            <p:spPr>
+              <a:xfrm>
+                <a:off x="9661331" y="4608300"/>
+                <a:ext cx="1845510" cy="343061"/>
+              </a:xfrm>
+            </p:spPr>
+            <p:txBody>
+              <a:bodyPr/>
+              <a:lstStyle/>
+              <a:p>
+                <a:r>
+                  <a:rPr lang="it-IT" dirty="0" err="1"/>
+                  <a:t>Accuracy</a:t>
+                </a:r>
+                <a:r>
+                  <a:rPr lang="it-IT" dirty="0"/>
+                  <a:t>: 82%</a:t>
+                </a:r>
+              </a:p>
+              <a:p>
+                <a:r>
+                  <a:rPr lang="it-IT" dirty="0"/>
+                  <a:t>Epoche: 450</a:t>
+                </a:r>
+              </a:p>
+              <a:p>
+                <a:r>
+                  <a:rPr lang="it-IT" dirty="0"/>
+                  <a:t>Learning Rate: </a:t>
+                </a:r>
+                <a14:m>
+                  <m:oMath xmlns:m="http://schemas.openxmlformats.org/officeDocument/2006/math">
+                    <m:sSup>
+                      <m:sSupPr>
+                        <m:ctrlPr>
+                          <a:rPr lang="it-IT" i="1">
+                            <a:latin typeface="Cambria Math" panose="02040503050406030204" pitchFamily="18" charset="0"/>
+                          </a:rPr>
+                        </m:ctrlPr>
+                      </m:sSupPr>
+                      <m:e>
+                        <m:r>
+                          <a:rPr lang="it-IT">
+                            <a:latin typeface="Cambria Math" panose="02040503050406030204" pitchFamily="18" charset="0"/>
+                          </a:rPr>
+                          <m:t>10</m:t>
+                        </m:r>
+                      </m:e>
+                      <m:sup>
+                        <m:r>
+                          <a:rPr lang="it-IT">
+                            <a:latin typeface="Cambria Math" panose="02040503050406030204" pitchFamily="18" charset="0"/>
+                          </a:rPr>
+                          <m:t>−3</m:t>
+                        </m:r>
+                      </m:sup>
+                    </m:sSup>
+                  </m:oMath>
+                </a14:m>
+                <a:endParaRPr lang="it-IT" dirty="0"/>
+              </a:p>
+              <a:p>
+                <a:endParaRPr lang="it-IT" u="sng" dirty="0"/>
+              </a:p>
+            </p:txBody>
+          </p:sp>
+        </mc:Choice>
+        <mc:Fallback xmlns="">
+          <p:sp>
+            <p:nvSpPr>
+              <p:cNvPr id="14" name="Segnaposto testo 13">
+                <a:extLst>
+                  <a:ext uri="{FF2B5EF4-FFF2-40B4-BE49-F238E27FC236}">
+                    <a16:creationId xmlns:a16="http://schemas.microsoft.com/office/drawing/2014/main" id="{7A2406DB-7D0D-0983-9454-F91F957BE9EE}"/>
+                  </a:ext>
+                </a:extLst>
+              </p:cNvPr>
+              <p:cNvSpPr>
+                <a:spLocks noGrp="1" noRot="1" noChangeAspect="1" noMove="1" noResize="1" noEditPoints="1" noAdjustHandles="1" noChangeArrowheads="1" noChangeShapeType="1" noTextEdit="1"/>
+              </p:cNvSpPr>
+              <p:nvPr>
+                <p:ph type="body" idx="24"/>
+              </p:nvPr>
+            </p:nvSpPr>
+            <p:spPr>
+              <a:xfrm>
+                <a:off x="9661331" y="4608300"/>
+                <a:ext cx="1845510" cy="343061"/>
+              </a:xfrm>
+              <a:blipFill>
+                <a:blip r:embed="rId8"/>
+                <a:stretch>
+                  <a:fillRect t="-3571" b="-130357"/>
+                </a:stretch>
+              </a:blipFill>
+            </p:spPr>
+            <p:txBody>
+              <a:bodyPr/>
+              <a:lstStyle/>
+              <a:p>
+                <a:r>
+                  <a:rPr lang="it-IT">
+                    <a:noFill/>
+                  </a:rPr>
+                  <a:t> </a:t>
+                </a:r>
+              </a:p>
+            </p:txBody>
+          </p:sp>
+        </mc:Fallback>
+      </mc:AlternateContent>
+      <p:sp>
+        <p:nvSpPr>
+          <p:cNvPr id="17" name="Segnaposto numero diapositiva 16">
+            <a:extLst>
+              <a:ext uri="{FF2B5EF4-FFF2-40B4-BE49-F238E27FC236}">
+                <a16:creationId xmlns:a16="http://schemas.microsoft.com/office/drawing/2014/main" id="{AD202060-059C-BD34-8804-1ADF0A626494}"/>
+              </a:ext>
+            </a:extLst>
+          </p:cNvPr>
+          <p:cNvSpPr>
+            <a:spLocks noGrp="1"/>
+          </p:cNvSpPr>
+          <p:nvPr>
+            <p:ph type="sldNum" sz="quarter" idx="12"/>
+          </p:nvPr>
+        </p:nvSpPr>
+        <p:spPr/>
+        <p:txBody>
+          <a:bodyPr/>
+          <a:lstStyle/>
+          <a:p>
+            <a:pPr rtl="0"/>
+            <a:fld id="{B5CEABB6-07DC-46E8-9B57-56EC44A396E5}" type="slidenum">
+              <a:rPr lang="it-IT" noProof="0" smtClean="0"/>
+              <a:t>8</a:t>
+            </a:fld>
+            <a:endParaRPr lang="it-IT" noProof="0"/>
+          </a:p>
+        </p:txBody>
+      </p:sp>
+      <p:pic>
+        <p:nvPicPr>
+          <p:cNvPr id="29" name="Segnaposto immagine 28">
+            <a:extLst>
+              <a:ext uri="{FF2B5EF4-FFF2-40B4-BE49-F238E27FC236}">
+                <a16:creationId xmlns:a16="http://schemas.microsoft.com/office/drawing/2014/main" id="{73812CE8-4524-F626-8041-BC2326A4A71F}"/>
+              </a:ext>
+            </a:extLst>
+          </p:cNvPr>
+          <p:cNvPicPr>
+            <a:picLocks noGrp="1" noChangeAspect="1"/>
+          </p:cNvPicPr>
+          <p:nvPr>
+            <p:ph type="pic" sz="quarter" idx="16"/>
+          </p:nvPr>
+        </p:nvPicPr>
+        <p:blipFill rotWithShape="1">
+          <a:blip r:embed="rId9"/>
+          <a:srcRect t="54716" r="21792" b="94"/>
+          <a:stretch/>
+        </p:blipFill>
+        <p:spPr>
+          <a:xfrm>
+            <a:off x="5986331" y="1170644"/>
+            <a:ext cx="2898000" cy="2770016"/>
+          </a:xfrm>
+        </p:spPr>
+      </p:pic>
     </p:spTree>
     <p:extLst>
       <p:ext uri="{BB962C8B-B14F-4D97-AF65-F5344CB8AC3E}">
-        <p14:creationId xmlns:p14="http://schemas.microsoft.com/office/powerpoint/2010/main" val="4151694508"/>
+        <p14:creationId xmlns:p14="http://schemas.microsoft.com/office/powerpoint/2010/main" val="2737383872"/>
       </p:ext>
     </p:extLst>
   </p:cSld>
@@ -20083,110 +20143,68 @@
       </p:grpSpPr>
       <p:sp>
         <p:nvSpPr>
-          <p:cNvPr id="3" name="Segnaposto contenuto 2">
-            <a:extLst>
-              <a:ext uri="{FF2B5EF4-FFF2-40B4-BE49-F238E27FC236}">
-                <a16:creationId xmlns:a16="http://schemas.microsoft.com/office/drawing/2014/main" id="{9B1DDDEF-20C4-4F65-BAC9-0A763DF7E02B}"/>
-              </a:ext>
-            </a:extLst>
-          </p:cNvPr>
-          <p:cNvSpPr>
-            <a:spLocks noGrp="1"/>
-          </p:cNvSpPr>
-          <p:nvPr>
-            <p:ph type="body" sz="quarter" idx="13"/>
-          </p:nvPr>
-        </p:nvSpPr>
-        <p:spPr>
-          <a:xfrm>
-            <a:off x="5586487" y="1563907"/>
-            <a:ext cx="5433204" cy="365125"/>
-          </a:xfrm>
-        </p:spPr>
-        <p:txBody>
-          <a:bodyPr vert="horz" lIns="91440" tIns="45720" rIns="91440" bIns="45720" rtlCol="0" anchor="t">
-            <a:normAutofit/>
-          </a:bodyPr>
+          <p:cNvPr id="2" name="Titolo 1">
+            <a:extLst>
+              <a:ext uri="{FF2B5EF4-FFF2-40B4-BE49-F238E27FC236}">
+                <a16:creationId xmlns:a16="http://schemas.microsoft.com/office/drawing/2014/main" id="{7514856B-C825-D1D8-9463-F5CB64FEDE2B}"/>
+              </a:ext>
+            </a:extLst>
+          </p:cNvPr>
+          <p:cNvSpPr>
+            <a:spLocks noGrp="1"/>
+          </p:cNvSpPr>
+          <p:nvPr>
+            <p:ph type="ctrTitle"/>
+          </p:nvPr>
+        </p:nvSpPr>
+        <p:spPr>
+          <a:xfrm>
+            <a:off x="4662855" y="454774"/>
+            <a:ext cx="4179570" cy="1524735"/>
+          </a:xfrm>
+        </p:spPr>
+        <p:txBody>
+          <a:bodyPr/>
           <a:lstStyle/>
           <a:p>
-            <a:pPr rtl="0"/>
-            <a:r>
-              <a:rPr lang="it-IT" sz="1900" cap="none" dirty="0"/>
-              <a:t>Evaluation e </a:t>
-            </a:r>
-            <a:r>
-              <a:rPr lang="it-IT" sz="1900" cap="none" dirty="0" err="1"/>
-              <a:t>Prediction</a:t>
-            </a:r>
-            <a:endParaRPr lang="it-IT" sz="1900" cap="none" dirty="0"/>
-          </a:p>
-        </p:txBody>
-      </p:sp>
-      <p:sp>
-        <p:nvSpPr>
-          <p:cNvPr id="17" name="Segnaposto testo 16">
-            <a:extLst>
-              <a:ext uri="{FF2B5EF4-FFF2-40B4-BE49-F238E27FC236}">
-                <a16:creationId xmlns:a16="http://schemas.microsoft.com/office/drawing/2014/main" id="{24158E79-DA49-4521-BEC6-A7BA93C41F4C}"/>
-              </a:ext>
-            </a:extLst>
-          </p:cNvPr>
-          <p:cNvSpPr>
-            <a:spLocks noGrp="1"/>
-          </p:cNvSpPr>
-          <p:nvPr>
-            <p:ph type="body" sz="quarter" idx="15"/>
-          </p:nvPr>
-        </p:nvSpPr>
-        <p:spPr>
-          <a:xfrm>
-            <a:off x="5587720" y="2196911"/>
-            <a:ext cx="5431971" cy="3781859"/>
-          </a:xfrm>
-        </p:spPr>
-        <p:txBody>
-          <a:bodyPr rtlCol="0">
-            <a:normAutofit/>
-          </a:bodyPr>
+            <a:r>
+              <a:rPr lang="it-IT" dirty="0"/>
+              <a:t>Conclusioni</a:t>
+            </a:r>
+          </a:p>
+        </p:txBody>
+      </p:sp>
+      <p:sp>
+        <p:nvSpPr>
+          <p:cNvPr id="3" name="Sottotitolo 2">
+            <a:extLst>
+              <a:ext uri="{FF2B5EF4-FFF2-40B4-BE49-F238E27FC236}">
+                <a16:creationId xmlns:a16="http://schemas.microsoft.com/office/drawing/2014/main" id="{2DDAA7EA-DA94-0F1B-B532-6ECE87C91AEE}"/>
+              </a:ext>
+            </a:extLst>
+          </p:cNvPr>
+          <p:cNvSpPr>
+            <a:spLocks noGrp="1"/>
+          </p:cNvSpPr>
+          <p:nvPr>
+            <p:ph type="subTitle" idx="1"/>
+          </p:nvPr>
+        </p:nvSpPr>
+        <p:spPr>
+          <a:xfrm>
+            <a:off x="4082561" y="2262157"/>
+            <a:ext cx="4179570" cy="2004161"/>
+          </a:xfrm>
+        </p:spPr>
+        <p:txBody>
+          <a:bodyPr/>
           <a:lstStyle/>
           <a:p>
-            <a:pPr rtl="0"/>
-            <a:r>
-              <a:rPr lang="it-IT" spc="50" dirty="0"/>
-              <a:t>Terminata la fase di training, si è passati ad una valutazione del modello mediante l’uso di un dataset di test.</a:t>
-            </a:r>
-          </a:p>
-          <a:p>
-            <a:pPr rtl="0"/>
-            <a:r>
-              <a:rPr lang="it-IT" spc="50" dirty="0"/>
-              <a:t>Tale dataset è diverso dal dataset di partenza, ma contiene la stessa tipologia di dati.</a:t>
-            </a:r>
-          </a:p>
-          <a:p>
-            <a:pPr rtl="0"/>
-            <a:r>
-              <a:rPr lang="it-IT" spc="50" dirty="0"/>
-              <a:t>In questa fase quello che si chiede alla rete è, partendo da degli input di cui non sappiamo la label, identificare una label in base alle conoscenze acquisite nella fase di training.</a:t>
-            </a:r>
-          </a:p>
-          <a:p>
-            <a:pPr rtl="0"/>
-            <a:r>
-              <a:rPr lang="it-IT" spc="50" dirty="0"/>
-              <a:t>Le previsioni effettuate dalla rete sono restituite sotto forma di un array. </a:t>
-            </a:r>
-          </a:p>
-          <a:p>
-            <a:pPr rtl="0"/>
-            <a:r>
-              <a:rPr lang="it-IT" spc="50" dirty="0"/>
-              <a:t>Tale array contiene un valore che può essere o 0 (MILD) o 1 (SEVERE) e rappresenta la label associata all’immagine presa come input. </a:t>
-            </a:r>
-          </a:p>
-          <a:p>
-            <a:pPr rtl="0"/>
-            <a:endParaRPr lang="it-IT" dirty="0"/>
+            <a:pPr algn="ctr"/>
+            <a:r>
+              <a:rPr lang="it-IT" dirty="0"/>
+              <a:t>Si può osservare che l’uso di tecniche come fine tuning, transfer learning e data augmentation aiutano la rete a performare meglio, tuttavia la rete neurale che sfrutta l’uso di immagini e metadati è la migliore.</a:t>
+            </a:r>
           </a:p>
         </p:txBody>
       </p:sp>
@@ -20195,7 +20213,7 @@
           <p:cNvPr id="6" name="Segnaposto numero diapositiva 5">
             <a:extLst>
               <a:ext uri="{FF2B5EF4-FFF2-40B4-BE49-F238E27FC236}">
-                <a16:creationId xmlns:a16="http://schemas.microsoft.com/office/drawing/2014/main" id="{BA32F697-D1D4-4B0A-B960-D1869BF8607A}"/>
+                <a16:creationId xmlns:a16="http://schemas.microsoft.com/office/drawing/2014/main" id="{C1AD76C2-33B5-5BEE-6BF8-9857F55B4314}"/>
               </a:ext>
             </a:extLst>
           </p:cNvPr>
@@ -20206,30 +20224,24 @@
             <p:ph type="sldNum" sz="quarter" idx="12"/>
           </p:nvPr>
         </p:nvSpPr>
-        <p:spPr>
-          <a:xfrm>
-            <a:off x="8610600" y="6356350"/>
-            <a:ext cx="2743200" cy="365125"/>
-          </a:xfrm>
-        </p:spPr>
-        <p:txBody>
-          <a:bodyPr rtlCol="0"/>
+        <p:spPr/>
+        <p:txBody>
+          <a:bodyPr/>
           <a:lstStyle/>
           <a:p>
             <a:pPr rtl="0"/>
             <a:fld id="{B5CEABB6-07DC-46E8-9B57-56EC44A396E5}" type="slidenum">
-              <a:rPr lang="it-IT" smtClean="0"/>
-              <a:pPr rtl="0"/>
+              <a:rPr lang="it-IT" noProof="0" smtClean="0"/>
               <a:t>9</a:t>
             </a:fld>
-            <a:endParaRPr lang="it-IT"/>
+            <a:endParaRPr lang="it-IT" noProof="0"/>
           </a:p>
         </p:txBody>
       </p:sp>
     </p:spTree>
     <p:extLst>
       <p:ext uri="{BB962C8B-B14F-4D97-AF65-F5344CB8AC3E}">
-        <p14:creationId xmlns:p14="http://schemas.microsoft.com/office/powerpoint/2010/main" val="1472106130"/>
+        <p14:creationId xmlns:p14="http://schemas.microsoft.com/office/powerpoint/2010/main" val="382321036"/>
       </p:ext>
     </p:extLst>
   </p:cSld>
@@ -21050,6 +21062,15 @@
 </file>
 
 <file path=customXml/item2.xml><?xml version="1.0" encoding="utf-8"?>
+<?mso-contentType ?>
+<FormTemplates xmlns="http://schemas.microsoft.com/sharepoint/v3/contenttype/forms">
+  <Display>DocumentLibraryForm</Display>
+  <Edit>DocumentLibraryForm</Edit>
+  <New>DocumentLibraryForm</New>
+</FormTemplates>
+</file>
+
+<file path=customXml/item3.xml><?xml version="1.0" encoding="utf-8"?>
 <ct:contentTypeSchema xmlns:ct="http://schemas.microsoft.com/office/2006/metadata/contentType" xmlns:ma="http://schemas.microsoft.com/office/2006/metadata/properties/metaAttributes" ct:_="" ma:_="" ma:contentTypeName="Document" ma:contentTypeID="0x01010079F111ED35F8CC479449609E8A0923A6" ma:contentTypeVersion="20" ma:contentTypeDescription="Create a new document." ma:contentTypeScope="" ma:versionID="1267097ee5f5874adfcc408041ae252e">
   <xsd:schema xmlns:xsd="http://www.w3.org/2001/XMLSchema" xmlns:xs="http://www.w3.org/2001/XMLSchema" xmlns:p="http://schemas.microsoft.com/office/2006/metadata/properties" xmlns:ns1="http://schemas.microsoft.com/sharepoint/v3" xmlns:ns2="71af3243-3dd4-4a8d-8c0d-dd76da1f02a5" xmlns:ns3="16c05727-aa75-4e4a-9b5f-8a80a1165891" xmlns:ns4="230e9df3-be65-4c73-a93b-d1236ebd677e" targetNamespace="http://schemas.microsoft.com/office/2006/metadata/properties" ma:root="true" ma:fieldsID="395891a93df65b14727750f2c06c306c" ns1:_="" ns2:_="" ns3:_="" ns4:_="">
     <xsd:import namespace="http://schemas.microsoft.com/sharepoint/v3"/>
@@ -21325,15 +21346,6 @@
 </ct:contentTypeSchema>
 </file>
 
-<file path=customXml/item3.xml><?xml version="1.0" encoding="utf-8"?>
-<?mso-contentType ?>
-<FormTemplates xmlns="http://schemas.microsoft.com/sharepoint/v3/contenttype/forms">
-  <Display>DocumentLibraryForm</Display>
-  <Edit>DocumentLibraryForm</Edit>
-  <New>DocumentLibraryForm</New>
-</FormTemplates>
-</file>
-
 <file path=customXml/itemProps1.xml><?xml version="1.0" encoding="utf-8"?>
 <ds:datastoreItem xmlns:ds="http://schemas.openxmlformats.org/officeDocument/2006/customXml" ds:itemID="{7F97B18F-50BC-4F30-8373-93489E845F83}">
   <ds:schemaRefs>
@@ -21347,6 +21359,14 @@
 </file>
 
 <file path=customXml/itemProps2.xml><?xml version="1.0" encoding="utf-8"?>
+<ds:datastoreItem xmlns:ds="http://schemas.openxmlformats.org/officeDocument/2006/customXml" ds:itemID="{42BC90D6-94CF-42F7-AAC4-9CF6824C54D5}">
+  <ds:schemaRefs>
+    <ds:schemaRef ds:uri="http://schemas.microsoft.com/sharepoint/v3/contenttype/forms"/>
+  </ds:schemaRefs>
+</ds:datastoreItem>
+</file>
+
+<file path=customXml/itemProps3.xml><?xml version="1.0" encoding="utf-8"?>
 <ds:datastoreItem xmlns:ds="http://schemas.openxmlformats.org/officeDocument/2006/customXml" ds:itemID="{64CF2EF3-001F-4BE9-81B3-86ECBBF9425F}">
   <ds:schemaRefs>
     <ds:schemaRef ds:uri="http://schemas.microsoft.com/office/2006/metadata/contentType"/>
@@ -21367,14 +21387,6 @@
 </ds:datastoreItem>
 </file>
 
-<file path=customXml/itemProps3.xml><?xml version="1.0" encoding="utf-8"?>
-<ds:datastoreItem xmlns:ds="http://schemas.openxmlformats.org/officeDocument/2006/customXml" ds:itemID="{42BC90D6-94CF-42F7-AAC4-9CF6824C54D5}">
-  <ds:schemaRefs>
-    <ds:schemaRef ds:uri="http://schemas.microsoft.com/sharepoint/v3/contenttype/forms"/>
-  </ds:schemaRefs>
-</ds:datastoreItem>
-</file>
-
 <file path=docMetadata/LabelInfo.xml><?xml version="1.0" encoding="utf-8"?>
 <clbl:labelList xmlns:clbl="http://schemas.microsoft.com/office/2020/mipLabelMetadata">
   <clbl:label id="{f42aa342-8706-4288-bd11-ebb85995028c}" enabled="1" method="Standard" siteId="{72f988bf-86f1-41af-91ab-2d7cd011db47}" removed="0"/>

--- a/presentazione_tesi.pptx
+++ b/presentazione_tesi.pptx
@@ -248,7 +248,7 @@
             <a:pPr rtl="0"/>
             <a:fld id="{DBC54730-5EBA-4920-A6C4-7F8458A7F940}" type="datetime1">
               <a:rPr lang="it-IT" smtClean="0"/>
-              <a:t>25/09/2022</a:t>
+              <a:t>29/09/2022</a:t>
             </a:fld>
             <a:endParaRPr lang="it-IT"/>
           </a:p>
@@ -430,7 +430,7 @@
             <a:fld id="{85EC1C34-318D-43A8-83F5-3AC8647FE75E}" type="datetime1">
               <a:rPr lang="it-IT" smtClean="0"/>
               <a:pPr/>
-              <a:t>25/09/2022</a:t>
+              <a:t>29/09/2022</a:t>
             </a:fld>
             <a:endParaRPr lang="it-IT" dirty="0"/>
           </a:p>
@@ -16128,8 +16128,8 @@
         </p:nvSpPr>
         <p:spPr>
           <a:xfrm>
-            <a:off x="3312883" y="2596810"/>
-            <a:ext cx="7868273" cy="1477328"/>
+            <a:off x="2937744" y="1844527"/>
+            <a:ext cx="8416055" cy="1477328"/>
           </a:xfrm>
         </p:spPr>
         <p:txBody>
@@ -16139,21 +16139,7 @@
             <a:pPr algn="ctr"/>
             <a:r>
               <a:rPr lang="it-IT" sz="4000" cap="none" dirty="0"/>
-              <a:t>Classificazione della severità di patologia da</a:t>
-            </a:r>
-            <a:br>
-              <a:rPr lang="it-IT" sz="4000" cap="none" dirty="0"/>
-            </a:br>
-            <a:r>
-              <a:rPr lang="it-IT" sz="4000" cap="none" dirty="0"/>
-              <a:t>Covid-19 mediante Transfer Learning su</a:t>
-            </a:r>
-            <a:br>
-              <a:rPr lang="it-IT" sz="4000" cap="none" dirty="0"/>
-            </a:br>
-            <a:r>
-              <a:rPr lang="it-IT" sz="4000" cap="none" dirty="0"/>
-              <a:t>dataset eterogeneo</a:t>
+              <a:t>Classificazione della severità di patologia da Covid-19 mediante Transfer Learning su dataset eterogeneo</a:t>
             </a:r>
           </a:p>
         </p:txBody>
@@ -16306,7 +16292,7 @@
         </p:nvSpPr>
         <p:spPr>
           <a:xfrm>
-            <a:off x="4460160" y="304800"/>
+            <a:off x="5012625" y="304800"/>
             <a:ext cx="4266291" cy="369332"/>
           </a:xfrm>
           <a:prstGeom prst="rect">
@@ -16320,6 +16306,7 @@
           </a:bodyPr>
           <a:lstStyle/>
           <a:p>
+            <a:pPr algn="ctr"/>
             <a:r>
               <a:rPr lang="it-IT" dirty="0" err="1"/>
               <a:t>CdL</a:t>
@@ -17755,8 +17742,8 @@
         </p:nvSpPr>
         <p:spPr>
           <a:xfrm>
-            <a:off x="1885156" y="-43961"/>
-            <a:ext cx="8421688" cy="1325563"/>
+            <a:off x="1348981" y="-8307"/>
+            <a:ext cx="10843019" cy="1325563"/>
           </a:xfrm>
         </p:spPr>
         <p:txBody>
@@ -17767,7 +17754,7 @@
           <a:p>
             <a:r>
               <a:rPr lang="it-IT" dirty="0"/>
-              <a:t>Allenamento della rete convoluzionale</a:t>
+              <a:t>Allenamento rete convoluzionale mediante immagini</a:t>
             </a:r>
           </a:p>
         </p:txBody>
@@ -19528,531 +19515,205 @@
           </a:p>
         </p:txBody>
       </p:sp>
-      <mc:AlternateContent xmlns:mc="http://schemas.openxmlformats.org/markup-compatibility/2006" xmlns:a14="http://schemas.microsoft.com/office/drawing/2010/main">
-        <mc:Choice Requires="a14">
-          <p:sp>
-            <p:nvSpPr>
-              <p:cNvPr id="11" name="Segnaposto testo 10">
-                <a:extLst>
-                  <a:ext uri="{FF2B5EF4-FFF2-40B4-BE49-F238E27FC236}">
-                    <a16:creationId xmlns:a16="http://schemas.microsoft.com/office/drawing/2014/main" id="{6D23DE95-5475-4A99-2D9D-B7931A705CB8}"/>
-                  </a:ext>
-                </a:extLst>
-              </p:cNvPr>
-              <p:cNvSpPr>
-                <a:spLocks noGrp="1"/>
-              </p:cNvSpPr>
-              <p:nvPr>
-                <p:ph type="body" idx="21"/>
-              </p:nvPr>
-            </p:nvSpPr>
-            <p:spPr>
-              <a:xfrm>
-                <a:off x="564422" y="4613155"/>
-                <a:ext cx="1845511" cy="774481"/>
-              </a:xfrm>
-            </p:spPr>
-            <p:txBody>
-              <a:bodyPr/>
-              <a:lstStyle/>
-              <a:p>
-                <a:r>
-                  <a:rPr lang="it-IT" dirty="0"/>
-                  <a:t>Accuracy: 55%</a:t>
-                </a:r>
-              </a:p>
-              <a:p>
-                <a:r>
-                  <a:rPr lang="it-IT" dirty="0"/>
-                  <a:t>Epoche: 150</a:t>
-                </a:r>
-              </a:p>
-              <a:p>
-                <a:r>
-                  <a:rPr lang="it-IT" dirty="0"/>
-                  <a:t>Learning Rate: </a:t>
-                </a:r>
-                <a14:m>
-                  <m:oMath xmlns:m="http://schemas.openxmlformats.org/officeDocument/2006/math">
-                    <m:sSup>
-                      <m:sSupPr>
-                        <m:ctrlPr>
-                          <a:rPr lang="it-IT" i="1" dirty="0">
-                            <a:latin typeface="Cambria Math" panose="02040503050406030204" pitchFamily="18" charset="0"/>
-                          </a:rPr>
-                        </m:ctrlPr>
-                      </m:sSupPr>
-                      <m:e>
-                        <m:r>
-                          <a:rPr lang="it-IT" dirty="0">
-                            <a:latin typeface="Cambria Math" panose="02040503050406030204" pitchFamily="18" charset="0"/>
-                          </a:rPr>
-                          <m:t>10</m:t>
-                        </m:r>
-                      </m:e>
-                      <m:sup>
-                        <m:r>
-                          <a:rPr lang="it-IT" dirty="0">
-                            <a:latin typeface="Cambria Math" panose="02040503050406030204" pitchFamily="18" charset="0"/>
-                          </a:rPr>
-                          <m:t>−3</m:t>
-                        </m:r>
-                      </m:sup>
-                    </m:sSup>
-                  </m:oMath>
-                </a14:m>
-                <a:endParaRPr lang="it-IT" dirty="0"/>
-              </a:p>
-            </p:txBody>
-          </p:sp>
-        </mc:Choice>
-        <mc:Fallback xmlns="">
-          <p:sp>
-            <p:nvSpPr>
-              <p:cNvPr id="11" name="Segnaposto testo 10">
-                <a:extLst>
-                  <a:ext uri="{FF2B5EF4-FFF2-40B4-BE49-F238E27FC236}">
-                    <a16:creationId xmlns:a16="http://schemas.microsoft.com/office/drawing/2014/main" id="{6D23DE95-5475-4A99-2D9D-B7931A705CB8}"/>
-                  </a:ext>
-                </a:extLst>
-              </p:cNvPr>
-              <p:cNvSpPr>
-                <a:spLocks noGrp="1" noRot="1" noChangeAspect="1" noMove="1" noResize="1" noEditPoints="1" noAdjustHandles="1" noChangeArrowheads="1" noChangeShapeType="1" noTextEdit="1"/>
-              </p:cNvSpPr>
-              <p:nvPr>
-                <p:ph type="body" idx="21"/>
-              </p:nvPr>
-            </p:nvSpPr>
-            <p:spPr>
-              <a:xfrm>
-                <a:off x="564422" y="4613155"/>
-                <a:ext cx="1845511" cy="774481"/>
-              </a:xfrm>
-              <a:blipFill>
-                <a:blip r:embed="rId5"/>
-                <a:stretch>
-                  <a:fillRect t="-1575" b="-2362"/>
-                </a:stretch>
-              </a:blipFill>
-            </p:spPr>
-            <p:txBody>
-              <a:bodyPr/>
-              <a:lstStyle/>
-              <a:p>
-                <a:r>
-                  <a:rPr lang="it-IT">
-                    <a:noFill/>
-                  </a:rPr>
-                  <a:t> </a:t>
-                </a:r>
-              </a:p>
-            </p:txBody>
-          </p:sp>
-        </mc:Fallback>
-      </mc:AlternateContent>
-      <mc:AlternateContent xmlns:mc="http://schemas.openxmlformats.org/markup-compatibility/2006" xmlns:a14="http://schemas.microsoft.com/office/drawing/2010/main">
-        <mc:Choice Requires="a14">
-          <p:sp>
-            <p:nvSpPr>
-              <p:cNvPr id="12" name="Segnaposto testo 11">
-                <a:extLst>
-                  <a:ext uri="{FF2B5EF4-FFF2-40B4-BE49-F238E27FC236}">
-                    <a16:creationId xmlns:a16="http://schemas.microsoft.com/office/drawing/2014/main" id="{91E62C72-B8C0-CDB5-A8FE-B8783828CE00}"/>
-                  </a:ext>
-                </a:extLst>
-              </p:cNvPr>
-              <p:cNvSpPr>
-                <a:spLocks noGrp="1"/>
-              </p:cNvSpPr>
-              <p:nvPr>
-                <p:ph type="body" idx="22"/>
-              </p:nvPr>
-            </p:nvSpPr>
-            <p:spPr>
-              <a:xfrm>
-                <a:off x="3460663" y="4608301"/>
-                <a:ext cx="2006498" cy="343061"/>
-              </a:xfrm>
-            </p:spPr>
-            <p:txBody>
-              <a:bodyPr/>
-              <a:lstStyle/>
-              <a:p>
-                <a:r>
-                  <a:rPr lang="it-IT" dirty="0" err="1"/>
-                  <a:t>Accuracy</a:t>
-                </a:r>
-                <a:r>
-                  <a:rPr lang="it-IT" dirty="0"/>
-                  <a:t>: 60%</a:t>
-                </a:r>
-              </a:p>
-              <a:p>
-                <a:r>
-                  <a:rPr lang="it-IT" dirty="0"/>
-                  <a:t>Epoche: 150 </a:t>
-                </a:r>
-                <a:r>
-                  <a:rPr lang="it-IT" dirty="0" err="1"/>
-                  <a:t>t.l</a:t>
-                </a:r>
-                <a:r>
-                  <a:rPr lang="it-IT" dirty="0"/>
-                  <a:t>. + 30 f.t.</a:t>
-                </a:r>
-              </a:p>
-              <a:p>
-                <a:r>
-                  <a:rPr lang="it-IT" dirty="0"/>
-                  <a:t>Learning Rate: </a:t>
-                </a:r>
-                <a14:m>
-                  <m:oMath xmlns:m="http://schemas.openxmlformats.org/officeDocument/2006/math">
-                    <m:sSup>
-                      <m:sSupPr>
-                        <m:ctrlPr>
-                          <a:rPr lang="it-IT" i="1">
-                            <a:latin typeface="Cambria Math" panose="02040503050406030204" pitchFamily="18" charset="0"/>
-                          </a:rPr>
-                        </m:ctrlPr>
-                      </m:sSupPr>
-                      <m:e>
-                        <m:r>
-                          <a:rPr lang="it-IT">
-                            <a:latin typeface="Cambria Math" panose="02040503050406030204" pitchFamily="18" charset="0"/>
-                          </a:rPr>
-                          <m:t>10</m:t>
-                        </m:r>
-                      </m:e>
-                      <m:sup>
-                        <m:r>
-                          <a:rPr lang="it-IT">
-                            <a:latin typeface="Cambria Math" panose="02040503050406030204" pitchFamily="18" charset="0"/>
-                          </a:rPr>
-                          <m:t>−3</m:t>
-                        </m:r>
-                      </m:sup>
-                    </m:sSup>
-                  </m:oMath>
-                </a14:m>
-                <a:endParaRPr lang="it-IT" dirty="0"/>
-              </a:p>
-              <a:p>
-                <a:endParaRPr lang="it-IT" dirty="0"/>
-              </a:p>
-            </p:txBody>
-          </p:sp>
-        </mc:Choice>
-        <mc:Fallback xmlns="">
-          <p:sp>
-            <p:nvSpPr>
-              <p:cNvPr id="12" name="Segnaposto testo 11">
-                <a:extLst>
-                  <a:ext uri="{FF2B5EF4-FFF2-40B4-BE49-F238E27FC236}">
-                    <a16:creationId xmlns:a16="http://schemas.microsoft.com/office/drawing/2014/main" id="{91E62C72-B8C0-CDB5-A8FE-B8783828CE00}"/>
-                  </a:ext>
-                </a:extLst>
-              </p:cNvPr>
-              <p:cNvSpPr>
-                <a:spLocks noGrp="1" noRot="1" noChangeAspect="1" noMove="1" noResize="1" noEditPoints="1" noAdjustHandles="1" noChangeArrowheads="1" noChangeShapeType="1" noTextEdit="1"/>
-              </p:cNvSpPr>
-              <p:nvPr>
-                <p:ph type="body" idx="22"/>
-              </p:nvPr>
-            </p:nvSpPr>
-            <p:spPr>
-              <a:xfrm>
-                <a:off x="3460663" y="4608301"/>
-                <a:ext cx="2006498" cy="343061"/>
-              </a:xfrm>
-              <a:blipFill>
-                <a:blip r:embed="rId6"/>
-                <a:stretch>
-                  <a:fillRect t="-3571" b="-130357"/>
-                </a:stretch>
-              </a:blipFill>
-            </p:spPr>
-            <p:txBody>
-              <a:bodyPr/>
-              <a:lstStyle/>
-              <a:p>
-                <a:r>
-                  <a:rPr lang="it-IT">
-                    <a:noFill/>
-                  </a:rPr>
-                  <a:t> </a:t>
-                </a:r>
-              </a:p>
-            </p:txBody>
-          </p:sp>
-        </mc:Fallback>
-      </mc:AlternateContent>
-      <mc:AlternateContent xmlns:mc="http://schemas.openxmlformats.org/markup-compatibility/2006" xmlns:a14="http://schemas.microsoft.com/office/drawing/2010/main">
-        <mc:Choice Requires="a14">
-          <p:sp>
-            <p:nvSpPr>
-              <p:cNvPr id="13" name="Segnaposto testo 12">
-                <a:extLst>
-                  <a:ext uri="{FF2B5EF4-FFF2-40B4-BE49-F238E27FC236}">
-                    <a16:creationId xmlns:a16="http://schemas.microsoft.com/office/drawing/2014/main" id="{8D764539-917E-7D0D-1F43-A4A9616D5C71}"/>
-                  </a:ext>
-                </a:extLst>
-              </p:cNvPr>
-              <p:cNvSpPr>
-                <a:spLocks noGrp="1"/>
-              </p:cNvSpPr>
-              <p:nvPr>
-                <p:ph type="body" idx="23"/>
-              </p:nvPr>
-            </p:nvSpPr>
-            <p:spPr>
-              <a:xfrm>
-                <a:off x="6517892" y="4608301"/>
-                <a:ext cx="2092708" cy="343061"/>
-              </a:xfrm>
-            </p:spPr>
-            <p:txBody>
-              <a:bodyPr/>
-              <a:lstStyle/>
-              <a:p>
-                <a:r>
-                  <a:rPr lang="it-IT" dirty="0" err="1"/>
-                  <a:t>Accuracy</a:t>
-                </a:r>
-                <a:r>
-                  <a:rPr lang="it-IT" dirty="0"/>
-                  <a:t>: 63%</a:t>
-                </a:r>
-              </a:p>
-              <a:p>
-                <a:r>
-                  <a:rPr lang="it-IT" dirty="0"/>
-                  <a:t>Epoche: 150 </a:t>
-                </a:r>
-                <a:r>
-                  <a:rPr lang="it-IT" dirty="0" err="1"/>
-                  <a:t>t.l</a:t>
-                </a:r>
-                <a:r>
-                  <a:rPr lang="it-IT" dirty="0"/>
-                  <a:t>. + 500 f.t.</a:t>
-                </a:r>
-              </a:p>
-              <a:p>
-                <a:r>
-                  <a:rPr lang="it-IT" dirty="0"/>
-                  <a:t>Learning Rate: </a:t>
-                </a:r>
-                <a14:m>
-                  <m:oMath xmlns:m="http://schemas.openxmlformats.org/officeDocument/2006/math">
-                    <m:sSup>
-                      <m:sSupPr>
-                        <m:ctrlPr>
-                          <a:rPr lang="it-IT" i="1">
-                            <a:latin typeface="Cambria Math" panose="02040503050406030204" pitchFamily="18" charset="0"/>
-                          </a:rPr>
-                        </m:ctrlPr>
-                      </m:sSupPr>
-                      <m:e>
-                        <m:r>
-                          <a:rPr lang="it-IT">
-                            <a:latin typeface="Cambria Math" panose="02040503050406030204" pitchFamily="18" charset="0"/>
-                          </a:rPr>
-                          <m:t>10</m:t>
-                        </m:r>
-                      </m:e>
-                      <m:sup>
-                        <m:r>
-                          <a:rPr lang="it-IT">
-                            <a:latin typeface="Cambria Math" panose="02040503050406030204" pitchFamily="18" charset="0"/>
-                          </a:rPr>
-                          <m:t>−3</m:t>
-                        </m:r>
-                      </m:sup>
-                    </m:sSup>
-                  </m:oMath>
-                </a14:m>
-                <a:endParaRPr lang="it-IT" dirty="0"/>
-              </a:p>
-              <a:p>
-                <a:endParaRPr lang="it-IT" dirty="0"/>
-              </a:p>
-            </p:txBody>
-          </p:sp>
-        </mc:Choice>
-        <mc:Fallback xmlns="">
-          <p:sp>
-            <p:nvSpPr>
-              <p:cNvPr id="13" name="Segnaposto testo 12">
-                <a:extLst>
-                  <a:ext uri="{FF2B5EF4-FFF2-40B4-BE49-F238E27FC236}">
-                    <a16:creationId xmlns:a16="http://schemas.microsoft.com/office/drawing/2014/main" id="{8D764539-917E-7D0D-1F43-A4A9616D5C71}"/>
-                  </a:ext>
-                </a:extLst>
-              </p:cNvPr>
-              <p:cNvSpPr>
-                <a:spLocks noGrp="1" noRot="1" noChangeAspect="1" noMove="1" noResize="1" noEditPoints="1" noAdjustHandles="1" noChangeArrowheads="1" noChangeShapeType="1" noTextEdit="1"/>
-              </p:cNvSpPr>
-              <p:nvPr>
-                <p:ph type="body" idx="23"/>
-              </p:nvPr>
-            </p:nvSpPr>
-            <p:spPr>
-              <a:xfrm>
-                <a:off x="6517892" y="4608301"/>
-                <a:ext cx="2092708" cy="343061"/>
-              </a:xfrm>
-              <a:blipFill>
-                <a:blip r:embed="rId7"/>
-                <a:stretch>
-                  <a:fillRect t="-3571" b="-130357"/>
-                </a:stretch>
-              </a:blipFill>
-            </p:spPr>
-            <p:txBody>
-              <a:bodyPr/>
-              <a:lstStyle/>
-              <a:p>
-                <a:r>
-                  <a:rPr lang="it-IT">
-                    <a:noFill/>
-                  </a:rPr>
-                  <a:t> </a:t>
-                </a:r>
-              </a:p>
-            </p:txBody>
-          </p:sp>
-        </mc:Fallback>
-      </mc:AlternateContent>
-      <mc:AlternateContent xmlns:mc="http://schemas.openxmlformats.org/markup-compatibility/2006" xmlns:a14="http://schemas.microsoft.com/office/drawing/2010/main">
-        <mc:Choice Requires="a14">
-          <p:sp>
-            <p:nvSpPr>
-              <p:cNvPr id="14" name="Segnaposto testo 13">
-                <a:extLst>
-                  <a:ext uri="{FF2B5EF4-FFF2-40B4-BE49-F238E27FC236}">
-                    <a16:creationId xmlns:a16="http://schemas.microsoft.com/office/drawing/2014/main" id="{7A2406DB-7D0D-0983-9454-F91F957BE9EE}"/>
-                  </a:ext>
-                </a:extLst>
-              </p:cNvPr>
-              <p:cNvSpPr>
-                <a:spLocks noGrp="1"/>
-              </p:cNvSpPr>
-              <p:nvPr>
-                <p:ph type="body" idx="24"/>
-              </p:nvPr>
-            </p:nvSpPr>
-            <p:spPr>
-              <a:xfrm>
-                <a:off x="9661331" y="4608300"/>
-                <a:ext cx="1845510" cy="343061"/>
-              </a:xfrm>
-            </p:spPr>
-            <p:txBody>
-              <a:bodyPr/>
-              <a:lstStyle/>
-              <a:p>
-                <a:r>
-                  <a:rPr lang="it-IT" dirty="0" err="1"/>
-                  <a:t>Accuracy</a:t>
-                </a:r>
-                <a:r>
-                  <a:rPr lang="it-IT" dirty="0"/>
-                  <a:t>: 82%</a:t>
-                </a:r>
-              </a:p>
-              <a:p>
-                <a:r>
-                  <a:rPr lang="it-IT" dirty="0"/>
-                  <a:t>Epoche: 450</a:t>
-                </a:r>
-              </a:p>
-              <a:p>
-                <a:r>
-                  <a:rPr lang="it-IT" dirty="0"/>
-                  <a:t>Learning Rate: </a:t>
-                </a:r>
-                <a14:m>
-                  <m:oMath xmlns:m="http://schemas.openxmlformats.org/officeDocument/2006/math">
-                    <m:sSup>
-                      <m:sSupPr>
-                        <m:ctrlPr>
-                          <a:rPr lang="it-IT" i="1">
-                            <a:latin typeface="Cambria Math" panose="02040503050406030204" pitchFamily="18" charset="0"/>
-                          </a:rPr>
-                        </m:ctrlPr>
-                      </m:sSupPr>
-                      <m:e>
-                        <m:r>
-                          <a:rPr lang="it-IT">
-                            <a:latin typeface="Cambria Math" panose="02040503050406030204" pitchFamily="18" charset="0"/>
-                          </a:rPr>
-                          <m:t>10</m:t>
-                        </m:r>
-                      </m:e>
-                      <m:sup>
-                        <m:r>
-                          <a:rPr lang="it-IT">
-                            <a:latin typeface="Cambria Math" panose="02040503050406030204" pitchFamily="18" charset="0"/>
-                          </a:rPr>
-                          <m:t>−3</m:t>
-                        </m:r>
-                      </m:sup>
-                    </m:sSup>
-                  </m:oMath>
-                </a14:m>
-                <a:endParaRPr lang="it-IT" dirty="0"/>
-              </a:p>
-              <a:p>
-                <a:endParaRPr lang="it-IT" u="sng" dirty="0"/>
-              </a:p>
-            </p:txBody>
-          </p:sp>
-        </mc:Choice>
-        <mc:Fallback xmlns="">
-          <p:sp>
-            <p:nvSpPr>
-              <p:cNvPr id="14" name="Segnaposto testo 13">
-                <a:extLst>
-                  <a:ext uri="{FF2B5EF4-FFF2-40B4-BE49-F238E27FC236}">
-                    <a16:creationId xmlns:a16="http://schemas.microsoft.com/office/drawing/2014/main" id="{7A2406DB-7D0D-0983-9454-F91F957BE9EE}"/>
-                  </a:ext>
-                </a:extLst>
-              </p:cNvPr>
-              <p:cNvSpPr>
-                <a:spLocks noGrp="1" noRot="1" noChangeAspect="1" noMove="1" noResize="1" noEditPoints="1" noAdjustHandles="1" noChangeArrowheads="1" noChangeShapeType="1" noTextEdit="1"/>
-              </p:cNvSpPr>
-              <p:nvPr>
-                <p:ph type="body" idx="24"/>
-              </p:nvPr>
-            </p:nvSpPr>
-            <p:spPr>
-              <a:xfrm>
-                <a:off x="9661331" y="4608300"/>
-                <a:ext cx="1845510" cy="343061"/>
-              </a:xfrm>
-              <a:blipFill>
-                <a:blip r:embed="rId8"/>
-                <a:stretch>
-                  <a:fillRect t="-3571" b="-130357"/>
-                </a:stretch>
-              </a:blipFill>
-            </p:spPr>
-            <p:txBody>
-              <a:bodyPr/>
-              <a:lstStyle/>
-              <a:p>
-                <a:r>
-                  <a:rPr lang="it-IT">
-                    <a:noFill/>
-                  </a:rPr>
-                  <a:t> </a:t>
-                </a:r>
-              </a:p>
-            </p:txBody>
-          </p:sp>
-        </mc:Fallback>
-      </mc:AlternateContent>
+      <p:sp>
+        <p:nvSpPr>
+          <p:cNvPr id="11" name="Segnaposto testo 10">
+            <a:extLst>
+              <a:ext uri="{FF2B5EF4-FFF2-40B4-BE49-F238E27FC236}">
+                <a16:creationId xmlns:a16="http://schemas.microsoft.com/office/drawing/2014/main" id="{6D23DE95-5475-4A99-2D9D-B7931A705CB8}"/>
+              </a:ext>
+            </a:extLst>
+          </p:cNvPr>
+          <p:cNvSpPr>
+            <a:spLocks noGrp="1"/>
+          </p:cNvSpPr>
+          <p:nvPr>
+            <p:ph type="body" idx="21"/>
+          </p:nvPr>
+        </p:nvSpPr>
+        <p:spPr>
+          <a:xfrm>
+            <a:off x="564422" y="4613155"/>
+            <a:ext cx="1845511" cy="774481"/>
+          </a:xfrm>
+        </p:spPr>
+        <p:txBody>
+          <a:bodyPr/>
+          <a:lstStyle/>
+          <a:p>
+            <a:r>
+              <a:rPr lang="it-IT" dirty="0"/>
+              <a:t>Accuracy: 55%</a:t>
+            </a:r>
+          </a:p>
+          <a:p>
+            <a:r>
+              <a:rPr lang="it-IT" dirty="0"/>
+              <a:t>Epoche: 150</a:t>
+            </a:r>
+          </a:p>
+          <a:p>
+            <a:endParaRPr lang="it-IT" dirty="0"/>
+          </a:p>
+        </p:txBody>
+      </p:sp>
+      <p:sp>
+        <p:nvSpPr>
+          <p:cNvPr id="12" name="Segnaposto testo 11">
+            <a:extLst>
+              <a:ext uri="{FF2B5EF4-FFF2-40B4-BE49-F238E27FC236}">
+                <a16:creationId xmlns:a16="http://schemas.microsoft.com/office/drawing/2014/main" id="{91E62C72-B8C0-CDB5-A8FE-B8783828CE00}"/>
+              </a:ext>
+            </a:extLst>
+          </p:cNvPr>
+          <p:cNvSpPr>
+            <a:spLocks noGrp="1"/>
+          </p:cNvSpPr>
+          <p:nvPr>
+            <p:ph type="body" idx="22"/>
+          </p:nvPr>
+        </p:nvSpPr>
+        <p:spPr>
+          <a:xfrm>
+            <a:off x="3460663" y="4608301"/>
+            <a:ext cx="2006498" cy="343061"/>
+          </a:xfrm>
+        </p:spPr>
+        <p:txBody>
+          <a:bodyPr/>
+          <a:lstStyle/>
+          <a:p>
+            <a:r>
+              <a:rPr lang="it-IT" dirty="0" err="1"/>
+              <a:t>Accuracy</a:t>
+            </a:r>
+            <a:r>
+              <a:rPr lang="it-IT" dirty="0"/>
+              <a:t>: 60%</a:t>
+            </a:r>
+          </a:p>
+          <a:p>
+            <a:r>
+              <a:rPr lang="it-IT" dirty="0"/>
+              <a:t>Epoche: 150 </a:t>
+            </a:r>
+            <a:r>
+              <a:rPr lang="it-IT" dirty="0" err="1"/>
+              <a:t>t.l</a:t>
+            </a:r>
+            <a:r>
+              <a:rPr lang="it-IT" dirty="0"/>
+              <a:t>. + 30 f.t.</a:t>
+            </a:r>
+          </a:p>
+          <a:p>
+            <a:endParaRPr lang="it-IT" dirty="0"/>
+          </a:p>
+        </p:txBody>
+      </p:sp>
+      <p:sp>
+        <p:nvSpPr>
+          <p:cNvPr id="13" name="Segnaposto testo 12">
+            <a:extLst>
+              <a:ext uri="{FF2B5EF4-FFF2-40B4-BE49-F238E27FC236}">
+                <a16:creationId xmlns:a16="http://schemas.microsoft.com/office/drawing/2014/main" id="{8D764539-917E-7D0D-1F43-A4A9616D5C71}"/>
+              </a:ext>
+            </a:extLst>
+          </p:cNvPr>
+          <p:cNvSpPr>
+            <a:spLocks noGrp="1"/>
+          </p:cNvSpPr>
+          <p:nvPr>
+            <p:ph type="body" idx="23"/>
+          </p:nvPr>
+        </p:nvSpPr>
+        <p:spPr>
+          <a:xfrm>
+            <a:off x="6517892" y="4608301"/>
+            <a:ext cx="2092708" cy="343061"/>
+          </a:xfrm>
+        </p:spPr>
+        <p:txBody>
+          <a:bodyPr/>
+          <a:lstStyle/>
+          <a:p>
+            <a:r>
+              <a:rPr lang="it-IT" dirty="0" err="1"/>
+              <a:t>Accuracy</a:t>
+            </a:r>
+            <a:r>
+              <a:rPr lang="it-IT" dirty="0"/>
+              <a:t>: 63%</a:t>
+            </a:r>
+          </a:p>
+          <a:p>
+            <a:r>
+              <a:rPr lang="it-IT" dirty="0"/>
+              <a:t>Epoche: 150 </a:t>
+            </a:r>
+            <a:r>
+              <a:rPr lang="it-IT" dirty="0" err="1"/>
+              <a:t>t.l</a:t>
+            </a:r>
+            <a:r>
+              <a:rPr lang="it-IT" dirty="0"/>
+              <a:t>. + 500 f.t.</a:t>
+            </a:r>
+          </a:p>
+          <a:p>
+            <a:endParaRPr lang="it-IT" dirty="0"/>
+          </a:p>
+        </p:txBody>
+      </p:sp>
+      <p:sp>
+        <p:nvSpPr>
+          <p:cNvPr id="14" name="Segnaposto testo 13">
+            <a:extLst>
+              <a:ext uri="{FF2B5EF4-FFF2-40B4-BE49-F238E27FC236}">
+                <a16:creationId xmlns:a16="http://schemas.microsoft.com/office/drawing/2014/main" id="{7A2406DB-7D0D-0983-9454-F91F957BE9EE}"/>
+              </a:ext>
+            </a:extLst>
+          </p:cNvPr>
+          <p:cNvSpPr>
+            <a:spLocks noGrp="1"/>
+          </p:cNvSpPr>
+          <p:nvPr>
+            <p:ph type="body" idx="24"/>
+          </p:nvPr>
+        </p:nvSpPr>
+        <p:spPr>
+          <a:xfrm>
+            <a:off x="9661331" y="4608300"/>
+            <a:ext cx="1845510" cy="343061"/>
+          </a:xfrm>
+        </p:spPr>
+        <p:txBody>
+          <a:bodyPr/>
+          <a:lstStyle/>
+          <a:p>
+            <a:r>
+              <a:rPr lang="it-IT" dirty="0" err="1"/>
+              <a:t>Accuracy</a:t>
+            </a:r>
+            <a:r>
+              <a:rPr lang="it-IT" dirty="0"/>
+              <a:t>: 82%</a:t>
+            </a:r>
+          </a:p>
+          <a:p>
+            <a:r>
+              <a:rPr lang="it-IT" dirty="0"/>
+              <a:t>Epoche: 450</a:t>
+            </a:r>
+          </a:p>
+          <a:p>
+            <a:endParaRPr lang="it-IT" dirty="0"/>
+          </a:p>
+          <a:p>
+            <a:endParaRPr lang="it-IT" u="sng" dirty="0"/>
+          </a:p>
+        </p:txBody>
+      </p:sp>
       <p:sp>
         <p:nvSpPr>
           <p:cNvPr id="17" name="Segnaposto numero diapositiva 16">
@@ -20100,7 +19761,7 @@
           </p:nvPr>
         </p:nvPicPr>
         <p:blipFill rotWithShape="1">
-          <a:blip r:embed="rId9"/>
+          <a:blip r:embed="rId5"/>
           <a:srcRect t="54716" r="21792" b="94"/>
           <a:stretch/>
         </p:blipFill>
@@ -20159,7 +19820,7 @@
         </p:nvSpPr>
         <p:spPr>
           <a:xfrm>
-            <a:off x="4662855" y="454774"/>
+            <a:off x="4006215" y="1615736"/>
             <a:ext cx="4179570" cy="1524735"/>
           </a:xfrm>
         </p:spPr>
@@ -20167,6 +19828,7 @@
           <a:bodyPr/>
           <a:lstStyle/>
           <a:p>
+            <a:pPr algn="ctr"/>
             <a:r>
               <a:rPr lang="it-IT" dirty="0"/>
               <a:t>Conclusioni</a:t>
@@ -20192,7 +19854,7 @@
         </p:nvSpPr>
         <p:spPr>
           <a:xfrm>
-            <a:off x="4082561" y="2262157"/>
+            <a:off x="4006215" y="3238103"/>
             <a:ext cx="4179570" cy="2004161"/>
           </a:xfrm>
         </p:spPr>
@@ -20203,7 +19865,7 @@
             <a:pPr algn="ctr"/>
             <a:r>
               <a:rPr lang="it-IT" dirty="0"/>
-              <a:t>Si può osservare che l’uso di tecniche come fine tuning, transfer learning e data augmentation aiutano la rete a performare meglio, tuttavia la rete neurale che sfrutta l’uso di immagini e metadati è la migliore.</a:t>
+              <a:t>Si può osservare che l’uso di tecniche come fine tuning, transfer learning e data augmentation aiutano la rete ad avere migliori capacità predittive, tuttavia la rete neurale che sfrutta l’uso di immagini e metadati ha una accuratezza maggiore.</a:t>
             </a:r>
           </a:p>
         </p:txBody>
@@ -20229,9 +19891,9 @@
           <a:bodyPr/>
           <a:lstStyle/>
           <a:p>
-            <a:pPr rtl="0"/>
             <a:fld id="{B5CEABB6-07DC-46E8-9B57-56EC44A396E5}" type="slidenum">
               <a:rPr lang="it-IT" noProof="0" smtClean="0"/>
+              <a:pPr/>
               <a:t>9</a:t>
             </a:fld>
             <a:endParaRPr lang="it-IT" noProof="0"/>
@@ -21043,34 +20705,6 @@
 </file>
 
 <file path=customXml/item1.xml><?xml version="1.0" encoding="utf-8"?>
-<p:properties xmlns:p="http://schemas.microsoft.com/office/2006/metadata/properties" xmlns:xsi="http://www.w3.org/2001/XMLSchema-instance" xmlns:pc="http://schemas.microsoft.com/office/infopath/2007/PartnerControls">
-  <documentManagement>
-    <_ip_UnifiedCompliancePolicyUIAction xmlns="http://schemas.microsoft.com/sharepoint/v3" xsi:nil="true"/>
-    <Image xmlns="71af3243-3dd4-4a8d-8c0d-dd76da1f02a5">
-      <Url xsi:nil="true"/>
-      <Description xsi:nil="true"/>
-    </Image>
-    <Status xmlns="71af3243-3dd4-4a8d-8c0d-dd76da1f02a5">Not started</Status>
-    <_ip_UnifiedCompliancePolicyProperties xmlns="http://schemas.microsoft.com/sharepoint/v3" xsi:nil="true"/>
-    <ImageTagsTaxHTField xmlns="71af3243-3dd4-4a8d-8c0d-dd76da1f02a5">
-      <Terms xmlns="http://schemas.microsoft.com/office/infopath/2007/PartnerControls"/>
-    </ImageTagsTaxHTField>
-    <TaxCatchAll xmlns="230e9df3-be65-4c73-a93b-d1236ebd677e"/>
-    <MediaServiceKeyPoints xmlns="71af3243-3dd4-4a8d-8c0d-dd76da1f02a5" xsi:nil="true"/>
-  </documentManagement>
-</p:properties>
-</file>
-
-<file path=customXml/item2.xml><?xml version="1.0" encoding="utf-8"?>
-<?mso-contentType ?>
-<FormTemplates xmlns="http://schemas.microsoft.com/sharepoint/v3/contenttype/forms">
-  <Display>DocumentLibraryForm</Display>
-  <Edit>DocumentLibraryForm</Edit>
-  <New>DocumentLibraryForm</New>
-</FormTemplates>
-</file>
-
-<file path=customXml/item3.xml><?xml version="1.0" encoding="utf-8"?>
 <ct:contentTypeSchema xmlns:ct="http://schemas.microsoft.com/office/2006/metadata/contentType" xmlns:ma="http://schemas.microsoft.com/office/2006/metadata/properties/metaAttributes" ct:_="" ma:_="" ma:contentTypeName="Document" ma:contentTypeID="0x01010079F111ED35F8CC479449609E8A0923A6" ma:contentTypeVersion="20" ma:contentTypeDescription="Create a new document." ma:contentTypeScope="" ma:versionID="1267097ee5f5874adfcc408041ae252e">
   <xsd:schema xmlns:xsd="http://www.w3.org/2001/XMLSchema" xmlns:xs="http://www.w3.org/2001/XMLSchema" xmlns:p="http://schemas.microsoft.com/office/2006/metadata/properties" xmlns:ns1="http://schemas.microsoft.com/sharepoint/v3" xmlns:ns2="71af3243-3dd4-4a8d-8c0d-dd76da1f02a5" xmlns:ns3="16c05727-aa75-4e4a-9b5f-8a80a1165891" xmlns:ns4="230e9df3-be65-4c73-a93b-d1236ebd677e" targetNamespace="http://schemas.microsoft.com/office/2006/metadata/properties" ma:root="true" ma:fieldsID="395891a93df65b14727750f2c06c306c" ns1:_="" ns2:_="" ns3:_="" ns4:_="">
     <xsd:import namespace="http://schemas.microsoft.com/sharepoint/v3"/>
@@ -21346,27 +20980,35 @@
 </ct:contentTypeSchema>
 </file>
 
-<file path=customXml/itemProps1.xml><?xml version="1.0" encoding="utf-8"?>
-<ds:datastoreItem xmlns:ds="http://schemas.openxmlformats.org/officeDocument/2006/customXml" ds:itemID="{7F97B18F-50BC-4F30-8373-93489E845F83}">
-  <ds:schemaRefs>
-    <ds:schemaRef ds:uri="http://schemas.microsoft.com/office/2006/metadata/properties"/>
-    <ds:schemaRef ds:uri="http://schemas.microsoft.com/office/infopath/2007/PartnerControls"/>
-    <ds:schemaRef ds:uri="http://schemas.microsoft.com/sharepoint/v3"/>
-    <ds:schemaRef ds:uri="71af3243-3dd4-4a8d-8c0d-dd76da1f02a5"/>
-    <ds:schemaRef ds:uri="230e9df3-be65-4c73-a93b-d1236ebd677e"/>
-  </ds:schemaRefs>
-</ds:datastoreItem>
+<file path=customXml/item2.xml><?xml version="1.0" encoding="utf-8"?>
+<?mso-contentType ?>
+<FormTemplates xmlns="http://schemas.microsoft.com/sharepoint/v3/contenttype/forms">
+  <Display>DocumentLibraryForm</Display>
+  <Edit>DocumentLibraryForm</Edit>
+  <New>DocumentLibraryForm</New>
+</FormTemplates>
 </file>
 
-<file path=customXml/itemProps2.xml><?xml version="1.0" encoding="utf-8"?>
-<ds:datastoreItem xmlns:ds="http://schemas.openxmlformats.org/officeDocument/2006/customXml" ds:itemID="{42BC90D6-94CF-42F7-AAC4-9CF6824C54D5}">
-  <ds:schemaRefs>
-    <ds:schemaRef ds:uri="http://schemas.microsoft.com/sharepoint/v3/contenttype/forms"/>
-  </ds:schemaRefs>
-</ds:datastoreItem>
+<file path=customXml/item3.xml><?xml version="1.0" encoding="utf-8"?>
+<p:properties xmlns:p="http://schemas.microsoft.com/office/2006/metadata/properties" xmlns:xsi="http://www.w3.org/2001/XMLSchema-instance" xmlns:pc="http://schemas.microsoft.com/office/infopath/2007/PartnerControls">
+  <documentManagement>
+    <_ip_UnifiedCompliancePolicyUIAction xmlns="http://schemas.microsoft.com/sharepoint/v3" xsi:nil="true"/>
+    <Image xmlns="71af3243-3dd4-4a8d-8c0d-dd76da1f02a5">
+      <Url xsi:nil="true"/>
+      <Description xsi:nil="true"/>
+    </Image>
+    <Status xmlns="71af3243-3dd4-4a8d-8c0d-dd76da1f02a5">Not started</Status>
+    <_ip_UnifiedCompliancePolicyProperties xmlns="http://schemas.microsoft.com/sharepoint/v3" xsi:nil="true"/>
+    <ImageTagsTaxHTField xmlns="71af3243-3dd4-4a8d-8c0d-dd76da1f02a5">
+      <Terms xmlns="http://schemas.microsoft.com/office/infopath/2007/PartnerControls"/>
+    </ImageTagsTaxHTField>
+    <TaxCatchAll xmlns="230e9df3-be65-4c73-a93b-d1236ebd677e"/>
+    <MediaServiceKeyPoints xmlns="71af3243-3dd4-4a8d-8c0d-dd76da1f02a5" xsi:nil="true"/>
+  </documentManagement>
+</p:properties>
 </file>
 
-<file path=customXml/itemProps3.xml><?xml version="1.0" encoding="utf-8"?>
+<file path=customXml/itemProps1.xml><?xml version="1.0" encoding="utf-8"?>
 <ds:datastoreItem xmlns:ds="http://schemas.openxmlformats.org/officeDocument/2006/customXml" ds:itemID="{64CF2EF3-001F-4BE9-81B3-86ECBBF9425F}">
   <ds:schemaRefs>
     <ds:schemaRef ds:uri="http://schemas.microsoft.com/office/2006/metadata/contentType"/>
@@ -21387,6 +21029,26 @@
 </ds:datastoreItem>
 </file>
 
+<file path=customXml/itemProps2.xml><?xml version="1.0" encoding="utf-8"?>
+<ds:datastoreItem xmlns:ds="http://schemas.openxmlformats.org/officeDocument/2006/customXml" ds:itemID="{42BC90D6-94CF-42F7-AAC4-9CF6824C54D5}">
+  <ds:schemaRefs>
+    <ds:schemaRef ds:uri="http://schemas.microsoft.com/sharepoint/v3/contenttype/forms"/>
+  </ds:schemaRefs>
+</ds:datastoreItem>
+</file>
+
+<file path=customXml/itemProps3.xml><?xml version="1.0" encoding="utf-8"?>
+<ds:datastoreItem xmlns:ds="http://schemas.openxmlformats.org/officeDocument/2006/customXml" ds:itemID="{7F97B18F-50BC-4F30-8373-93489E845F83}">
+  <ds:schemaRefs>
+    <ds:schemaRef ds:uri="http://schemas.microsoft.com/office/2006/metadata/properties"/>
+    <ds:schemaRef ds:uri="http://schemas.microsoft.com/office/infopath/2007/PartnerControls"/>
+    <ds:schemaRef ds:uri="http://schemas.microsoft.com/sharepoint/v3"/>
+    <ds:schemaRef ds:uri="71af3243-3dd4-4a8d-8c0d-dd76da1f02a5"/>
+    <ds:schemaRef ds:uri="230e9df3-be65-4c73-a93b-d1236ebd677e"/>
+  </ds:schemaRefs>
+</ds:datastoreItem>
+</file>
+
 <file path=docMetadata/LabelInfo.xml><?xml version="1.0" encoding="utf-8"?>
 <clbl:labelList xmlns:clbl="http://schemas.microsoft.com/office/2020/mipLabelMetadata">
   <clbl:label id="{f42aa342-8706-4288-bd11-ebb85995028c}" enabled="1" method="Standard" siteId="{72f988bf-86f1-41af-91ab-2d7cd011db47}" removed="0"/>
